--- a/Slides/Lesson 8.1 General Recursion.pptx
+++ b/Slides/Lesson 8.1 General Recursion.pptx
@@ -5,7 +5,7 @@
     <p:sldMasterId id="2147483660" r:id="rId1"/>
   </p:sldMasterIdLst>
   <p:notesMasterIdLst>
-    <p:notesMasterId r:id="rId65"/>
+    <p:notesMasterId r:id="rId40"/>
   </p:notesMasterIdLst>
   <p:sldIdLst>
     <p:sldId id="257" r:id="rId2"/>
@@ -46,36 +46,11 @@
     <p:sldId id="603" r:id="rId37"/>
     <p:sldId id="613" r:id="rId38"/>
     <p:sldId id="535" r:id="rId39"/>
-    <p:sldId id="554" r:id="rId40"/>
-    <p:sldId id="555" r:id="rId41"/>
-    <p:sldId id="556" r:id="rId42"/>
-    <p:sldId id="557" r:id="rId43"/>
-    <p:sldId id="558" r:id="rId44"/>
-    <p:sldId id="559" r:id="rId45"/>
-    <p:sldId id="560" r:id="rId46"/>
-    <p:sldId id="561" r:id="rId47"/>
-    <p:sldId id="562" r:id="rId48"/>
-    <p:sldId id="574" r:id="rId49"/>
-    <p:sldId id="591" r:id="rId50"/>
-    <p:sldId id="578" r:id="rId51"/>
-    <p:sldId id="579" r:id="rId52"/>
-    <p:sldId id="580" r:id="rId53"/>
-    <p:sldId id="581" r:id="rId54"/>
-    <p:sldId id="582" r:id="rId55"/>
-    <p:sldId id="583" r:id="rId56"/>
-    <p:sldId id="584" r:id="rId57"/>
-    <p:sldId id="585" r:id="rId58"/>
-    <p:sldId id="586" r:id="rId59"/>
-    <p:sldId id="587" r:id="rId60"/>
-    <p:sldId id="588" r:id="rId61"/>
-    <p:sldId id="589" r:id="rId62"/>
-    <p:sldId id="590" r:id="rId63"/>
-    <p:sldId id="592" r:id="rId64"/>
   </p:sldIdLst>
   <p:sldSz cx="9144000" cy="6858000" type="screen4x3"/>
   <p:notesSz cx="6858000" cy="9144000"/>
   <p:custDataLst>
-    <p:tags r:id="rId66"/>
+    <p:tags r:id="rId41"/>
   </p:custDataLst>
   <p:defaultTextStyle>
     <a:defPPr>
@@ -215,39 +190,6 @@
             <p14:sldId id="603"/>
             <p14:sldId id="613"/>
             <p14:sldId id="535"/>
-          </p14:sldIdLst>
-        </p14:section>
-        <p14:section name="Lesson 8.2" id="{B9BE2FB4-903D-45E7-9710-8F3800B0911C}">
-          <p14:sldIdLst>
-            <p14:sldId id="554"/>
-            <p14:sldId id="555"/>
-            <p14:sldId id="556"/>
-            <p14:sldId id="557"/>
-            <p14:sldId id="558"/>
-            <p14:sldId id="559"/>
-            <p14:sldId id="560"/>
-            <p14:sldId id="561"/>
-            <p14:sldId id="562"/>
-            <p14:sldId id="574"/>
-          </p14:sldIdLst>
-        </p14:section>
-        <p14:section name="Outtakes" id="{36350971-E19C-4410-B06E-9FBA83D38A5E}">
-          <p14:sldIdLst>
-            <p14:sldId id="591"/>
-            <p14:sldId id="578"/>
-            <p14:sldId id="579"/>
-            <p14:sldId id="580"/>
-            <p14:sldId id="581"/>
-            <p14:sldId id="582"/>
-            <p14:sldId id="583"/>
-            <p14:sldId id="584"/>
-            <p14:sldId id="585"/>
-            <p14:sldId id="586"/>
-            <p14:sldId id="587"/>
-            <p14:sldId id="588"/>
-            <p14:sldId id="589"/>
-            <p14:sldId id="590"/>
-            <p14:sldId id="592"/>
           </p14:sldIdLst>
         </p14:section>
       </p14:sectionLst>
@@ -5535,7 +5477,7 @@
             <a:fld id="{CF8F25F6-E1EF-4065-8525-42EDEBD9BD22}" type="datetimeFigureOut">
               <a:rPr lang="en-US" smtClean="0"/>
               <a:pPr/>
-              <a:t>10/12/2017</a:t>
+              <a:t>10/13/2017</a:t>
             </a:fld>
             <a:endParaRPr lang="en-US"/>
           </a:p>
@@ -5892,866 +5834,6 @@
 </p:notes>
 </file>
 
-<file path=ppt/notesSlides/notesSlide10.xml><?xml version="1.0" encoding="utf-8"?>
-<p:notes xmlns:a="http://schemas.openxmlformats.org/drawingml/2006/main" xmlns:r="http://schemas.openxmlformats.org/officeDocument/2006/relationships" xmlns:p="http://schemas.openxmlformats.org/presentationml/2006/main">
-  <p:cSld>
-    <p:spTree>
-      <p:nvGrpSpPr>
-        <p:cNvPr id="1" name=""/>
-        <p:cNvGrpSpPr/>
-        <p:nvPr/>
-      </p:nvGrpSpPr>
-      <p:grpSpPr>
-        <a:xfrm>
-          <a:off x="0" y="0"/>
-          <a:ext cx="0" cy="0"/>
-          <a:chOff x="0" y="0"/>
-          <a:chExt cx="0" cy="0"/>
-        </a:xfrm>
-      </p:grpSpPr>
-      <p:sp>
-        <p:nvSpPr>
-          <p:cNvPr id="2" name="Slide Image Placeholder 1"/>
-          <p:cNvSpPr>
-            <a:spLocks noGrp="1" noRot="1" noChangeAspect="1"/>
-          </p:cNvSpPr>
-          <p:nvPr>
-            <p:ph type="sldImg"/>
-          </p:nvPr>
-        </p:nvSpPr>
-        <p:spPr/>
-      </p:sp>
-      <p:sp>
-        <p:nvSpPr>
-          <p:cNvPr id="3" name="Notes Placeholder 2"/>
-          <p:cNvSpPr>
-            <a:spLocks noGrp="1"/>
-          </p:cNvSpPr>
-          <p:nvPr>
-            <p:ph type="body" idx="1"/>
-          </p:nvPr>
-        </p:nvSpPr>
-        <p:spPr/>
-        <p:txBody>
-          <a:bodyPr>
-            <a:normAutofit/>
-          </a:bodyPr>
-          <a:lstStyle/>
-          <a:p>
-            <a:endParaRPr lang="en-US" dirty="0"/>
-          </a:p>
-        </p:txBody>
-      </p:sp>
-      <p:sp>
-        <p:nvSpPr>
-          <p:cNvPr id="4" name="Slide Number Placeholder 3"/>
-          <p:cNvSpPr>
-            <a:spLocks noGrp="1"/>
-          </p:cNvSpPr>
-          <p:nvPr>
-            <p:ph type="sldNum" sz="quarter" idx="10"/>
-          </p:nvPr>
-        </p:nvSpPr>
-        <p:spPr/>
-        <p:txBody>
-          <a:bodyPr/>
-          <a:lstStyle/>
-          <a:p>
-            <a:fld id="{6048B3DE-E9CD-4720-84B6-E24D30E64DE7}" type="slidenum">
-              <a:rPr lang="en-US" smtClean="0"/>
-              <a:pPr/>
-              <a:t>39</a:t>
-            </a:fld>
-            <a:endParaRPr lang="en-US"/>
-          </a:p>
-        </p:txBody>
-      </p:sp>
-    </p:spTree>
-    <p:extLst>
-      <p:ext uri="{BB962C8B-B14F-4D97-AF65-F5344CB8AC3E}">
-        <p14:creationId xmlns:p14="http://schemas.microsoft.com/office/powerpoint/2010/main" val="1990465662"/>
-      </p:ext>
-    </p:extLst>
-  </p:cSld>
-  <p:clrMapOvr>
-    <a:masterClrMapping/>
-  </p:clrMapOvr>
-</p:notes>
-</file>
-
-<file path=ppt/notesSlides/notesSlide11.xml><?xml version="1.0" encoding="utf-8"?>
-<p:notes xmlns:a="http://schemas.openxmlformats.org/drawingml/2006/main" xmlns:r="http://schemas.openxmlformats.org/officeDocument/2006/relationships" xmlns:p="http://schemas.openxmlformats.org/presentationml/2006/main">
-  <p:cSld>
-    <p:spTree>
-      <p:nvGrpSpPr>
-        <p:cNvPr id="1" name=""/>
-        <p:cNvGrpSpPr/>
-        <p:nvPr/>
-      </p:nvGrpSpPr>
-      <p:grpSpPr>
-        <a:xfrm>
-          <a:off x="0" y="0"/>
-          <a:ext cx="0" cy="0"/>
-          <a:chOff x="0" y="0"/>
-          <a:chExt cx="0" cy="0"/>
-        </a:xfrm>
-      </p:grpSpPr>
-      <p:sp>
-        <p:nvSpPr>
-          <p:cNvPr id="2" name="Slide Image Placeholder 1"/>
-          <p:cNvSpPr>
-            <a:spLocks noGrp="1" noRot="1" noChangeAspect="1"/>
-          </p:cNvSpPr>
-          <p:nvPr>
-            <p:ph type="sldImg"/>
-          </p:nvPr>
-        </p:nvSpPr>
-        <p:spPr/>
-      </p:sp>
-      <p:sp>
-        <p:nvSpPr>
-          <p:cNvPr id="3" name="Notes Placeholder 2"/>
-          <p:cNvSpPr>
-            <a:spLocks noGrp="1"/>
-          </p:cNvSpPr>
-          <p:nvPr>
-            <p:ph type="body" idx="1"/>
-          </p:nvPr>
-        </p:nvSpPr>
-        <p:spPr/>
-        <p:txBody>
-          <a:bodyPr/>
-          <a:lstStyle/>
-          <a:p>
-            <a:endParaRPr lang="en-US" dirty="0"/>
-          </a:p>
-        </p:txBody>
-      </p:sp>
-      <p:sp>
-        <p:nvSpPr>
-          <p:cNvPr id="4" name="Slide Number Placeholder 3"/>
-          <p:cNvSpPr>
-            <a:spLocks noGrp="1"/>
-          </p:cNvSpPr>
-          <p:nvPr>
-            <p:ph type="sldNum" sz="quarter" idx="10"/>
-          </p:nvPr>
-        </p:nvSpPr>
-        <p:spPr/>
-        <p:txBody>
-          <a:bodyPr/>
-          <a:lstStyle/>
-          <a:p>
-            <a:fld id="{00E1DFD8-B619-4FFF-B366-BDCC98D08110}" type="slidenum">
-              <a:rPr lang="en-US" smtClean="0"/>
-              <a:pPr/>
-              <a:t>41</a:t>
-            </a:fld>
-            <a:endParaRPr lang="en-US"/>
-          </a:p>
-        </p:txBody>
-      </p:sp>
-    </p:spTree>
-    <p:extLst>
-      <p:ext uri="{BB962C8B-B14F-4D97-AF65-F5344CB8AC3E}">
-        <p14:creationId xmlns:p14="http://schemas.microsoft.com/office/powerpoint/2010/main" val="1903464237"/>
-      </p:ext>
-    </p:extLst>
-  </p:cSld>
-  <p:clrMapOvr>
-    <a:masterClrMapping/>
-  </p:clrMapOvr>
-</p:notes>
-</file>
-
-<file path=ppt/notesSlides/notesSlide12.xml><?xml version="1.0" encoding="utf-8"?>
-<p:notes xmlns:a="http://schemas.openxmlformats.org/drawingml/2006/main" xmlns:r="http://schemas.openxmlformats.org/officeDocument/2006/relationships" xmlns:p="http://schemas.openxmlformats.org/presentationml/2006/main">
-  <p:cSld>
-    <p:spTree>
-      <p:nvGrpSpPr>
-        <p:cNvPr id="1" name=""/>
-        <p:cNvGrpSpPr/>
-        <p:nvPr/>
-      </p:nvGrpSpPr>
-      <p:grpSpPr>
-        <a:xfrm>
-          <a:off x="0" y="0"/>
-          <a:ext cx="0" cy="0"/>
-          <a:chOff x="0" y="0"/>
-          <a:chExt cx="0" cy="0"/>
-        </a:xfrm>
-      </p:grpSpPr>
-      <p:sp>
-        <p:nvSpPr>
-          <p:cNvPr id="2" name="Slide Image Placeholder 1"/>
-          <p:cNvSpPr>
-            <a:spLocks noGrp="1" noRot="1" noChangeAspect="1"/>
-          </p:cNvSpPr>
-          <p:nvPr>
-            <p:ph type="sldImg"/>
-          </p:nvPr>
-        </p:nvSpPr>
-        <p:spPr/>
-      </p:sp>
-      <p:sp>
-        <p:nvSpPr>
-          <p:cNvPr id="3" name="Notes Placeholder 2"/>
-          <p:cNvSpPr>
-            <a:spLocks noGrp="1"/>
-          </p:cNvSpPr>
-          <p:nvPr>
-            <p:ph type="body" idx="1"/>
-          </p:nvPr>
-        </p:nvSpPr>
-        <p:spPr/>
-        <p:txBody>
-          <a:bodyPr/>
-          <a:lstStyle/>
-          <a:p>
-            <a:endParaRPr lang="en-US" dirty="0"/>
-          </a:p>
-        </p:txBody>
-      </p:sp>
-      <p:sp>
-        <p:nvSpPr>
-          <p:cNvPr id="4" name="Slide Number Placeholder 3"/>
-          <p:cNvSpPr>
-            <a:spLocks noGrp="1"/>
-          </p:cNvSpPr>
-          <p:nvPr>
-            <p:ph type="sldNum" sz="quarter" idx="10"/>
-          </p:nvPr>
-        </p:nvSpPr>
-        <p:spPr/>
-        <p:txBody>
-          <a:bodyPr/>
-          <a:lstStyle/>
-          <a:p>
-            <a:fld id="{00E1DFD8-B619-4FFF-B366-BDCC98D08110}" type="slidenum">
-              <a:rPr lang="en-US" smtClean="0"/>
-              <a:pPr/>
-              <a:t>42</a:t>
-            </a:fld>
-            <a:endParaRPr lang="en-US"/>
-          </a:p>
-        </p:txBody>
-      </p:sp>
-    </p:spTree>
-    <p:extLst>
-      <p:ext uri="{BB962C8B-B14F-4D97-AF65-F5344CB8AC3E}">
-        <p14:creationId xmlns:p14="http://schemas.microsoft.com/office/powerpoint/2010/main" val="2818895770"/>
-      </p:ext>
-    </p:extLst>
-  </p:cSld>
-  <p:clrMapOvr>
-    <a:masterClrMapping/>
-  </p:clrMapOvr>
-</p:notes>
-</file>
-
-<file path=ppt/notesSlides/notesSlide13.xml><?xml version="1.0" encoding="utf-8"?>
-<p:notes xmlns:a="http://schemas.openxmlformats.org/drawingml/2006/main" xmlns:r="http://schemas.openxmlformats.org/officeDocument/2006/relationships" xmlns:p="http://schemas.openxmlformats.org/presentationml/2006/main">
-  <p:cSld>
-    <p:spTree>
-      <p:nvGrpSpPr>
-        <p:cNvPr id="1" name=""/>
-        <p:cNvGrpSpPr/>
-        <p:nvPr/>
-      </p:nvGrpSpPr>
-      <p:grpSpPr>
-        <a:xfrm>
-          <a:off x="0" y="0"/>
-          <a:ext cx="0" cy="0"/>
-          <a:chOff x="0" y="0"/>
-          <a:chExt cx="0" cy="0"/>
-        </a:xfrm>
-      </p:grpSpPr>
-      <p:sp>
-        <p:nvSpPr>
-          <p:cNvPr id="2" name="Slide Image Placeholder 1"/>
-          <p:cNvSpPr>
-            <a:spLocks noGrp="1" noRot="1" noChangeAspect="1"/>
-          </p:cNvSpPr>
-          <p:nvPr>
-            <p:ph type="sldImg"/>
-          </p:nvPr>
-        </p:nvSpPr>
-        <p:spPr/>
-      </p:sp>
-      <p:sp>
-        <p:nvSpPr>
-          <p:cNvPr id="3" name="Notes Placeholder 2"/>
-          <p:cNvSpPr>
-            <a:spLocks noGrp="1"/>
-          </p:cNvSpPr>
-          <p:nvPr>
-            <p:ph type="body" idx="1"/>
-          </p:nvPr>
-        </p:nvSpPr>
-        <p:spPr/>
-        <p:txBody>
-          <a:bodyPr/>
-          <a:lstStyle/>
-          <a:p>
-            <a:endParaRPr lang="en-US" dirty="0"/>
-          </a:p>
-        </p:txBody>
-      </p:sp>
-      <p:sp>
-        <p:nvSpPr>
-          <p:cNvPr id="4" name="Slide Number Placeholder 3"/>
-          <p:cNvSpPr>
-            <a:spLocks noGrp="1"/>
-          </p:cNvSpPr>
-          <p:nvPr>
-            <p:ph type="sldNum" sz="quarter" idx="10"/>
-          </p:nvPr>
-        </p:nvSpPr>
-        <p:spPr/>
-        <p:txBody>
-          <a:bodyPr/>
-          <a:lstStyle/>
-          <a:p>
-            <a:fld id="{00E1DFD8-B619-4FFF-B366-BDCC98D08110}" type="slidenum">
-              <a:rPr lang="en-US" smtClean="0"/>
-              <a:pPr/>
-              <a:t>50</a:t>
-            </a:fld>
-            <a:endParaRPr lang="en-US"/>
-          </a:p>
-        </p:txBody>
-      </p:sp>
-    </p:spTree>
-    <p:extLst>
-      <p:ext uri="{BB962C8B-B14F-4D97-AF65-F5344CB8AC3E}">
-        <p14:creationId xmlns:p14="http://schemas.microsoft.com/office/powerpoint/2010/main" val="2544061736"/>
-      </p:ext>
-    </p:extLst>
-  </p:cSld>
-  <p:clrMapOvr>
-    <a:masterClrMapping/>
-  </p:clrMapOvr>
-</p:notes>
-</file>
-
-<file path=ppt/notesSlides/notesSlide14.xml><?xml version="1.0" encoding="utf-8"?>
-<p:notes xmlns:a="http://schemas.openxmlformats.org/drawingml/2006/main" xmlns:r="http://schemas.openxmlformats.org/officeDocument/2006/relationships" xmlns:p="http://schemas.openxmlformats.org/presentationml/2006/main">
-  <p:cSld>
-    <p:spTree>
-      <p:nvGrpSpPr>
-        <p:cNvPr id="1" name=""/>
-        <p:cNvGrpSpPr/>
-        <p:nvPr/>
-      </p:nvGrpSpPr>
-      <p:grpSpPr>
-        <a:xfrm>
-          <a:off x="0" y="0"/>
-          <a:ext cx="0" cy="0"/>
-          <a:chOff x="0" y="0"/>
-          <a:chExt cx="0" cy="0"/>
-        </a:xfrm>
-      </p:grpSpPr>
-      <p:sp>
-        <p:nvSpPr>
-          <p:cNvPr id="2" name="Slide Image Placeholder 1"/>
-          <p:cNvSpPr>
-            <a:spLocks noGrp="1" noRot="1" noChangeAspect="1"/>
-          </p:cNvSpPr>
-          <p:nvPr>
-            <p:ph type="sldImg"/>
-          </p:nvPr>
-        </p:nvSpPr>
-        <p:spPr/>
-      </p:sp>
-      <p:sp>
-        <p:nvSpPr>
-          <p:cNvPr id="3" name="Notes Placeholder 2"/>
-          <p:cNvSpPr>
-            <a:spLocks noGrp="1"/>
-          </p:cNvSpPr>
-          <p:nvPr>
-            <p:ph type="body" idx="1"/>
-          </p:nvPr>
-        </p:nvSpPr>
-        <p:spPr/>
-        <p:txBody>
-          <a:bodyPr/>
-          <a:lstStyle/>
-          <a:p>
-            <a:endParaRPr lang="en-US" dirty="0"/>
-          </a:p>
-        </p:txBody>
-      </p:sp>
-      <p:sp>
-        <p:nvSpPr>
-          <p:cNvPr id="4" name="Slide Number Placeholder 3"/>
-          <p:cNvSpPr>
-            <a:spLocks noGrp="1"/>
-          </p:cNvSpPr>
-          <p:nvPr>
-            <p:ph type="sldNum" sz="quarter" idx="10"/>
-          </p:nvPr>
-        </p:nvSpPr>
-        <p:spPr/>
-        <p:txBody>
-          <a:bodyPr/>
-          <a:lstStyle/>
-          <a:p>
-            <a:fld id="{00E1DFD8-B619-4FFF-B366-BDCC98D08110}" type="slidenum">
-              <a:rPr lang="en-US" smtClean="0"/>
-              <a:pPr/>
-              <a:t>52</a:t>
-            </a:fld>
-            <a:endParaRPr lang="en-US"/>
-          </a:p>
-        </p:txBody>
-      </p:sp>
-    </p:spTree>
-    <p:extLst>
-      <p:ext uri="{BB962C8B-B14F-4D97-AF65-F5344CB8AC3E}">
-        <p14:creationId xmlns:p14="http://schemas.microsoft.com/office/powerpoint/2010/main" val="2096583151"/>
-      </p:ext>
-    </p:extLst>
-  </p:cSld>
-  <p:clrMapOvr>
-    <a:masterClrMapping/>
-  </p:clrMapOvr>
-</p:notes>
-</file>
-
-<file path=ppt/notesSlides/notesSlide15.xml><?xml version="1.0" encoding="utf-8"?>
-<p:notes xmlns:a="http://schemas.openxmlformats.org/drawingml/2006/main" xmlns:r="http://schemas.openxmlformats.org/officeDocument/2006/relationships" xmlns:p="http://schemas.openxmlformats.org/presentationml/2006/main">
-  <p:cSld>
-    <p:spTree>
-      <p:nvGrpSpPr>
-        <p:cNvPr id="1" name=""/>
-        <p:cNvGrpSpPr/>
-        <p:nvPr/>
-      </p:nvGrpSpPr>
-      <p:grpSpPr>
-        <a:xfrm>
-          <a:off x="0" y="0"/>
-          <a:ext cx="0" cy="0"/>
-          <a:chOff x="0" y="0"/>
-          <a:chExt cx="0" cy="0"/>
-        </a:xfrm>
-      </p:grpSpPr>
-      <p:sp>
-        <p:nvSpPr>
-          <p:cNvPr id="2" name="Slide Image Placeholder 1"/>
-          <p:cNvSpPr>
-            <a:spLocks noGrp="1" noRot="1" noChangeAspect="1"/>
-          </p:cNvSpPr>
-          <p:nvPr>
-            <p:ph type="sldImg"/>
-          </p:nvPr>
-        </p:nvSpPr>
-        <p:spPr/>
-      </p:sp>
-      <p:sp>
-        <p:nvSpPr>
-          <p:cNvPr id="3" name="Notes Placeholder 2"/>
-          <p:cNvSpPr>
-            <a:spLocks noGrp="1"/>
-          </p:cNvSpPr>
-          <p:nvPr>
-            <p:ph type="body" idx="1"/>
-          </p:nvPr>
-        </p:nvSpPr>
-        <p:spPr/>
-        <p:txBody>
-          <a:bodyPr/>
-          <a:lstStyle/>
-          <a:p>
-            <a:endParaRPr lang="en-US" dirty="0"/>
-          </a:p>
-        </p:txBody>
-      </p:sp>
-      <p:sp>
-        <p:nvSpPr>
-          <p:cNvPr id="4" name="Slide Number Placeholder 3"/>
-          <p:cNvSpPr>
-            <a:spLocks noGrp="1"/>
-          </p:cNvSpPr>
-          <p:nvPr>
-            <p:ph type="sldNum" sz="quarter" idx="10"/>
-          </p:nvPr>
-        </p:nvSpPr>
-        <p:spPr/>
-        <p:txBody>
-          <a:bodyPr/>
-          <a:lstStyle/>
-          <a:p>
-            <a:fld id="{00E1DFD8-B619-4FFF-B366-BDCC98D08110}" type="slidenum">
-              <a:rPr lang="en-US" smtClean="0"/>
-              <a:pPr/>
-              <a:t>53</a:t>
-            </a:fld>
-            <a:endParaRPr lang="en-US"/>
-          </a:p>
-        </p:txBody>
-      </p:sp>
-    </p:spTree>
-    <p:extLst>
-      <p:ext uri="{BB962C8B-B14F-4D97-AF65-F5344CB8AC3E}">
-        <p14:creationId xmlns:p14="http://schemas.microsoft.com/office/powerpoint/2010/main" val="1833822358"/>
-      </p:ext>
-    </p:extLst>
-  </p:cSld>
-  <p:clrMapOvr>
-    <a:masterClrMapping/>
-  </p:clrMapOvr>
-</p:notes>
-</file>
-
-<file path=ppt/notesSlides/notesSlide16.xml><?xml version="1.0" encoding="utf-8"?>
-<p:notes xmlns:a="http://schemas.openxmlformats.org/drawingml/2006/main" xmlns:r="http://schemas.openxmlformats.org/officeDocument/2006/relationships" xmlns:p="http://schemas.openxmlformats.org/presentationml/2006/main">
-  <p:cSld>
-    <p:spTree>
-      <p:nvGrpSpPr>
-        <p:cNvPr id="1" name=""/>
-        <p:cNvGrpSpPr/>
-        <p:nvPr/>
-      </p:nvGrpSpPr>
-      <p:grpSpPr>
-        <a:xfrm>
-          <a:off x="0" y="0"/>
-          <a:ext cx="0" cy="0"/>
-          <a:chOff x="0" y="0"/>
-          <a:chExt cx="0" cy="0"/>
-        </a:xfrm>
-      </p:grpSpPr>
-      <p:sp>
-        <p:nvSpPr>
-          <p:cNvPr id="2" name="Slide Image Placeholder 1"/>
-          <p:cNvSpPr>
-            <a:spLocks noGrp="1" noRot="1" noChangeAspect="1"/>
-          </p:cNvSpPr>
-          <p:nvPr>
-            <p:ph type="sldImg"/>
-          </p:nvPr>
-        </p:nvSpPr>
-        <p:spPr/>
-      </p:sp>
-      <p:sp>
-        <p:nvSpPr>
-          <p:cNvPr id="3" name="Notes Placeholder 2"/>
-          <p:cNvSpPr>
-            <a:spLocks noGrp="1"/>
-          </p:cNvSpPr>
-          <p:nvPr>
-            <p:ph type="body" idx="1"/>
-          </p:nvPr>
-        </p:nvSpPr>
-        <p:spPr/>
-        <p:txBody>
-          <a:bodyPr/>
-          <a:lstStyle/>
-          <a:p>
-            <a:endParaRPr lang="en-US" dirty="0"/>
-          </a:p>
-        </p:txBody>
-      </p:sp>
-      <p:sp>
-        <p:nvSpPr>
-          <p:cNvPr id="4" name="Slide Number Placeholder 3"/>
-          <p:cNvSpPr>
-            <a:spLocks noGrp="1"/>
-          </p:cNvSpPr>
-          <p:nvPr>
-            <p:ph type="sldNum" sz="quarter" idx="10"/>
-          </p:nvPr>
-        </p:nvSpPr>
-        <p:spPr/>
-        <p:txBody>
-          <a:bodyPr/>
-          <a:lstStyle/>
-          <a:p>
-            <a:fld id="{00E1DFD8-B619-4FFF-B366-BDCC98D08110}" type="slidenum">
-              <a:rPr lang="en-US" smtClean="0"/>
-              <a:pPr/>
-              <a:t>54</a:t>
-            </a:fld>
-            <a:endParaRPr lang="en-US"/>
-          </a:p>
-        </p:txBody>
-      </p:sp>
-    </p:spTree>
-    <p:extLst>
-      <p:ext uri="{BB962C8B-B14F-4D97-AF65-F5344CB8AC3E}">
-        <p14:creationId xmlns:p14="http://schemas.microsoft.com/office/powerpoint/2010/main" val="1222216751"/>
-      </p:ext>
-    </p:extLst>
-  </p:cSld>
-  <p:clrMapOvr>
-    <a:masterClrMapping/>
-  </p:clrMapOvr>
-</p:notes>
-</file>
-
-<file path=ppt/notesSlides/notesSlide17.xml><?xml version="1.0" encoding="utf-8"?>
-<p:notes xmlns:a="http://schemas.openxmlformats.org/drawingml/2006/main" xmlns:r="http://schemas.openxmlformats.org/officeDocument/2006/relationships" xmlns:p="http://schemas.openxmlformats.org/presentationml/2006/main">
-  <p:cSld>
-    <p:spTree>
-      <p:nvGrpSpPr>
-        <p:cNvPr id="1" name=""/>
-        <p:cNvGrpSpPr/>
-        <p:nvPr/>
-      </p:nvGrpSpPr>
-      <p:grpSpPr>
-        <a:xfrm>
-          <a:off x="0" y="0"/>
-          <a:ext cx="0" cy="0"/>
-          <a:chOff x="0" y="0"/>
-          <a:chExt cx="0" cy="0"/>
-        </a:xfrm>
-      </p:grpSpPr>
-      <p:sp>
-        <p:nvSpPr>
-          <p:cNvPr id="2" name="Slide Image Placeholder 1"/>
-          <p:cNvSpPr>
-            <a:spLocks noGrp="1" noRot="1" noChangeAspect="1"/>
-          </p:cNvSpPr>
-          <p:nvPr>
-            <p:ph type="sldImg"/>
-          </p:nvPr>
-        </p:nvSpPr>
-        <p:spPr/>
-      </p:sp>
-      <p:sp>
-        <p:nvSpPr>
-          <p:cNvPr id="3" name="Notes Placeholder 2"/>
-          <p:cNvSpPr>
-            <a:spLocks noGrp="1"/>
-          </p:cNvSpPr>
-          <p:nvPr>
-            <p:ph type="body" idx="1"/>
-          </p:nvPr>
-        </p:nvSpPr>
-        <p:spPr/>
-        <p:txBody>
-          <a:bodyPr/>
-          <a:lstStyle/>
-          <a:p>
-            <a:endParaRPr lang="en-US" dirty="0"/>
-          </a:p>
-        </p:txBody>
-      </p:sp>
-      <p:sp>
-        <p:nvSpPr>
-          <p:cNvPr id="4" name="Slide Number Placeholder 3"/>
-          <p:cNvSpPr>
-            <a:spLocks noGrp="1"/>
-          </p:cNvSpPr>
-          <p:nvPr>
-            <p:ph type="sldNum" sz="quarter" idx="10"/>
-          </p:nvPr>
-        </p:nvSpPr>
-        <p:spPr/>
-        <p:txBody>
-          <a:bodyPr/>
-          <a:lstStyle/>
-          <a:p>
-            <a:fld id="{00E1DFD8-B619-4FFF-B366-BDCC98D08110}" type="slidenum">
-              <a:rPr lang="en-US" smtClean="0"/>
-              <a:pPr/>
-              <a:t>55</a:t>
-            </a:fld>
-            <a:endParaRPr lang="en-US"/>
-          </a:p>
-        </p:txBody>
-      </p:sp>
-    </p:spTree>
-    <p:extLst>
-      <p:ext uri="{BB962C8B-B14F-4D97-AF65-F5344CB8AC3E}">
-        <p14:creationId xmlns:p14="http://schemas.microsoft.com/office/powerpoint/2010/main" val="3558631439"/>
-      </p:ext>
-    </p:extLst>
-  </p:cSld>
-  <p:clrMapOvr>
-    <a:masterClrMapping/>
-  </p:clrMapOvr>
-</p:notes>
-</file>
-
-<file path=ppt/notesSlides/notesSlide18.xml><?xml version="1.0" encoding="utf-8"?>
-<p:notes xmlns:a="http://schemas.openxmlformats.org/drawingml/2006/main" xmlns:r="http://schemas.openxmlformats.org/officeDocument/2006/relationships" xmlns:p="http://schemas.openxmlformats.org/presentationml/2006/main">
-  <p:cSld>
-    <p:spTree>
-      <p:nvGrpSpPr>
-        <p:cNvPr id="1" name=""/>
-        <p:cNvGrpSpPr/>
-        <p:nvPr/>
-      </p:nvGrpSpPr>
-      <p:grpSpPr>
-        <a:xfrm>
-          <a:off x="0" y="0"/>
-          <a:ext cx="0" cy="0"/>
-          <a:chOff x="0" y="0"/>
-          <a:chExt cx="0" cy="0"/>
-        </a:xfrm>
-      </p:grpSpPr>
-      <p:sp>
-        <p:nvSpPr>
-          <p:cNvPr id="2" name="Slide Image Placeholder 1"/>
-          <p:cNvSpPr>
-            <a:spLocks noGrp="1" noRot="1" noChangeAspect="1"/>
-          </p:cNvSpPr>
-          <p:nvPr>
-            <p:ph type="sldImg"/>
-          </p:nvPr>
-        </p:nvSpPr>
-        <p:spPr/>
-      </p:sp>
-      <p:sp>
-        <p:nvSpPr>
-          <p:cNvPr id="3" name="Notes Placeholder 2"/>
-          <p:cNvSpPr>
-            <a:spLocks noGrp="1"/>
-          </p:cNvSpPr>
-          <p:nvPr>
-            <p:ph type="body" idx="1"/>
-          </p:nvPr>
-        </p:nvSpPr>
-        <p:spPr/>
-        <p:txBody>
-          <a:bodyPr/>
-          <a:lstStyle/>
-          <a:p>
-            <a:r>
-              <a:rPr lang="en-US" dirty="0"/>
-              <a:t>Now we can write a</a:t>
-            </a:r>
-            <a:r>
-              <a:rPr lang="en-US" baseline="0" dirty="0"/>
-              <a:t> contract and some examples.</a:t>
-            </a:r>
-            <a:endParaRPr lang="en-US" dirty="0"/>
-          </a:p>
-        </p:txBody>
-      </p:sp>
-      <p:sp>
-        <p:nvSpPr>
-          <p:cNvPr id="4" name="Slide Number Placeholder 3"/>
-          <p:cNvSpPr>
-            <a:spLocks noGrp="1"/>
-          </p:cNvSpPr>
-          <p:nvPr>
-            <p:ph type="sldNum" sz="quarter" idx="10"/>
-          </p:nvPr>
-        </p:nvSpPr>
-        <p:spPr/>
-        <p:txBody>
-          <a:bodyPr/>
-          <a:lstStyle/>
-          <a:p>
-            <a:fld id="{00E1DFD8-B619-4FFF-B366-BDCC98D08110}" type="slidenum">
-              <a:rPr lang="en-US" smtClean="0"/>
-              <a:pPr/>
-              <a:t>56</a:t>
-            </a:fld>
-            <a:endParaRPr lang="en-US"/>
-          </a:p>
-        </p:txBody>
-      </p:sp>
-    </p:spTree>
-    <p:extLst>
-      <p:ext uri="{BB962C8B-B14F-4D97-AF65-F5344CB8AC3E}">
-        <p14:creationId xmlns:p14="http://schemas.microsoft.com/office/powerpoint/2010/main" val="4216041037"/>
-      </p:ext>
-    </p:extLst>
-  </p:cSld>
-  <p:clrMapOvr>
-    <a:masterClrMapping/>
-  </p:clrMapOvr>
-</p:notes>
-</file>
-
-<file path=ppt/notesSlides/notesSlide19.xml><?xml version="1.0" encoding="utf-8"?>
-<p:notes xmlns:a="http://schemas.openxmlformats.org/drawingml/2006/main" xmlns:r="http://schemas.openxmlformats.org/officeDocument/2006/relationships" xmlns:p="http://schemas.openxmlformats.org/presentationml/2006/main">
-  <p:cSld>
-    <p:spTree>
-      <p:nvGrpSpPr>
-        <p:cNvPr id="1" name=""/>
-        <p:cNvGrpSpPr/>
-        <p:nvPr/>
-      </p:nvGrpSpPr>
-      <p:grpSpPr>
-        <a:xfrm>
-          <a:off x="0" y="0"/>
-          <a:ext cx="0" cy="0"/>
-          <a:chOff x="0" y="0"/>
-          <a:chExt cx="0" cy="0"/>
-        </a:xfrm>
-      </p:grpSpPr>
-      <p:sp>
-        <p:nvSpPr>
-          <p:cNvPr id="2" name="Slide Image Placeholder 1"/>
-          <p:cNvSpPr>
-            <a:spLocks noGrp="1" noRot="1" noChangeAspect="1"/>
-          </p:cNvSpPr>
-          <p:nvPr>
-            <p:ph type="sldImg"/>
-          </p:nvPr>
-        </p:nvSpPr>
-        <p:spPr/>
-      </p:sp>
-      <p:sp>
-        <p:nvSpPr>
-          <p:cNvPr id="3" name="Notes Placeholder 2"/>
-          <p:cNvSpPr>
-            <a:spLocks noGrp="1"/>
-          </p:cNvSpPr>
-          <p:nvPr>
-            <p:ph type="body" idx="1"/>
-          </p:nvPr>
-        </p:nvSpPr>
-        <p:spPr/>
-        <p:txBody>
-          <a:bodyPr/>
-          <a:lstStyle/>
-          <a:p>
-            <a:endParaRPr lang="en-US" dirty="0"/>
-          </a:p>
-        </p:txBody>
-      </p:sp>
-      <p:sp>
-        <p:nvSpPr>
-          <p:cNvPr id="4" name="Slide Number Placeholder 3"/>
-          <p:cNvSpPr>
-            <a:spLocks noGrp="1"/>
-          </p:cNvSpPr>
-          <p:nvPr>
-            <p:ph type="sldNum" sz="quarter" idx="10"/>
-          </p:nvPr>
-        </p:nvSpPr>
-        <p:spPr/>
-        <p:txBody>
-          <a:bodyPr/>
-          <a:lstStyle/>
-          <a:p>
-            <a:fld id="{00E1DFD8-B619-4FFF-B366-BDCC98D08110}" type="slidenum">
-              <a:rPr lang="en-US" smtClean="0"/>
-              <a:pPr/>
-              <a:t>57</a:t>
-            </a:fld>
-            <a:endParaRPr lang="en-US"/>
-          </a:p>
-        </p:txBody>
-      </p:sp>
-    </p:spTree>
-    <p:extLst>
-      <p:ext uri="{BB962C8B-B14F-4D97-AF65-F5344CB8AC3E}">
-        <p14:creationId xmlns:p14="http://schemas.microsoft.com/office/powerpoint/2010/main" val="2758217041"/>
-      </p:ext>
-    </p:extLst>
-  </p:cSld>
-  <p:clrMapOvr>
-    <a:masterClrMapping/>
-  </p:clrMapOvr>
-</p:notes>
-</file>
-
 <file path=ppt/notesSlides/notesSlide2.xml><?xml version="1.0" encoding="utf-8"?>
 <p:notes xmlns:a="http://schemas.openxmlformats.org/drawingml/2006/main" xmlns:r="http://schemas.openxmlformats.org/officeDocument/2006/relationships" xmlns:p="http://schemas.openxmlformats.org/presentationml/2006/main">
   <p:cSld>
@@ -6836,431 +5918,6 @@
     <p:extLst>
       <p:ext uri="{BB962C8B-B14F-4D97-AF65-F5344CB8AC3E}">
         <p14:creationId xmlns:p14="http://schemas.microsoft.com/office/powerpoint/2010/main" val="3611035779"/>
-      </p:ext>
-    </p:extLst>
-  </p:cSld>
-  <p:clrMapOvr>
-    <a:masterClrMapping/>
-  </p:clrMapOvr>
-</p:notes>
-</file>
-
-<file path=ppt/notesSlides/notesSlide20.xml><?xml version="1.0" encoding="utf-8"?>
-<p:notes xmlns:a="http://schemas.openxmlformats.org/drawingml/2006/main" xmlns:r="http://schemas.openxmlformats.org/officeDocument/2006/relationships" xmlns:p="http://schemas.openxmlformats.org/presentationml/2006/main">
-  <p:cSld>
-    <p:spTree>
-      <p:nvGrpSpPr>
-        <p:cNvPr id="1" name=""/>
-        <p:cNvGrpSpPr/>
-        <p:nvPr/>
-      </p:nvGrpSpPr>
-      <p:grpSpPr>
-        <a:xfrm>
-          <a:off x="0" y="0"/>
-          <a:ext cx="0" cy="0"/>
-          <a:chOff x="0" y="0"/>
-          <a:chExt cx="0" cy="0"/>
-        </a:xfrm>
-      </p:grpSpPr>
-      <p:sp>
-        <p:nvSpPr>
-          <p:cNvPr id="2" name="Slide Image Placeholder 1"/>
-          <p:cNvSpPr>
-            <a:spLocks noGrp="1" noRot="1" noChangeAspect="1"/>
-          </p:cNvSpPr>
-          <p:nvPr>
-            <p:ph type="sldImg"/>
-          </p:nvPr>
-        </p:nvSpPr>
-        <p:spPr/>
-      </p:sp>
-      <p:sp>
-        <p:nvSpPr>
-          <p:cNvPr id="3" name="Notes Placeholder 2"/>
-          <p:cNvSpPr>
-            <a:spLocks noGrp="1"/>
-          </p:cNvSpPr>
-          <p:nvPr>
-            <p:ph type="body" idx="1"/>
-          </p:nvPr>
-        </p:nvSpPr>
-        <p:spPr/>
-        <p:txBody>
-          <a:bodyPr/>
-          <a:lstStyle/>
-          <a:p>
-            <a:endParaRPr lang="en-US" dirty="0"/>
-          </a:p>
-        </p:txBody>
-      </p:sp>
-      <p:sp>
-        <p:nvSpPr>
-          <p:cNvPr id="4" name="Slide Number Placeholder 3"/>
-          <p:cNvSpPr>
-            <a:spLocks noGrp="1"/>
-          </p:cNvSpPr>
-          <p:nvPr>
-            <p:ph type="sldNum" sz="quarter" idx="10"/>
-          </p:nvPr>
-        </p:nvSpPr>
-        <p:spPr/>
-        <p:txBody>
-          <a:bodyPr/>
-          <a:lstStyle/>
-          <a:p>
-            <a:fld id="{00E1DFD8-B619-4FFF-B366-BDCC98D08110}" type="slidenum">
-              <a:rPr lang="en-US" smtClean="0"/>
-              <a:pPr/>
-              <a:t>58</a:t>
-            </a:fld>
-            <a:endParaRPr lang="en-US"/>
-          </a:p>
-        </p:txBody>
-      </p:sp>
-    </p:spTree>
-    <p:extLst>
-      <p:ext uri="{BB962C8B-B14F-4D97-AF65-F5344CB8AC3E}">
-        <p14:creationId xmlns:p14="http://schemas.microsoft.com/office/powerpoint/2010/main" val="3111720585"/>
-      </p:ext>
-    </p:extLst>
-  </p:cSld>
-  <p:clrMapOvr>
-    <a:masterClrMapping/>
-  </p:clrMapOvr>
-</p:notes>
-</file>
-
-<file path=ppt/notesSlides/notesSlide21.xml><?xml version="1.0" encoding="utf-8"?>
-<p:notes xmlns:a="http://schemas.openxmlformats.org/drawingml/2006/main" xmlns:r="http://schemas.openxmlformats.org/officeDocument/2006/relationships" xmlns:p="http://schemas.openxmlformats.org/presentationml/2006/main">
-  <p:cSld>
-    <p:spTree>
-      <p:nvGrpSpPr>
-        <p:cNvPr id="1" name=""/>
-        <p:cNvGrpSpPr/>
-        <p:nvPr/>
-      </p:nvGrpSpPr>
-      <p:grpSpPr>
-        <a:xfrm>
-          <a:off x="0" y="0"/>
-          <a:ext cx="0" cy="0"/>
-          <a:chOff x="0" y="0"/>
-          <a:chExt cx="0" cy="0"/>
-        </a:xfrm>
-      </p:grpSpPr>
-      <p:sp>
-        <p:nvSpPr>
-          <p:cNvPr id="2" name="Slide Image Placeholder 1"/>
-          <p:cNvSpPr>
-            <a:spLocks noGrp="1" noRot="1" noChangeAspect="1"/>
-          </p:cNvSpPr>
-          <p:nvPr>
-            <p:ph type="sldImg"/>
-          </p:nvPr>
-        </p:nvSpPr>
-        <p:spPr/>
-      </p:sp>
-      <p:sp>
-        <p:nvSpPr>
-          <p:cNvPr id="3" name="Notes Placeholder 2"/>
-          <p:cNvSpPr>
-            <a:spLocks noGrp="1"/>
-          </p:cNvSpPr>
-          <p:nvPr>
-            <p:ph type="body" idx="1"/>
-          </p:nvPr>
-        </p:nvSpPr>
-        <p:spPr/>
-        <p:txBody>
-          <a:bodyPr/>
-          <a:lstStyle/>
-          <a:p>
-            <a:endParaRPr lang="en-US" dirty="0"/>
-          </a:p>
-        </p:txBody>
-      </p:sp>
-      <p:sp>
-        <p:nvSpPr>
-          <p:cNvPr id="4" name="Slide Number Placeholder 3"/>
-          <p:cNvSpPr>
-            <a:spLocks noGrp="1"/>
-          </p:cNvSpPr>
-          <p:nvPr>
-            <p:ph type="sldNum" sz="quarter" idx="10"/>
-          </p:nvPr>
-        </p:nvSpPr>
-        <p:spPr/>
-        <p:txBody>
-          <a:bodyPr/>
-          <a:lstStyle/>
-          <a:p>
-            <a:fld id="{00E1DFD8-B619-4FFF-B366-BDCC98D08110}" type="slidenum">
-              <a:rPr lang="en-US" smtClean="0"/>
-              <a:pPr/>
-              <a:t>59</a:t>
-            </a:fld>
-            <a:endParaRPr lang="en-US"/>
-          </a:p>
-        </p:txBody>
-      </p:sp>
-    </p:spTree>
-    <p:extLst>
-      <p:ext uri="{BB962C8B-B14F-4D97-AF65-F5344CB8AC3E}">
-        <p14:creationId xmlns:p14="http://schemas.microsoft.com/office/powerpoint/2010/main" val="2269312043"/>
-      </p:ext>
-    </p:extLst>
-  </p:cSld>
-  <p:clrMapOvr>
-    <a:masterClrMapping/>
-  </p:clrMapOvr>
-</p:notes>
-</file>
-
-<file path=ppt/notesSlides/notesSlide22.xml><?xml version="1.0" encoding="utf-8"?>
-<p:notes xmlns:a="http://schemas.openxmlformats.org/drawingml/2006/main" xmlns:r="http://schemas.openxmlformats.org/officeDocument/2006/relationships" xmlns:p="http://schemas.openxmlformats.org/presentationml/2006/main">
-  <p:cSld>
-    <p:spTree>
-      <p:nvGrpSpPr>
-        <p:cNvPr id="1" name=""/>
-        <p:cNvGrpSpPr/>
-        <p:nvPr/>
-      </p:nvGrpSpPr>
-      <p:grpSpPr>
-        <a:xfrm>
-          <a:off x="0" y="0"/>
-          <a:ext cx="0" cy="0"/>
-          <a:chOff x="0" y="0"/>
-          <a:chExt cx="0" cy="0"/>
-        </a:xfrm>
-      </p:grpSpPr>
-      <p:sp>
-        <p:nvSpPr>
-          <p:cNvPr id="2" name="Slide Image Placeholder 1"/>
-          <p:cNvSpPr>
-            <a:spLocks noGrp="1" noRot="1" noChangeAspect="1"/>
-          </p:cNvSpPr>
-          <p:nvPr>
-            <p:ph type="sldImg"/>
-          </p:nvPr>
-        </p:nvSpPr>
-        <p:spPr/>
-      </p:sp>
-      <p:sp>
-        <p:nvSpPr>
-          <p:cNvPr id="3" name="Notes Placeholder 2"/>
-          <p:cNvSpPr>
-            <a:spLocks noGrp="1"/>
-          </p:cNvSpPr>
-          <p:nvPr>
-            <p:ph type="body" idx="1"/>
-          </p:nvPr>
-        </p:nvSpPr>
-        <p:spPr/>
-        <p:txBody>
-          <a:bodyPr/>
-          <a:lstStyle/>
-          <a:p>
-            <a:endParaRPr lang="en-US" dirty="0"/>
-          </a:p>
-        </p:txBody>
-      </p:sp>
-      <p:sp>
-        <p:nvSpPr>
-          <p:cNvPr id="4" name="Slide Number Placeholder 3"/>
-          <p:cNvSpPr>
-            <a:spLocks noGrp="1"/>
-          </p:cNvSpPr>
-          <p:nvPr>
-            <p:ph type="sldNum" sz="quarter" idx="10"/>
-          </p:nvPr>
-        </p:nvSpPr>
-        <p:spPr/>
-        <p:txBody>
-          <a:bodyPr/>
-          <a:lstStyle/>
-          <a:p>
-            <a:fld id="{00E1DFD8-B619-4FFF-B366-BDCC98D08110}" type="slidenum">
-              <a:rPr lang="en-US" smtClean="0"/>
-              <a:pPr/>
-              <a:t>60</a:t>
-            </a:fld>
-            <a:endParaRPr lang="en-US"/>
-          </a:p>
-        </p:txBody>
-      </p:sp>
-    </p:spTree>
-    <p:extLst>
-      <p:ext uri="{BB962C8B-B14F-4D97-AF65-F5344CB8AC3E}">
-        <p14:creationId xmlns:p14="http://schemas.microsoft.com/office/powerpoint/2010/main" val="2405733019"/>
-      </p:ext>
-    </p:extLst>
-  </p:cSld>
-  <p:clrMapOvr>
-    <a:masterClrMapping/>
-  </p:clrMapOvr>
-</p:notes>
-</file>
-
-<file path=ppt/notesSlides/notesSlide23.xml><?xml version="1.0" encoding="utf-8"?>
-<p:notes xmlns:a="http://schemas.openxmlformats.org/drawingml/2006/main" xmlns:r="http://schemas.openxmlformats.org/officeDocument/2006/relationships" xmlns:p="http://schemas.openxmlformats.org/presentationml/2006/main">
-  <p:cSld>
-    <p:spTree>
-      <p:nvGrpSpPr>
-        <p:cNvPr id="1" name=""/>
-        <p:cNvGrpSpPr/>
-        <p:nvPr/>
-      </p:nvGrpSpPr>
-      <p:grpSpPr>
-        <a:xfrm>
-          <a:off x="0" y="0"/>
-          <a:ext cx="0" cy="0"/>
-          <a:chOff x="0" y="0"/>
-          <a:chExt cx="0" cy="0"/>
-        </a:xfrm>
-      </p:grpSpPr>
-      <p:sp>
-        <p:nvSpPr>
-          <p:cNvPr id="2" name="Slide Image Placeholder 1"/>
-          <p:cNvSpPr>
-            <a:spLocks noGrp="1" noRot="1" noChangeAspect="1"/>
-          </p:cNvSpPr>
-          <p:nvPr>
-            <p:ph type="sldImg"/>
-          </p:nvPr>
-        </p:nvSpPr>
-        <p:spPr/>
-      </p:sp>
-      <p:sp>
-        <p:nvSpPr>
-          <p:cNvPr id="3" name="Notes Placeholder 2"/>
-          <p:cNvSpPr>
-            <a:spLocks noGrp="1"/>
-          </p:cNvSpPr>
-          <p:nvPr>
-            <p:ph type="body" idx="1"/>
-          </p:nvPr>
-        </p:nvSpPr>
-        <p:spPr/>
-        <p:txBody>
-          <a:bodyPr/>
-          <a:lstStyle/>
-          <a:p>
-            <a:endParaRPr lang="en-US" dirty="0"/>
-          </a:p>
-        </p:txBody>
-      </p:sp>
-      <p:sp>
-        <p:nvSpPr>
-          <p:cNvPr id="4" name="Slide Number Placeholder 3"/>
-          <p:cNvSpPr>
-            <a:spLocks noGrp="1"/>
-          </p:cNvSpPr>
-          <p:nvPr>
-            <p:ph type="sldNum" sz="quarter" idx="10"/>
-          </p:nvPr>
-        </p:nvSpPr>
-        <p:spPr/>
-        <p:txBody>
-          <a:bodyPr/>
-          <a:lstStyle/>
-          <a:p>
-            <a:fld id="{00E1DFD8-B619-4FFF-B366-BDCC98D08110}" type="slidenum">
-              <a:rPr lang="en-US" smtClean="0"/>
-              <a:pPr/>
-              <a:t>61</a:t>
-            </a:fld>
-            <a:endParaRPr lang="en-US"/>
-          </a:p>
-        </p:txBody>
-      </p:sp>
-    </p:spTree>
-    <p:extLst>
-      <p:ext uri="{BB962C8B-B14F-4D97-AF65-F5344CB8AC3E}">
-        <p14:creationId xmlns:p14="http://schemas.microsoft.com/office/powerpoint/2010/main" val="2047942927"/>
-      </p:ext>
-    </p:extLst>
-  </p:cSld>
-  <p:clrMapOvr>
-    <a:masterClrMapping/>
-  </p:clrMapOvr>
-</p:notes>
-</file>
-
-<file path=ppt/notesSlides/notesSlide24.xml><?xml version="1.0" encoding="utf-8"?>
-<p:notes xmlns:a="http://schemas.openxmlformats.org/drawingml/2006/main" xmlns:r="http://schemas.openxmlformats.org/officeDocument/2006/relationships" xmlns:p="http://schemas.openxmlformats.org/presentationml/2006/main">
-  <p:cSld>
-    <p:spTree>
-      <p:nvGrpSpPr>
-        <p:cNvPr id="1" name=""/>
-        <p:cNvGrpSpPr/>
-        <p:nvPr/>
-      </p:nvGrpSpPr>
-      <p:grpSpPr>
-        <a:xfrm>
-          <a:off x="0" y="0"/>
-          <a:ext cx="0" cy="0"/>
-          <a:chOff x="0" y="0"/>
-          <a:chExt cx="0" cy="0"/>
-        </a:xfrm>
-      </p:grpSpPr>
-      <p:sp>
-        <p:nvSpPr>
-          <p:cNvPr id="2" name="Slide Image Placeholder 1"/>
-          <p:cNvSpPr>
-            <a:spLocks noGrp="1" noRot="1" noChangeAspect="1"/>
-          </p:cNvSpPr>
-          <p:nvPr>
-            <p:ph type="sldImg"/>
-          </p:nvPr>
-        </p:nvSpPr>
-        <p:spPr/>
-      </p:sp>
-      <p:sp>
-        <p:nvSpPr>
-          <p:cNvPr id="3" name="Notes Placeholder 2"/>
-          <p:cNvSpPr>
-            <a:spLocks noGrp="1"/>
-          </p:cNvSpPr>
-          <p:nvPr>
-            <p:ph type="body" idx="1"/>
-          </p:nvPr>
-        </p:nvSpPr>
-        <p:spPr/>
-        <p:txBody>
-          <a:bodyPr/>
-          <a:lstStyle/>
-          <a:p>
-            <a:endParaRPr lang="en-US" dirty="0"/>
-          </a:p>
-        </p:txBody>
-      </p:sp>
-      <p:sp>
-        <p:nvSpPr>
-          <p:cNvPr id="4" name="Slide Number Placeholder 3"/>
-          <p:cNvSpPr>
-            <a:spLocks noGrp="1"/>
-          </p:cNvSpPr>
-          <p:nvPr>
-            <p:ph type="sldNum" sz="quarter" idx="10"/>
-          </p:nvPr>
-        </p:nvSpPr>
-        <p:spPr/>
-        <p:txBody>
-          <a:bodyPr/>
-          <a:lstStyle/>
-          <a:p>
-            <a:fld id="{00E1DFD8-B619-4FFF-B366-BDCC98D08110}" type="slidenum">
-              <a:rPr lang="en-US" smtClean="0"/>
-              <a:pPr/>
-              <a:t>63</a:t>
-            </a:fld>
-            <a:endParaRPr lang="en-US"/>
-          </a:p>
-        </p:txBody>
-      </p:sp>
-    </p:spTree>
-    <p:extLst>
-      <p:ext uri="{BB962C8B-B14F-4D97-AF65-F5344CB8AC3E}">
-        <p14:creationId xmlns:p14="http://schemas.microsoft.com/office/powerpoint/2010/main" val="997028155"/>
       </p:ext>
     </p:extLst>
   </p:cSld>
@@ -8044,7 +6701,7 @@
           <a:p>
             <a:fld id="{2F1F79F5-7BEC-496A-AFC7-876E38F64D71}" type="datetime1">
               <a:rPr lang="en-US" smtClean="0"/>
-              <a:t>10/12/2017</a:t>
+              <a:t>10/13/2017</a:t>
             </a:fld>
             <a:endParaRPr lang="en-US"/>
           </a:p>
@@ -8139,7 +6796,7 @@
           <a:p>
             <a:fld id="{0A05703A-7669-4FEA-9056-25299B4D29D4}" type="datetime1">
               <a:rPr lang="en-US" smtClean="0"/>
-              <a:t>10/12/2017</a:t>
+              <a:t>10/13/2017</a:t>
             </a:fld>
             <a:endParaRPr lang="en-US"/>
           </a:p>
@@ -8414,7 +7071,7 @@
           <a:p>
             <a:fld id="{6E5077B5-BB57-49DB-88CA-226A139E5C01}" type="datetime1">
               <a:rPr lang="en-US" smtClean="0"/>
-              <a:t>10/12/2017</a:t>
+              <a:t>10/13/2017</a:t>
             </a:fld>
             <a:endParaRPr lang="en-US"/>
           </a:p>
@@ -8666,7 +7323,7 @@
           <a:p>
             <a:fld id="{C48D9447-CBD6-49A1-89FD-8512A8CF8999}" type="datetime1">
               <a:rPr lang="en-US" smtClean="0"/>
-              <a:t>10/12/2017</a:t>
+              <a:t>10/13/2017</a:t>
             </a:fld>
             <a:endParaRPr lang="en-US"/>
           </a:p>
@@ -8834,7 +7491,7 @@
           <a:p>
             <a:fld id="{A3639A2A-823D-48B7-9ACE-7FAF42870BA9}" type="datetime1">
               <a:rPr lang="en-US" smtClean="0"/>
-              <a:t>10/12/2017</a:t>
+              <a:t>10/13/2017</a:t>
             </a:fld>
             <a:endParaRPr lang="en-US"/>
           </a:p>
@@ -9012,7 +7669,7 @@
           <a:p>
             <a:fld id="{ED1B6996-82E9-463C-972C-7B56056E426C}" type="datetime1">
               <a:rPr lang="en-US" smtClean="0"/>
-              <a:t>10/12/2017</a:t>
+              <a:t>10/13/2017</a:t>
             </a:fld>
             <a:endParaRPr lang="en-US"/>
           </a:p>
@@ -9186,7 +7843,7 @@
           <a:p>
             <a:fld id="{E22ED4DA-448D-4BB1-B935-CC112220207B}" type="datetime1">
               <a:rPr lang="en-US" smtClean="0"/>
-              <a:t>10/12/2017</a:t>
+              <a:t>10/13/2017</a:t>
             </a:fld>
             <a:endParaRPr lang="en-US"/>
           </a:p>
@@ -9359,7 +8016,7 @@
           <a:p>
             <a:fld id="{E22ED4DA-448D-4BB1-B935-CC112220207B}" type="datetime1">
               <a:rPr lang="en-US" smtClean="0"/>
-              <a:t>10/12/2017</a:t>
+              <a:t>10/13/2017</a:t>
             </a:fld>
             <a:endParaRPr lang="en-US"/>
           </a:p>
@@ -9619,7 +8276,7 @@
           <a:p>
             <a:fld id="{FF5D65A6-AB94-4435-B0B7-3743215FA46C}" type="datetime1">
               <a:rPr lang="en-US" smtClean="0"/>
-              <a:t>10/12/2017</a:t>
+              <a:t>10/13/2017</a:t>
             </a:fld>
             <a:endParaRPr lang="en-US"/>
           </a:p>
@@ -9795,7 +8452,7 @@
           <a:p>
             <a:fld id="{FF5D65A6-AB94-4435-B0B7-3743215FA46C}" type="datetime1">
               <a:rPr lang="en-US" smtClean="0"/>
-              <a:t>10/12/2017</a:t>
+              <a:t>10/13/2017</a:t>
             </a:fld>
             <a:endParaRPr lang="en-US"/>
           </a:p>
@@ -10089,7 +8746,7 @@
           <a:p>
             <a:fld id="{7C193DC4-6EF0-48C9-B29C-616106A645E1}" type="datetime1">
               <a:rPr lang="en-US" smtClean="0"/>
-              <a:t>10/12/2017</a:t>
+              <a:t>10/13/2017</a:t>
             </a:fld>
             <a:endParaRPr lang="en-US"/>
           </a:p>
@@ -10374,7 +9031,7 @@
           <a:p>
             <a:fld id="{5D1846AD-9252-4647-9435-4C2AC365653A}" type="datetime1">
               <a:rPr lang="en-US" smtClean="0"/>
-              <a:t>10/12/2017</a:t>
+              <a:t>10/13/2017</a:t>
             </a:fld>
             <a:endParaRPr lang="en-US"/>
           </a:p>
@@ -10793,7 +9450,7 @@
           <a:p>
             <a:fld id="{CE56DC10-3561-4063-A6AF-C1CC7A41040A}" type="datetime1">
               <a:rPr lang="en-US" smtClean="0"/>
-              <a:t>10/12/2017</a:t>
+              <a:t>10/13/2017</a:t>
             </a:fld>
             <a:endParaRPr lang="en-US"/>
           </a:p>
@@ -10910,7 +9567,7 @@
           <a:p>
             <a:fld id="{2F7B77F5-1464-4F6B-92A8-64FC8A508293}" type="datetime1">
               <a:rPr lang="en-US" smtClean="0"/>
-              <a:t>10/12/2017</a:t>
+              <a:t>10/13/2017</a:t>
             </a:fld>
             <a:endParaRPr lang="en-US"/>
           </a:p>
@@ -11133,7 +9790,7 @@
           <a:p>
             <a:fld id="{02B3F677-983B-48DB-ADFD-63FE6CBC7FB2}" type="datetime1">
               <a:rPr lang="en-US" smtClean="0"/>
-              <a:t>10/12/2017</a:t>
+              <a:t>10/13/2017</a:t>
             </a:fld>
             <a:endParaRPr lang="en-US"/>
           </a:p>
@@ -13468,7 +12125,7 @@
                 <a:latin typeface="Consolas" pitchFamily="49" charset="0"/>
                 <a:cs typeface="Consolas" pitchFamily="49" charset="0"/>
               </a:rPr>
-              <a:t>NumberList</a:t>
+              <a:t>RealList</a:t>
             </a:r>
             <a:r>
               <a:rPr lang="en-US" sz="2000" b="1" dirty="0">
@@ -14794,8 +13451,8 @@
           </a:p>
         </p:txBody>
       </p:sp>
-      <mc:AlternateContent xmlns:mc="http://schemas.openxmlformats.org/markup-compatibility/2006">
-        <mc:Choice xmlns:a14="http://schemas.microsoft.com/office/drawing/2010/main" Requires="a14">
+      <mc:AlternateContent xmlns:mc="http://schemas.openxmlformats.org/markup-compatibility/2006" xmlns:a14="http://schemas.microsoft.com/office/drawing/2010/main">
+        <mc:Choice Requires="a14">
           <p:sp>
             <p:nvSpPr>
               <p:cNvPr id="5" name="Content Placeholder 4">
@@ -15051,7 +13708,7 @@
             </p:txBody>
           </p:sp>
         </mc:Choice>
-        <mc:Fallback>
+        <mc:Fallback xmlns="">
           <p:sp>
             <p:nvSpPr>
               <p:cNvPr id="5" name="Content Placeholder 4">
@@ -15735,8 +14392,8 @@
           </a:p>
         </p:txBody>
       </p:sp>
-      <mc:AlternateContent xmlns:mc="http://schemas.openxmlformats.org/markup-compatibility/2006">
-        <mc:Choice xmlns:a14="http://schemas.microsoft.com/office/drawing/2010/main" Requires="a14">
+      <mc:AlternateContent xmlns:mc="http://schemas.openxmlformats.org/markup-compatibility/2006" xmlns:a14="http://schemas.microsoft.com/office/drawing/2010/main">
+        <mc:Choice Requires="a14">
           <p:sp>
             <p:nvSpPr>
               <p:cNvPr id="3" name="Content Placeholder 2"/>
@@ -15908,7 +14565,7 @@
             </p:txBody>
           </p:sp>
         </mc:Choice>
-        <mc:Fallback>
+        <mc:Fallback xmlns="">
           <p:sp>
             <p:nvSpPr>
               <p:cNvPr id="3" name="Content Placeholder 2"/>
@@ -18707,288 +17364,6 @@
 </p:sld>
 </file>
 
-<file path=ppt/slides/slide39.xml><?xml version="1.0" encoding="utf-8"?>
-<p:sld xmlns:a="http://schemas.openxmlformats.org/drawingml/2006/main" xmlns:r="http://schemas.openxmlformats.org/officeDocument/2006/relationships" xmlns:p="http://schemas.openxmlformats.org/presentationml/2006/main">
-  <p:cSld>
-    <p:spTree>
-      <p:nvGrpSpPr>
-        <p:cNvPr id="1" name=""/>
-        <p:cNvGrpSpPr/>
-        <p:nvPr/>
-      </p:nvGrpSpPr>
-      <p:grpSpPr>
-        <a:xfrm>
-          <a:off x="0" y="0"/>
-          <a:ext cx="0" cy="0"/>
-          <a:chOff x="0" y="0"/>
-          <a:chExt cx="0" cy="0"/>
-        </a:xfrm>
-      </p:grpSpPr>
-      <p:sp>
-        <p:nvSpPr>
-          <p:cNvPr id="2" name="Title 1"/>
-          <p:cNvSpPr>
-            <a:spLocks noGrp="1"/>
-          </p:cNvSpPr>
-          <p:nvPr>
-            <p:ph type="ctrTitle"/>
-          </p:nvPr>
-        </p:nvSpPr>
-        <p:spPr/>
-        <p:txBody>
-          <a:bodyPr/>
-          <a:lstStyle/>
-          <a:p>
-            <a:r>
-              <a:rPr lang="en-US" dirty="0"/>
-              <a:t>Halting Measures and Termination Reasoning</a:t>
-            </a:r>
-          </a:p>
-        </p:txBody>
-      </p:sp>
-      <p:sp>
-        <p:nvSpPr>
-          <p:cNvPr id="3" name="Subtitle 2"/>
-          <p:cNvSpPr>
-            <a:spLocks noGrp="1"/>
-          </p:cNvSpPr>
-          <p:nvPr>
-            <p:ph type="subTitle" idx="1"/>
-          </p:nvPr>
-        </p:nvSpPr>
-        <p:spPr/>
-        <p:txBody>
-          <a:bodyPr/>
-          <a:lstStyle/>
-          <a:p>
-            <a:r>
-              <a:rPr lang="en-US" dirty="0"/>
-              <a:t>CS 5010 Program Design Paradigms “Bootcamp”</a:t>
-            </a:r>
-          </a:p>
-          <a:p>
-            <a:r>
-              <a:rPr lang="en-US" dirty="0"/>
-              <a:t>Lesson 8.2</a:t>
-            </a:r>
-          </a:p>
-          <a:p>
-            <a:endParaRPr lang="en-US" dirty="0"/>
-          </a:p>
-          <a:p>
-            <a:endParaRPr lang="en-US" dirty="0"/>
-          </a:p>
-        </p:txBody>
-      </p:sp>
-      <p:sp>
-        <p:nvSpPr>
-          <p:cNvPr id="5" name="Slide Number Placeholder 4"/>
-          <p:cNvSpPr>
-            <a:spLocks noGrp="1"/>
-          </p:cNvSpPr>
-          <p:nvPr>
-            <p:ph type="sldNum" sz="quarter" idx="12"/>
-          </p:nvPr>
-        </p:nvSpPr>
-        <p:spPr/>
-        <p:txBody>
-          <a:bodyPr/>
-          <a:lstStyle/>
-          <a:p>
-            <a:fld id="{AB376464-0CAE-48CA-94A1-62F8E9374B4C}" type="slidenum">
-              <a:rPr lang="en-US" smtClean="0"/>
-              <a:pPr/>
-              <a:t>39</a:t>
-            </a:fld>
-            <a:endParaRPr lang="en-US"/>
-          </a:p>
-        </p:txBody>
-      </p:sp>
-      <p:sp>
-        <p:nvSpPr>
-          <p:cNvPr id="4" name="TextBox 3"/>
-          <p:cNvSpPr txBox="1"/>
-          <p:nvPr>
-            <p:custDataLst>
-              <p:tags r:id="rId1"/>
-            </p:custDataLst>
-          </p:nvPr>
-        </p:nvSpPr>
-        <p:spPr>
-          <a:xfrm>
-            <a:off x="0" y="7112000"/>
-            <a:ext cx="9144000" cy="646331"/>
-          </a:xfrm>
-          <a:prstGeom prst="rect">
-            <a:avLst/>
-          </a:prstGeom>
-          <a:noFill/>
-        </p:spPr>
-        <p:txBody>
-          <a:bodyPr vert="horz" rtlCol="0">
-            <a:spAutoFit/>
-          </a:bodyPr>
-          <a:lstStyle/>
-          <a:p>
-            <a:r>
-              <a:rPr lang="en-US"/>
-              <a:t>TexPoint fonts used in EMF. </a:t>
-            </a:r>
-          </a:p>
-          <a:p>
-            <a:r>
-              <a:rPr lang="en-US"/>
-              <a:t>Read the TexPoint manual before you delete this box.: </a:t>
-            </a:r>
-            <a:r>
-              <a:rPr lang="en-US">
-                <a:latin typeface="CMMI10"/>
-              </a:rPr>
-              <a:t>A</a:t>
-            </a:r>
-            <a:r>
-              <a:rPr lang="en-US">
-                <a:latin typeface="CMR10"/>
-              </a:rPr>
-              <a:t>A</a:t>
-            </a:r>
-            <a:r>
-              <a:rPr lang="en-US">
-                <a:latin typeface="CMSY10ORIG"/>
-              </a:rPr>
-              <a:t>A</a:t>
-            </a:r>
-            <a:endParaRPr lang="en-US"/>
-          </a:p>
-        </p:txBody>
-      </p:sp>
-      <p:grpSp>
-        <p:nvGrpSpPr>
-          <p:cNvPr id="6" name="Group 5"/>
-          <p:cNvGrpSpPr/>
-          <p:nvPr/>
-        </p:nvGrpSpPr>
-        <p:grpSpPr>
-          <a:xfrm>
-            <a:off x="120650" y="6314759"/>
-            <a:ext cx="8902700" cy="400110"/>
-            <a:chOff x="120650" y="6314759"/>
-            <a:chExt cx="8902700" cy="400110"/>
-          </a:xfrm>
-        </p:grpSpPr>
-        <p:pic>
-          <p:nvPicPr>
-            <p:cNvPr id="7" name="Picture 6"/>
-            <p:cNvPicPr>
-              <a:picLocks/>
-            </p:cNvPicPr>
-            <p:nvPr/>
-          </p:nvPicPr>
-          <p:blipFill>
-            <a:blip r:embed="rId4">
-              <a:extLst>
-                <a:ext uri="{28A0092B-C50C-407E-A947-70E740481C1C}">
-                  <a14:useLocalDpi xmlns:a14="http://schemas.microsoft.com/office/drawing/2010/main" val="0"/>
-                </a:ext>
-              </a:extLst>
-            </a:blip>
-            <a:stretch>
-              <a:fillRect/>
-            </a:stretch>
-          </p:blipFill>
-          <p:spPr>
-            <a:xfrm>
-              <a:off x="120650" y="6373082"/>
-              <a:ext cx="804672" cy="283464"/>
-            </a:xfrm>
-            <a:prstGeom prst="rect">
-              <a:avLst/>
-            </a:prstGeom>
-          </p:spPr>
-        </p:pic>
-        <p:sp>
-          <p:nvSpPr>
-            <p:cNvPr id="8" name="TextBox 7"/>
-            <p:cNvSpPr txBox="1"/>
-            <p:nvPr/>
-          </p:nvSpPr>
-          <p:spPr>
-            <a:xfrm>
-              <a:off x="925322" y="6314759"/>
-              <a:ext cx="8098028" cy="400110"/>
-            </a:xfrm>
-            <a:prstGeom prst="rect">
-              <a:avLst/>
-            </a:prstGeom>
-            <a:noFill/>
-          </p:spPr>
-          <p:txBody>
-            <a:bodyPr vert="horz" wrap="square" rtlCol="0">
-              <a:spAutoFit/>
-            </a:bodyPr>
-            <a:lstStyle/>
-            <a:p>
-              <a:r>
-                <a:rPr lang="en-US" sz="1000" dirty="0"/>
-                <a:t>© Mitchell Wand, 2012-2015</a:t>
-              </a:r>
-            </a:p>
-            <a:p>
-              <a:r>
-                <a:rPr lang="en-US" sz="1000" dirty="0"/>
-                <a:t>This work is licensed under a </a:t>
-              </a:r>
-              <a:r>
-                <a:rPr lang="en-US" altLang="en-US" sz="1000" dirty="0">
-                  <a:solidFill>
-                    <a:srgbClr val="4374B7"/>
-                  </a:solidFill>
-                  <a:latin typeface="Helvetica Neue"/>
-                  <a:hlinkClick r:id="rId5"/>
-                </a:rPr>
-                <a:t>Creative Commons Attribution-</a:t>
-              </a:r>
-              <a:r>
-                <a:rPr lang="en-US" altLang="en-US" sz="1000" dirty="0" err="1">
-                  <a:solidFill>
-                    <a:srgbClr val="4374B7"/>
-                  </a:solidFill>
-                  <a:latin typeface="Helvetica Neue"/>
-                  <a:hlinkClick r:id="rId5"/>
-                </a:rPr>
-                <a:t>NonCommercial</a:t>
-              </a:r>
-              <a:r>
-                <a:rPr lang="en-US" altLang="en-US" sz="1000" dirty="0">
-                  <a:solidFill>
-                    <a:srgbClr val="4374B7"/>
-                  </a:solidFill>
-                  <a:latin typeface="Helvetica Neue"/>
-                  <a:hlinkClick r:id="rId5"/>
-                </a:rPr>
-                <a:t> 4.0 International License</a:t>
-              </a:r>
-              <a:r>
-                <a:rPr lang="en-US" sz="1000" dirty="0"/>
-                <a:t>.</a:t>
-              </a:r>
-            </a:p>
-          </p:txBody>
-        </p:sp>
-      </p:grpSp>
-    </p:spTree>
-    <p:extLst>
-      <p:ext uri="{BB962C8B-B14F-4D97-AF65-F5344CB8AC3E}">
-        <p14:creationId xmlns:p14="http://schemas.microsoft.com/office/powerpoint/2010/main" val="482983997"/>
-      </p:ext>
-    </p:extLst>
-  </p:cSld>
-  <p:clrMapOvr>
-    <a:masterClrMapping/>
-  </p:clrMapOvr>
-</p:sld>
-</file>
-
 <file path=ppt/slides/slide4.xml><?xml version="1.0" encoding="utf-8"?>
 <p:sld xmlns:a="http://schemas.openxmlformats.org/drawingml/2006/main" xmlns:r="http://schemas.openxmlformats.org/officeDocument/2006/relationships" xmlns:p="http://schemas.openxmlformats.org/presentationml/2006/main">
   <p:cSld>
@@ -19077,1973 +17452,6 @@
     <p:extLst>
       <p:ext uri="{BB962C8B-B14F-4D97-AF65-F5344CB8AC3E}">
         <p14:creationId xmlns:p14="http://schemas.microsoft.com/office/powerpoint/2010/main" val="1123379836"/>
-      </p:ext>
-    </p:extLst>
-  </p:cSld>
-  <p:clrMapOvr>
-    <a:masterClrMapping/>
-  </p:clrMapOvr>
-</p:sld>
-</file>
-
-<file path=ppt/slides/slide40.xml><?xml version="1.0" encoding="utf-8"?>
-<p:sld xmlns:a="http://schemas.openxmlformats.org/drawingml/2006/main" xmlns:r="http://schemas.openxmlformats.org/officeDocument/2006/relationships" xmlns:p="http://schemas.openxmlformats.org/presentationml/2006/main">
-  <p:cSld>
-    <p:spTree>
-      <p:nvGrpSpPr>
-        <p:cNvPr id="1" name=""/>
-        <p:cNvGrpSpPr/>
-        <p:nvPr/>
-      </p:nvGrpSpPr>
-      <p:grpSpPr>
-        <a:xfrm>
-          <a:off x="0" y="0"/>
-          <a:ext cx="0" cy="0"/>
-          <a:chOff x="0" y="0"/>
-          <a:chExt cx="0" cy="0"/>
-        </a:xfrm>
-      </p:grpSpPr>
-      <p:sp>
-        <p:nvSpPr>
-          <p:cNvPr id="2" name="Title 1"/>
-          <p:cNvSpPr>
-            <a:spLocks noGrp="1"/>
-          </p:cNvSpPr>
-          <p:nvPr>
-            <p:ph type="title"/>
-          </p:nvPr>
-        </p:nvSpPr>
-        <p:spPr/>
-        <p:txBody>
-          <a:bodyPr>
-            <a:normAutofit fontScale="90000"/>
-          </a:bodyPr>
-          <a:lstStyle/>
-          <a:p>
-            <a:r>
-              <a:rPr lang="en-US" dirty="0"/>
-              <a:t>General Recursion is more powerful than structural decomposition</a:t>
-            </a:r>
-          </a:p>
-        </p:txBody>
-      </p:sp>
-      <p:sp>
-        <p:nvSpPr>
-          <p:cNvPr id="3" name="Content Placeholder 2"/>
-          <p:cNvSpPr>
-            <a:spLocks noGrp="1"/>
-          </p:cNvSpPr>
-          <p:nvPr>
-            <p:ph idx="1"/>
-          </p:nvPr>
-        </p:nvSpPr>
-        <p:spPr/>
-        <p:txBody>
-          <a:bodyPr>
-            <a:normAutofit fontScale="92500" lnSpcReduction="20000"/>
-          </a:bodyPr>
-          <a:lstStyle/>
-          <a:p>
-            <a:r>
-              <a:rPr lang="en-US" dirty="0"/>
-              <a:t>Functions written using structural decomposition are guaranteed to halt with an answer, but general recursion allows you to write functions that don't always halt.</a:t>
-            </a:r>
-          </a:p>
-          <a:p>
-            <a:r>
-              <a:rPr lang="en-US" dirty="0"/>
-              <a:t>So every time we write a function using general recursion, we need to provide some </a:t>
-            </a:r>
-            <a:r>
-              <a:rPr lang="en-US" i="1" dirty="0">
-                <a:solidFill>
-                  <a:srgbClr val="FF0000"/>
-                </a:solidFill>
-              </a:rPr>
-              <a:t>termination reasoning</a:t>
-            </a:r>
-            <a:r>
-              <a:rPr lang="en-US" dirty="0"/>
-              <a:t> that explains why the function really does halt</a:t>
-            </a:r>
-          </a:p>
-          <a:p>
-            <a:pPr lvl="1"/>
-            <a:r>
-              <a:rPr lang="en-US" dirty="0"/>
-              <a:t>or else warn the user that it may not halt.</a:t>
-            </a:r>
-          </a:p>
-          <a:p>
-            <a:pPr lvl="1"/>
-            <a:r>
-              <a:rPr lang="en-US" dirty="0"/>
-              <a:t>easiest way to make a termination argument is by supplying a </a:t>
-            </a:r>
-            <a:r>
-              <a:rPr lang="en-US" i="1" dirty="0">
-                <a:solidFill>
-                  <a:srgbClr val="FF0000"/>
-                </a:solidFill>
-              </a:rPr>
-              <a:t>halting measure</a:t>
-            </a:r>
-            <a:r>
-              <a:rPr lang="en-US" dirty="0"/>
-              <a:t>.</a:t>
-            </a:r>
-          </a:p>
-          <a:p>
-            <a:endParaRPr lang="en-US" dirty="0"/>
-          </a:p>
-        </p:txBody>
-      </p:sp>
-      <p:sp>
-        <p:nvSpPr>
-          <p:cNvPr id="4" name="Slide Number Placeholder 3"/>
-          <p:cNvSpPr>
-            <a:spLocks noGrp="1"/>
-          </p:cNvSpPr>
-          <p:nvPr>
-            <p:ph type="sldNum" sz="quarter" idx="12"/>
-          </p:nvPr>
-        </p:nvSpPr>
-        <p:spPr/>
-        <p:txBody>
-          <a:bodyPr/>
-          <a:lstStyle/>
-          <a:p>
-            <a:fld id="{9F4492BD-6A9C-48FC-AC76-0B4FE11194A1}" type="slidenum">
-              <a:rPr lang="en-US" smtClean="0"/>
-              <a:pPr/>
-              <a:t>40</a:t>
-            </a:fld>
-            <a:endParaRPr lang="en-US"/>
-          </a:p>
-        </p:txBody>
-      </p:sp>
-    </p:spTree>
-    <p:extLst>
-      <p:ext uri="{BB962C8B-B14F-4D97-AF65-F5344CB8AC3E}">
-        <p14:creationId xmlns:p14="http://schemas.microsoft.com/office/powerpoint/2010/main" val="115433105"/>
-      </p:ext>
-    </p:extLst>
-  </p:cSld>
-  <p:clrMapOvr>
-    <a:masterClrMapping/>
-  </p:clrMapOvr>
-</p:sld>
-</file>
-
-<file path=ppt/slides/slide41.xml><?xml version="1.0" encoding="utf-8"?>
-<p:sld xmlns:a="http://schemas.openxmlformats.org/drawingml/2006/main" xmlns:r="http://schemas.openxmlformats.org/officeDocument/2006/relationships" xmlns:p="http://schemas.openxmlformats.org/presentationml/2006/main">
-  <p:cSld>
-    <p:spTree>
-      <p:nvGrpSpPr>
-        <p:cNvPr id="1" name=""/>
-        <p:cNvGrpSpPr/>
-        <p:nvPr/>
-      </p:nvGrpSpPr>
-      <p:grpSpPr>
-        <a:xfrm>
-          <a:off x="0" y="0"/>
-          <a:ext cx="0" cy="0"/>
-          <a:chOff x="0" y="0"/>
-          <a:chExt cx="0" cy="0"/>
-        </a:xfrm>
-      </p:grpSpPr>
-      <p:sp>
-        <p:nvSpPr>
-          <p:cNvPr id="2" name="Title 1"/>
-          <p:cNvSpPr>
-            <a:spLocks noGrp="1"/>
-          </p:cNvSpPr>
-          <p:nvPr>
-            <p:ph type="title"/>
-          </p:nvPr>
-        </p:nvSpPr>
-        <p:spPr/>
-        <p:txBody>
-          <a:bodyPr/>
-          <a:lstStyle/>
-          <a:p>
-            <a:r>
-              <a:rPr lang="en-US" dirty="0"/>
-              <a:t>Halting Measure (1)</a:t>
-            </a:r>
-          </a:p>
-        </p:txBody>
-      </p:sp>
-      <p:sp>
-        <p:nvSpPr>
-          <p:cNvPr id="3" name="Content Placeholder 2"/>
-          <p:cNvSpPr>
-            <a:spLocks noGrp="1"/>
-          </p:cNvSpPr>
-          <p:nvPr>
-            <p:ph idx="1"/>
-          </p:nvPr>
-        </p:nvSpPr>
-        <p:spPr/>
-        <p:txBody>
-          <a:bodyPr>
-            <a:normAutofit/>
-          </a:bodyPr>
-          <a:lstStyle/>
-          <a:p>
-            <a:r>
-              <a:rPr lang="en-US" dirty="0"/>
-              <a:t>New required piece of the function header.</a:t>
-            </a:r>
-          </a:p>
-          <a:p>
-            <a:r>
-              <a:rPr lang="en-US" dirty="0"/>
-              <a:t>The halting measure is a way of explaining how each of the </a:t>
-            </a:r>
-            <a:r>
-              <a:rPr lang="en-US" dirty="0" err="1"/>
-              <a:t>subproblems</a:t>
-            </a:r>
-            <a:r>
-              <a:rPr lang="en-US" dirty="0"/>
-              <a:t> are easier than the original</a:t>
-            </a:r>
-          </a:p>
-          <a:p>
-            <a:r>
-              <a:rPr lang="en-US" dirty="0"/>
-              <a:t>A halting measure is an integer-valued quantity that can't be less than zero, and which </a:t>
-            </a:r>
-            <a:r>
-              <a:rPr lang="en-US" dirty="0">
-                <a:solidFill>
-                  <a:srgbClr val="FF0000"/>
-                </a:solidFill>
-              </a:rPr>
-              <a:t>decreases</a:t>
-            </a:r>
-            <a:r>
-              <a:rPr lang="en-US" dirty="0"/>
-              <a:t> at each recursive call in your function.</a:t>
-            </a:r>
-          </a:p>
-          <a:p>
-            <a:endParaRPr lang="en-US" dirty="0">
-              <a:solidFill>
-                <a:srgbClr val="FF0000"/>
-              </a:solidFill>
-            </a:endParaRPr>
-          </a:p>
-        </p:txBody>
-      </p:sp>
-      <p:sp>
-        <p:nvSpPr>
-          <p:cNvPr id="4" name="Slide Number Placeholder 3"/>
-          <p:cNvSpPr>
-            <a:spLocks noGrp="1"/>
-          </p:cNvSpPr>
-          <p:nvPr>
-            <p:ph type="sldNum" sz="quarter" idx="12"/>
-          </p:nvPr>
-        </p:nvSpPr>
-        <p:spPr/>
-        <p:txBody>
-          <a:bodyPr/>
-          <a:lstStyle/>
-          <a:p>
-            <a:fld id="{9F4492BD-6A9C-48FC-AC76-0B4FE11194A1}" type="slidenum">
-              <a:rPr lang="en-US" smtClean="0"/>
-              <a:pPr/>
-              <a:t>41</a:t>
-            </a:fld>
-            <a:endParaRPr lang="en-US"/>
-          </a:p>
-        </p:txBody>
-      </p:sp>
-    </p:spTree>
-    <p:extLst>
-      <p:ext uri="{BB962C8B-B14F-4D97-AF65-F5344CB8AC3E}">
-        <p14:creationId xmlns:p14="http://schemas.microsoft.com/office/powerpoint/2010/main" val="3420130223"/>
-      </p:ext>
-    </p:extLst>
-  </p:cSld>
-  <p:clrMapOvr>
-    <a:masterClrMapping/>
-  </p:clrMapOvr>
-</p:sld>
-</file>
-
-<file path=ppt/slides/slide42.xml><?xml version="1.0" encoding="utf-8"?>
-<p:sld xmlns:a="http://schemas.openxmlformats.org/drawingml/2006/main" xmlns:r="http://schemas.openxmlformats.org/officeDocument/2006/relationships" xmlns:p="http://schemas.openxmlformats.org/presentationml/2006/main">
-  <p:cSld>
-    <p:spTree>
-      <p:nvGrpSpPr>
-        <p:cNvPr id="1" name=""/>
-        <p:cNvGrpSpPr/>
-        <p:nvPr/>
-      </p:nvGrpSpPr>
-      <p:grpSpPr>
-        <a:xfrm>
-          <a:off x="0" y="0"/>
-          <a:ext cx="0" cy="0"/>
-          <a:chOff x="0" y="0"/>
-          <a:chExt cx="0" cy="0"/>
-        </a:xfrm>
-      </p:grpSpPr>
-      <p:sp>
-        <p:nvSpPr>
-          <p:cNvPr id="2" name="Title 1"/>
-          <p:cNvSpPr>
-            <a:spLocks noGrp="1"/>
-          </p:cNvSpPr>
-          <p:nvPr>
-            <p:ph type="title"/>
-          </p:nvPr>
-        </p:nvSpPr>
-        <p:spPr/>
-        <p:txBody>
-          <a:bodyPr/>
-          <a:lstStyle/>
-          <a:p>
-            <a:r>
-              <a:rPr lang="en-US" dirty="0"/>
-              <a:t>Halting Measure (2)</a:t>
-            </a:r>
-          </a:p>
-        </p:txBody>
-      </p:sp>
-      <p:sp>
-        <p:nvSpPr>
-          <p:cNvPr id="3" name="Content Placeholder 2"/>
-          <p:cNvSpPr>
-            <a:spLocks noGrp="1"/>
-          </p:cNvSpPr>
-          <p:nvPr>
-            <p:ph idx="1"/>
-          </p:nvPr>
-        </p:nvSpPr>
-        <p:spPr/>
-        <p:txBody>
-          <a:bodyPr>
-            <a:normAutofit/>
-          </a:bodyPr>
-          <a:lstStyle/>
-          <a:p>
-            <a:r>
-              <a:rPr lang="en-US" dirty="0"/>
-              <a:t>Since the measure is integer-valued, and it decreases at every recursive call, your function can't make more recursive calls than what the halting measure says.</a:t>
-            </a:r>
-          </a:p>
-          <a:p>
-            <a:r>
-              <a:rPr lang="en-US" dirty="0"/>
-              <a:t>In particular, it must halt!</a:t>
-            </a:r>
-          </a:p>
-        </p:txBody>
-      </p:sp>
-      <p:sp>
-        <p:nvSpPr>
-          <p:cNvPr id="4" name="Slide Number Placeholder 3"/>
-          <p:cNvSpPr>
-            <a:spLocks noGrp="1"/>
-          </p:cNvSpPr>
-          <p:nvPr>
-            <p:ph type="sldNum" sz="quarter" idx="12"/>
-          </p:nvPr>
-        </p:nvSpPr>
-        <p:spPr/>
-        <p:txBody>
-          <a:bodyPr/>
-          <a:lstStyle/>
-          <a:p>
-            <a:fld id="{9F4492BD-6A9C-48FC-AC76-0B4FE11194A1}" type="slidenum">
-              <a:rPr lang="en-US" smtClean="0"/>
-              <a:pPr/>
-              <a:t>42</a:t>
-            </a:fld>
-            <a:endParaRPr lang="en-US"/>
-          </a:p>
-        </p:txBody>
-      </p:sp>
-    </p:spTree>
-    <p:extLst>
-      <p:ext uri="{BB962C8B-B14F-4D97-AF65-F5344CB8AC3E}">
-        <p14:creationId xmlns:p14="http://schemas.microsoft.com/office/powerpoint/2010/main" val="653679790"/>
-      </p:ext>
-    </p:extLst>
-  </p:cSld>
-  <p:clrMapOvr>
-    <a:masterClrMapping/>
-  </p:clrMapOvr>
-</p:sld>
-</file>
-
-<file path=ppt/slides/slide43.xml><?xml version="1.0" encoding="utf-8"?>
-<p:sld xmlns:a="http://schemas.openxmlformats.org/drawingml/2006/main" xmlns:r="http://schemas.openxmlformats.org/officeDocument/2006/relationships" xmlns:p="http://schemas.openxmlformats.org/presentationml/2006/main">
-  <p:cSld>
-    <p:spTree>
-      <p:nvGrpSpPr>
-        <p:cNvPr id="1" name=""/>
-        <p:cNvGrpSpPr/>
-        <p:nvPr/>
-      </p:nvGrpSpPr>
-      <p:grpSpPr>
-        <a:xfrm>
-          <a:off x="0" y="0"/>
-          <a:ext cx="0" cy="0"/>
-          <a:chOff x="0" y="0"/>
-          <a:chExt cx="0" cy="0"/>
-        </a:xfrm>
-      </p:grpSpPr>
-      <p:sp>
-        <p:nvSpPr>
-          <p:cNvPr id="2" name="Title 1"/>
-          <p:cNvSpPr>
-            <a:spLocks noGrp="1"/>
-          </p:cNvSpPr>
-          <p:nvPr>
-            <p:ph type="title"/>
-          </p:nvPr>
-        </p:nvSpPr>
-        <p:spPr/>
-        <p:txBody>
-          <a:bodyPr/>
-          <a:lstStyle/>
-          <a:p>
-            <a:r>
-              <a:rPr lang="en-US" dirty="0"/>
-              <a:t>Possible halting measures</a:t>
-            </a:r>
-          </a:p>
-        </p:txBody>
-      </p:sp>
-      <p:sp>
-        <p:nvSpPr>
-          <p:cNvPr id="3" name="Content Placeholder 2"/>
-          <p:cNvSpPr>
-            <a:spLocks noGrp="1"/>
-          </p:cNvSpPr>
-          <p:nvPr>
-            <p:ph idx="1"/>
-          </p:nvPr>
-        </p:nvSpPr>
-        <p:spPr/>
-        <p:txBody>
-          <a:bodyPr/>
-          <a:lstStyle/>
-          <a:p>
-            <a:r>
-              <a:rPr lang="en-US" dirty="0"/>
-              <a:t>the value of a </a:t>
-            </a:r>
-            <a:r>
-              <a:rPr lang="en-US" dirty="0" err="1"/>
-              <a:t>NonNegInt</a:t>
-            </a:r>
-            <a:r>
-              <a:rPr lang="en-US" dirty="0"/>
-              <a:t> argument</a:t>
-            </a:r>
-          </a:p>
-          <a:p>
-            <a:r>
-              <a:rPr lang="en-US" dirty="0"/>
-              <a:t>the size of an s-expression</a:t>
-            </a:r>
-          </a:p>
-          <a:p>
-            <a:r>
-              <a:rPr lang="en-US" dirty="0"/>
-              <a:t>the length of a list</a:t>
-            </a:r>
-          </a:p>
-          <a:p>
-            <a:r>
-              <a:rPr lang="en-US" dirty="0"/>
-              <a:t>the number of elements of some set</a:t>
-            </a:r>
-          </a:p>
-          <a:p>
-            <a:r>
-              <a:rPr lang="en-US" dirty="0"/>
-              <a:t>a non-negative integer quantity that depends on one of the quantities above</a:t>
-            </a:r>
-          </a:p>
-        </p:txBody>
-      </p:sp>
-      <p:sp>
-        <p:nvSpPr>
-          <p:cNvPr id="4" name="Slide Number Placeholder 3"/>
-          <p:cNvSpPr>
-            <a:spLocks noGrp="1"/>
-          </p:cNvSpPr>
-          <p:nvPr>
-            <p:ph type="sldNum" sz="quarter" idx="12"/>
-          </p:nvPr>
-        </p:nvSpPr>
-        <p:spPr/>
-        <p:txBody>
-          <a:bodyPr/>
-          <a:lstStyle/>
-          <a:p>
-            <a:fld id="{2AF3B5EA-18B6-4040-9F78-6052AF49C681}" type="slidenum">
-              <a:rPr lang="en-US" smtClean="0"/>
-              <a:t>43</a:t>
-            </a:fld>
-            <a:endParaRPr lang="en-US"/>
-          </a:p>
-        </p:txBody>
-      </p:sp>
-    </p:spTree>
-    <p:extLst>
-      <p:ext uri="{BB962C8B-B14F-4D97-AF65-F5344CB8AC3E}">
-        <p14:creationId xmlns:p14="http://schemas.microsoft.com/office/powerpoint/2010/main" val="1667731457"/>
-      </p:ext>
-    </p:extLst>
-  </p:cSld>
-  <p:clrMapOvr>
-    <a:masterClrMapping/>
-  </p:clrMapOvr>
-</p:sld>
-</file>
-
-<file path=ppt/slides/slide44.xml><?xml version="1.0" encoding="utf-8"?>
-<p:sld xmlns:a="http://schemas.openxmlformats.org/drawingml/2006/main" xmlns:r="http://schemas.openxmlformats.org/officeDocument/2006/relationships" xmlns:p="http://schemas.openxmlformats.org/presentationml/2006/main">
-  <p:cSld>
-    <p:spTree>
-      <p:nvGrpSpPr>
-        <p:cNvPr id="1" name=""/>
-        <p:cNvGrpSpPr/>
-        <p:nvPr/>
-      </p:nvGrpSpPr>
-      <p:grpSpPr>
-        <a:xfrm>
-          <a:off x="0" y="0"/>
-          <a:ext cx="0" cy="0"/>
-          <a:chOff x="0" y="0"/>
-          <a:chExt cx="0" cy="0"/>
-        </a:xfrm>
-      </p:grpSpPr>
-      <p:sp>
-        <p:nvSpPr>
-          <p:cNvPr id="2" name="Title 1"/>
-          <p:cNvSpPr>
-            <a:spLocks noGrp="1"/>
-          </p:cNvSpPr>
-          <p:nvPr>
-            <p:ph type="title"/>
-          </p:nvPr>
-        </p:nvSpPr>
-        <p:spPr/>
-        <p:txBody>
-          <a:bodyPr/>
-          <a:lstStyle/>
-          <a:p>
-            <a:r>
-              <a:rPr lang="en-US" dirty="0"/>
-              <a:t>Termination Reasoning</a:t>
-            </a:r>
-          </a:p>
-        </p:txBody>
-      </p:sp>
-      <p:sp>
-        <p:nvSpPr>
-          <p:cNvPr id="3" name="Content Placeholder 2"/>
-          <p:cNvSpPr>
-            <a:spLocks noGrp="1"/>
-          </p:cNvSpPr>
-          <p:nvPr>
-            <p:ph idx="1"/>
-          </p:nvPr>
-        </p:nvSpPr>
-        <p:spPr/>
-        <p:txBody>
-          <a:bodyPr/>
-          <a:lstStyle/>
-          <a:p>
-            <a:r>
-              <a:rPr lang="en-US" dirty="0"/>
-              <a:t>For each function that uses general recursion you need to give</a:t>
-            </a:r>
-          </a:p>
-          <a:p>
-            <a:pPr lvl="1"/>
-            <a:r>
-              <a:rPr lang="en-US" dirty="0"/>
-              <a:t>your proposed halting measure</a:t>
-            </a:r>
-          </a:p>
-          <a:p>
-            <a:pPr lvl="1"/>
-            <a:r>
-              <a:rPr lang="en-US" dirty="0"/>
-              <a:t>some reasoning to show that your proposed halting measure really is a halting measure for your function. </a:t>
-            </a:r>
-          </a:p>
-        </p:txBody>
-      </p:sp>
-      <p:sp>
-        <p:nvSpPr>
-          <p:cNvPr id="4" name="Slide Number Placeholder 3"/>
-          <p:cNvSpPr>
-            <a:spLocks noGrp="1"/>
-          </p:cNvSpPr>
-          <p:nvPr>
-            <p:ph type="sldNum" sz="quarter" idx="12"/>
-          </p:nvPr>
-        </p:nvSpPr>
-        <p:spPr/>
-        <p:txBody>
-          <a:bodyPr/>
-          <a:lstStyle/>
-          <a:p>
-            <a:fld id="{2AF3B5EA-18B6-4040-9F78-6052AF49C681}" type="slidenum">
-              <a:rPr lang="en-US" smtClean="0"/>
-              <a:t>44</a:t>
-            </a:fld>
-            <a:endParaRPr lang="en-US"/>
-          </a:p>
-        </p:txBody>
-      </p:sp>
-    </p:spTree>
-    <p:extLst>
-      <p:ext uri="{BB962C8B-B14F-4D97-AF65-F5344CB8AC3E}">
-        <p14:creationId xmlns:p14="http://schemas.microsoft.com/office/powerpoint/2010/main" val="541965742"/>
-      </p:ext>
-    </p:extLst>
-  </p:cSld>
-  <p:clrMapOvr>
-    <a:masterClrMapping/>
-  </p:clrMapOvr>
-</p:sld>
-</file>
-
-<file path=ppt/slides/slide45.xml><?xml version="1.0" encoding="utf-8"?>
-<p:sld xmlns:a="http://schemas.openxmlformats.org/drawingml/2006/main" xmlns:r="http://schemas.openxmlformats.org/officeDocument/2006/relationships" xmlns:p="http://schemas.openxmlformats.org/presentationml/2006/main">
-  <p:cSld>
-    <p:spTree>
-      <p:nvGrpSpPr>
-        <p:cNvPr id="1" name=""/>
-        <p:cNvGrpSpPr/>
-        <p:nvPr/>
-      </p:nvGrpSpPr>
-      <p:grpSpPr>
-        <a:xfrm>
-          <a:off x="0" y="0"/>
-          <a:ext cx="0" cy="0"/>
-          <a:chOff x="0" y="0"/>
-          <a:chExt cx="0" cy="0"/>
-        </a:xfrm>
-      </p:grpSpPr>
-      <p:sp>
-        <p:nvSpPr>
-          <p:cNvPr id="2" name="Title 1"/>
-          <p:cNvSpPr>
-            <a:spLocks noGrp="1"/>
-          </p:cNvSpPr>
-          <p:nvPr>
-            <p:ph type="title"/>
-          </p:nvPr>
-        </p:nvSpPr>
-        <p:spPr/>
-        <p:txBody>
-          <a:bodyPr/>
-          <a:lstStyle/>
-          <a:p>
-            <a:r>
-              <a:rPr lang="en-US" dirty="0"/>
-              <a:t>Halting Measure for </a:t>
-            </a:r>
-            <a:r>
-              <a:rPr lang="en-US" b="1" dirty="0">
-                <a:latin typeface="Consolas" pitchFamily="49" charset="0"/>
-                <a:cs typeface="Consolas" pitchFamily="49" charset="0"/>
-              </a:rPr>
-              <a:t>decode</a:t>
-            </a:r>
-          </a:p>
-        </p:txBody>
-      </p:sp>
-      <p:sp>
-        <p:nvSpPr>
-          <p:cNvPr id="3" name="Content Placeholder 2"/>
-          <p:cNvSpPr>
-            <a:spLocks noGrp="1"/>
-          </p:cNvSpPr>
-          <p:nvPr>
-            <p:ph idx="1"/>
-          </p:nvPr>
-        </p:nvSpPr>
-        <p:spPr/>
-        <p:txBody>
-          <a:bodyPr>
-            <a:normAutofit lnSpcReduction="10000"/>
-          </a:bodyPr>
-          <a:lstStyle/>
-          <a:p>
-            <a:r>
-              <a:rPr lang="en-US" dirty="0"/>
-              <a:t>Proposed halting measure: the size of </a:t>
-            </a:r>
-            <a:r>
-              <a:rPr lang="en-US" b="1" dirty="0" err="1"/>
-              <a:t>sexp</a:t>
-            </a:r>
-            <a:r>
-              <a:rPr lang="en-US" dirty="0"/>
-              <a:t>.</a:t>
-            </a:r>
-          </a:p>
-          <a:p>
-            <a:r>
-              <a:rPr lang="en-US" dirty="0"/>
-              <a:t>Termination argument:</a:t>
-            </a:r>
-          </a:p>
-          <a:p>
-            <a:pPr lvl="1"/>
-            <a:r>
-              <a:rPr lang="en-US" dirty="0"/>
-              <a:t>the size of an </a:t>
-            </a:r>
-            <a:r>
-              <a:rPr lang="en-US" dirty="0" err="1"/>
-              <a:t>sexp</a:t>
-            </a:r>
-            <a:r>
-              <a:rPr lang="en-US" dirty="0"/>
-              <a:t> is always a non-negative integer.</a:t>
-            </a:r>
-          </a:p>
-          <a:p>
-            <a:pPr lvl="1"/>
-            <a:r>
-              <a:rPr lang="en-US" dirty="0">
-                <a:solidFill>
-                  <a:srgbClr val="FF0000"/>
-                </a:solidFill>
-              </a:rPr>
-              <a:t>If </a:t>
-            </a:r>
-            <a:r>
-              <a:rPr lang="en-US" b="1" dirty="0" err="1">
-                <a:solidFill>
-                  <a:srgbClr val="FF0000"/>
-                </a:solidFill>
-              </a:rPr>
-              <a:t>sexp</a:t>
-            </a:r>
-            <a:r>
-              <a:rPr lang="en-US" dirty="0">
-                <a:solidFill>
-                  <a:srgbClr val="FF0000"/>
-                </a:solidFill>
-              </a:rPr>
-              <a:t> is not a number, then </a:t>
-            </a:r>
-            <a:r>
-              <a:rPr lang="en-US" b="1" dirty="0">
-                <a:solidFill>
-                  <a:srgbClr val="FF0000"/>
-                </a:solidFill>
-                <a:cs typeface="Consolas" pitchFamily="49" charset="0"/>
-              </a:rPr>
-              <a:t>(second </a:t>
-            </a:r>
-            <a:r>
-              <a:rPr lang="en-US" b="1" dirty="0" err="1">
-                <a:solidFill>
-                  <a:srgbClr val="FF0000"/>
-                </a:solidFill>
-                <a:cs typeface="Consolas" pitchFamily="49" charset="0"/>
-              </a:rPr>
-              <a:t>sexp</a:t>
-            </a:r>
-            <a:r>
-              <a:rPr lang="en-US" b="1" dirty="0">
-                <a:solidFill>
-                  <a:srgbClr val="FF0000"/>
-                </a:solidFill>
-                <a:cs typeface="Consolas" pitchFamily="49" charset="0"/>
-              </a:rPr>
-              <a:t>) </a:t>
-            </a:r>
-            <a:r>
-              <a:rPr lang="en-US" dirty="0">
-                <a:solidFill>
-                  <a:srgbClr val="FF0000"/>
-                </a:solidFill>
-              </a:rPr>
-              <a:t>and </a:t>
-            </a:r>
-            <a:r>
-              <a:rPr lang="en-US" b="1" dirty="0">
-                <a:solidFill>
-                  <a:srgbClr val="FF0000"/>
-                </a:solidFill>
-                <a:cs typeface="Consolas" pitchFamily="49" charset="0"/>
-              </a:rPr>
-              <a:t>(third </a:t>
-            </a:r>
-            <a:r>
-              <a:rPr lang="en-US" b="1" dirty="0" err="1">
-                <a:solidFill>
-                  <a:srgbClr val="FF0000"/>
-                </a:solidFill>
-                <a:cs typeface="Consolas" pitchFamily="49" charset="0"/>
-              </a:rPr>
-              <a:t>sexp</a:t>
-            </a:r>
-            <a:r>
-              <a:rPr lang="en-US" b="1" dirty="0">
-                <a:solidFill>
-                  <a:srgbClr val="FF0000"/>
-                </a:solidFill>
-                <a:cs typeface="Consolas" pitchFamily="49" charset="0"/>
-              </a:rPr>
-              <a:t>) </a:t>
-            </a:r>
-            <a:r>
-              <a:rPr lang="en-US" dirty="0">
-                <a:solidFill>
-                  <a:srgbClr val="FF0000"/>
-                </a:solidFill>
-              </a:rPr>
-              <a:t>each have strictly smaller size than </a:t>
-            </a:r>
-            <a:r>
-              <a:rPr lang="en-US" b="1" dirty="0" err="1">
-                <a:solidFill>
-                  <a:srgbClr val="FF0000"/>
-                </a:solidFill>
-                <a:latin typeface="Consolas" pitchFamily="49" charset="0"/>
-                <a:cs typeface="Consolas" pitchFamily="49" charset="0"/>
-              </a:rPr>
-              <a:t>sexp</a:t>
-            </a:r>
-            <a:r>
-              <a:rPr lang="en-US" dirty="0">
-                <a:solidFill>
-                  <a:srgbClr val="FF0000"/>
-                </a:solidFill>
-              </a:rPr>
-              <a:t>.</a:t>
-            </a:r>
-          </a:p>
-          <a:p>
-            <a:r>
-              <a:rPr lang="en-US" dirty="0"/>
-              <a:t>So </a:t>
-            </a:r>
-            <a:r>
-              <a:rPr lang="en-US" b="1" dirty="0">
-                <a:latin typeface="+mj-lt"/>
-                <a:cs typeface="Consolas" pitchFamily="49" charset="0"/>
-              </a:rPr>
-              <a:t>(size </a:t>
-            </a:r>
-            <a:r>
-              <a:rPr lang="en-US" b="1" dirty="0" err="1">
-                <a:latin typeface="+mj-lt"/>
-                <a:cs typeface="Consolas" pitchFamily="49" charset="0"/>
-              </a:rPr>
-              <a:t>sexp</a:t>
-            </a:r>
-            <a:r>
-              <a:rPr lang="en-US" b="1" dirty="0">
-                <a:latin typeface="+mj-lt"/>
-                <a:cs typeface="Consolas" pitchFamily="49" charset="0"/>
-              </a:rPr>
-              <a:t>) </a:t>
-            </a:r>
-            <a:r>
-              <a:rPr lang="en-US" dirty="0"/>
-              <a:t>is a halting measure for </a:t>
-            </a:r>
-            <a:r>
-              <a:rPr lang="en-US" b="1" dirty="0">
-                <a:latin typeface="Consolas" pitchFamily="49" charset="0"/>
-                <a:cs typeface="Consolas" pitchFamily="49" charset="0"/>
-              </a:rPr>
-              <a:t>decode</a:t>
-            </a:r>
-            <a:r>
-              <a:rPr lang="en-US" dirty="0"/>
-              <a:t>.</a:t>
-            </a:r>
-          </a:p>
-        </p:txBody>
-      </p:sp>
-      <p:sp>
-        <p:nvSpPr>
-          <p:cNvPr id="4" name="Slide Number Placeholder 3"/>
-          <p:cNvSpPr>
-            <a:spLocks noGrp="1"/>
-          </p:cNvSpPr>
-          <p:nvPr>
-            <p:ph type="sldNum" sz="quarter" idx="12"/>
-          </p:nvPr>
-        </p:nvSpPr>
-        <p:spPr/>
-        <p:txBody>
-          <a:bodyPr/>
-          <a:lstStyle/>
-          <a:p>
-            <a:fld id="{9F4492BD-6A9C-48FC-AC76-0B4FE11194A1}" type="slidenum">
-              <a:rPr lang="en-US" smtClean="0"/>
-              <a:pPr/>
-              <a:t>45</a:t>
-            </a:fld>
-            <a:endParaRPr lang="en-US"/>
-          </a:p>
-        </p:txBody>
-      </p:sp>
-      <p:sp>
-        <p:nvSpPr>
-          <p:cNvPr id="5" name="Rectangle 4"/>
-          <p:cNvSpPr/>
-          <p:nvPr/>
-        </p:nvSpPr>
-        <p:spPr>
-          <a:xfrm>
-            <a:off x="3733800" y="5273675"/>
-            <a:ext cx="4495800" cy="1447800"/>
-          </a:xfrm>
-          <a:prstGeom prst="rect">
-            <a:avLst/>
-          </a:prstGeom>
-          <a:solidFill>
-            <a:schemeClr val="accent1">
-              <a:lumMod val="20000"/>
-              <a:lumOff val="80000"/>
-            </a:schemeClr>
-          </a:solidFill>
-          <a:ln>
-            <a:noFill/>
-          </a:ln>
-        </p:spPr>
-        <p:style>
-          <a:lnRef idx="2">
-            <a:schemeClr val="accent1"/>
-          </a:lnRef>
-          <a:fillRef idx="1">
-            <a:schemeClr val="lt1"/>
-          </a:fillRef>
-          <a:effectRef idx="0">
-            <a:schemeClr val="accent1"/>
-          </a:effectRef>
-          <a:fontRef idx="minor">
-            <a:schemeClr val="dk1"/>
-          </a:fontRef>
-        </p:style>
-        <p:txBody>
-          <a:bodyPr rot="0" spcFirstLastPara="0" vertOverflow="overflow" horzOverflow="overflow" vert="horz" wrap="square" lIns="91440" tIns="45720" rIns="91440" bIns="45720" numCol="1" spcCol="0" rtlCol="0" fromWordArt="0" anchor="t" anchorCtr="0" forceAA="0" compatLnSpc="1">
-            <a:prstTxWarp prst="textNoShape">
-              <a:avLst/>
-            </a:prstTxWarp>
-            <a:noAutofit/>
-          </a:bodyPr>
-          <a:lstStyle/>
-          <a:p>
-            <a:r>
-              <a:rPr lang="en-US" dirty="0">
-                <a:solidFill>
-                  <a:schemeClr val="tx1"/>
-                </a:solidFill>
-              </a:rPr>
-              <a:t>There are many ways to define the size of an </a:t>
-            </a:r>
-            <a:r>
-              <a:rPr lang="en-US" dirty="0" err="1">
-                <a:solidFill>
-                  <a:schemeClr val="tx1"/>
-                </a:solidFill>
-              </a:rPr>
-              <a:t>Sexp</a:t>
-            </a:r>
-            <a:r>
-              <a:rPr lang="en-US" dirty="0">
-                <a:solidFill>
-                  <a:schemeClr val="tx1"/>
-                </a:solidFill>
-              </a:rPr>
-              <a:t>.  You could, for example, define it as the  total number of characters needed to print out the </a:t>
-            </a:r>
-            <a:r>
-              <a:rPr lang="en-US" dirty="0" err="1">
-                <a:solidFill>
-                  <a:schemeClr val="tx1"/>
-                </a:solidFill>
-              </a:rPr>
-              <a:t>sexp</a:t>
-            </a:r>
-            <a:r>
-              <a:rPr lang="en-US" dirty="0">
-                <a:solidFill>
-                  <a:schemeClr val="tx1"/>
-                </a:solidFill>
-              </a:rPr>
-              <a:t>.  Can you write this as a function?</a:t>
-            </a:r>
-          </a:p>
-        </p:txBody>
-      </p:sp>
-    </p:spTree>
-    <p:extLst>
-      <p:ext uri="{BB962C8B-B14F-4D97-AF65-F5344CB8AC3E}">
-        <p14:creationId xmlns:p14="http://schemas.microsoft.com/office/powerpoint/2010/main" val="3605898213"/>
-      </p:ext>
-    </p:extLst>
-  </p:cSld>
-  <p:clrMapOvr>
-    <a:masterClrMapping/>
-  </p:clrMapOvr>
-</p:sld>
-</file>
-
-<file path=ppt/slides/slide46.xml><?xml version="1.0" encoding="utf-8"?>
-<p:sld xmlns:a="http://schemas.openxmlformats.org/drawingml/2006/main" xmlns:r="http://schemas.openxmlformats.org/officeDocument/2006/relationships" xmlns:p="http://schemas.openxmlformats.org/presentationml/2006/main">
-  <p:cSld>
-    <p:spTree>
-      <p:nvGrpSpPr>
-        <p:cNvPr id="1" name=""/>
-        <p:cNvGrpSpPr/>
-        <p:nvPr/>
-      </p:nvGrpSpPr>
-      <p:grpSpPr>
-        <a:xfrm>
-          <a:off x="0" y="0"/>
-          <a:ext cx="0" cy="0"/>
-          <a:chOff x="0" y="0"/>
-          <a:chExt cx="0" cy="0"/>
-        </a:xfrm>
-      </p:grpSpPr>
-      <p:sp>
-        <p:nvSpPr>
-          <p:cNvPr id="2" name="Title 1"/>
-          <p:cNvSpPr>
-            <a:spLocks noGrp="1"/>
-          </p:cNvSpPr>
-          <p:nvPr>
-            <p:ph type="title"/>
-          </p:nvPr>
-        </p:nvSpPr>
-        <p:spPr/>
-        <p:txBody>
-          <a:bodyPr>
-            <a:normAutofit fontScale="90000"/>
-          </a:bodyPr>
-          <a:lstStyle/>
-          <a:p>
-            <a:r>
-              <a:rPr lang="en-US" dirty="0"/>
-              <a:t>Termination reasoning for </a:t>
-            </a:r>
-            <a:r>
-              <a:rPr lang="en-US" b="1" dirty="0">
-                <a:latin typeface="Consolas" pitchFamily="49" charset="0"/>
-                <a:cs typeface="Consolas" pitchFamily="49" charset="0"/>
-              </a:rPr>
-              <a:t>merge-sort</a:t>
-            </a:r>
-          </a:p>
-        </p:txBody>
-      </p:sp>
-      <p:sp>
-        <p:nvSpPr>
-          <p:cNvPr id="3" name="Content Placeholder 2"/>
-          <p:cNvSpPr>
-            <a:spLocks noGrp="1"/>
-          </p:cNvSpPr>
-          <p:nvPr>
-            <p:ph idx="1"/>
-          </p:nvPr>
-        </p:nvSpPr>
-        <p:spPr/>
-        <p:txBody>
-          <a:bodyPr>
-            <a:normAutofit fontScale="77500" lnSpcReduction="20000"/>
-          </a:bodyPr>
-          <a:lstStyle/>
-          <a:p>
-            <a:r>
-              <a:rPr lang="en-US" sz="3300" dirty="0">
-                <a:latin typeface="+mj-lt"/>
-                <a:cs typeface="Consolas" pitchFamily="49" charset="0"/>
-              </a:rPr>
-              <a:t>Proposed halting measure:  </a:t>
-            </a:r>
-            <a:r>
-              <a:rPr lang="en-US" sz="3300" b="1" dirty="0">
-                <a:latin typeface="+mj-lt"/>
-                <a:cs typeface="Consolas" pitchFamily="49" charset="0"/>
-              </a:rPr>
-              <a:t>(length </a:t>
-            </a:r>
-            <a:r>
-              <a:rPr lang="en-US" sz="3300" b="1" dirty="0" err="1">
-                <a:latin typeface="+mj-lt"/>
-                <a:cs typeface="Consolas" pitchFamily="49" charset="0"/>
-              </a:rPr>
-              <a:t>lst</a:t>
-            </a:r>
-            <a:r>
-              <a:rPr lang="en-US" sz="3300" b="1" dirty="0">
-                <a:latin typeface="+mj-lt"/>
-                <a:cs typeface="Consolas" pitchFamily="49" charset="0"/>
-              </a:rPr>
-              <a:t>)</a:t>
-            </a:r>
-          </a:p>
-          <a:p>
-            <a:r>
-              <a:rPr lang="en-US" sz="3300" dirty="0">
-                <a:cs typeface="Consolas" pitchFamily="49" charset="0"/>
-              </a:rPr>
-              <a:t>Termination reasoning:</a:t>
-            </a:r>
-          </a:p>
-          <a:p>
-            <a:pPr lvl="1"/>
-            <a:r>
-              <a:rPr lang="en-US" sz="3300" b="1" dirty="0">
-                <a:latin typeface="Consolas" pitchFamily="49" charset="0"/>
-                <a:cs typeface="Consolas" pitchFamily="49" charset="0"/>
-              </a:rPr>
-              <a:t>(length </a:t>
-            </a:r>
-            <a:r>
-              <a:rPr lang="en-US" sz="3300" b="1" dirty="0" err="1">
-                <a:latin typeface="Consolas" pitchFamily="49" charset="0"/>
-                <a:cs typeface="Consolas" pitchFamily="49" charset="0"/>
-              </a:rPr>
-              <a:t>lst</a:t>
-            </a:r>
-            <a:r>
-              <a:rPr lang="en-US" sz="3300" b="1" dirty="0">
-                <a:latin typeface="Consolas" pitchFamily="49" charset="0"/>
-                <a:cs typeface="Consolas" pitchFamily="49" charset="0"/>
-              </a:rPr>
-              <a:t>) </a:t>
-            </a:r>
-            <a:r>
-              <a:rPr lang="en-US" sz="3300" dirty="0"/>
-              <a:t>is always  a non-negative integer.</a:t>
-            </a:r>
-          </a:p>
-          <a:p>
-            <a:pPr lvl="1"/>
-            <a:r>
-              <a:rPr lang="en-US" sz="3300" dirty="0">
-                <a:solidFill>
-                  <a:srgbClr val="FF0000"/>
-                </a:solidFill>
-              </a:rPr>
-              <a:t>At each recursive call, </a:t>
-            </a:r>
-            <a:r>
-              <a:rPr lang="en-US" sz="3300" b="1" dirty="0">
-                <a:solidFill>
-                  <a:srgbClr val="FF0000"/>
-                </a:solidFill>
-                <a:latin typeface="Consolas" pitchFamily="49" charset="0"/>
-                <a:cs typeface="Consolas" pitchFamily="49" charset="0"/>
-              </a:rPr>
-              <a:t>(length </a:t>
-            </a:r>
-            <a:r>
-              <a:rPr lang="en-US" sz="3300" b="1" dirty="0" err="1">
-                <a:solidFill>
-                  <a:srgbClr val="FF0000"/>
-                </a:solidFill>
-                <a:latin typeface="Consolas" pitchFamily="49" charset="0"/>
-                <a:cs typeface="Consolas" pitchFamily="49" charset="0"/>
-              </a:rPr>
-              <a:t>lst</a:t>
-            </a:r>
-            <a:r>
-              <a:rPr lang="en-US" sz="3300" b="1" dirty="0">
-                <a:solidFill>
-                  <a:srgbClr val="FF0000"/>
-                </a:solidFill>
-                <a:latin typeface="Consolas" pitchFamily="49" charset="0"/>
-                <a:cs typeface="Consolas" pitchFamily="49" charset="0"/>
-              </a:rPr>
-              <a:t>) </a:t>
-            </a:r>
-            <a:r>
-              <a:rPr lang="en-US" sz="3300" dirty="0">
-                <a:solidFill>
-                  <a:srgbClr val="FF0000"/>
-                </a:solidFill>
-              </a:rPr>
-              <a:t>≥ 2</a:t>
-            </a:r>
-          </a:p>
-          <a:p>
-            <a:pPr lvl="1"/>
-            <a:r>
-              <a:rPr lang="en-US" sz="3300" dirty="0">
-                <a:solidFill>
-                  <a:srgbClr val="FF0000"/>
-                </a:solidFill>
-              </a:rPr>
-              <a:t>If </a:t>
-            </a:r>
-            <a:r>
-              <a:rPr lang="en-US" sz="3300" b="1" dirty="0">
-                <a:solidFill>
-                  <a:srgbClr val="FF0000"/>
-                </a:solidFill>
-                <a:latin typeface="Consolas" pitchFamily="49" charset="0"/>
-                <a:cs typeface="Consolas" pitchFamily="49" charset="0"/>
-              </a:rPr>
-              <a:t>(length </a:t>
-            </a:r>
-            <a:r>
-              <a:rPr lang="en-US" sz="3300" b="1" dirty="0" err="1">
-                <a:solidFill>
-                  <a:srgbClr val="FF0000"/>
-                </a:solidFill>
-                <a:latin typeface="Consolas" pitchFamily="49" charset="0"/>
-                <a:cs typeface="Consolas" pitchFamily="49" charset="0"/>
-              </a:rPr>
-              <a:t>lst</a:t>
-            </a:r>
-            <a:r>
-              <a:rPr lang="en-US" sz="3300" b="1" dirty="0">
-                <a:solidFill>
-                  <a:srgbClr val="FF0000"/>
-                </a:solidFill>
-                <a:latin typeface="Consolas" pitchFamily="49" charset="0"/>
-                <a:cs typeface="Consolas" pitchFamily="49" charset="0"/>
-              </a:rPr>
-              <a:t>) </a:t>
-            </a:r>
-            <a:r>
-              <a:rPr lang="en-US" sz="3300" dirty="0">
-                <a:solidFill>
-                  <a:srgbClr val="FF0000"/>
-                </a:solidFill>
-              </a:rPr>
-              <a:t>≥ 2, then </a:t>
-            </a:r>
-          </a:p>
-          <a:p>
-            <a:pPr marL="57150" indent="0">
-              <a:buNone/>
-            </a:pPr>
-            <a:r>
-              <a:rPr lang="en-US" sz="3300" b="1" dirty="0">
-                <a:solidFill>
-                  <a:srgbClr val="FF0000"/>
-                </a:solidFill>
-                <a:latin typeface="Consolas" pitchFamily="49" charset="0"/>
-                <a:cs typeface="Consolas" pitchFamily="49" charset="0"/>
-              </a:rPr>
-              <a:t>  	(length (even-elements </a:t>
-            </a:r>
-            <a:r>
-              <a:rPr lang="en-US" sz="3300" b="1" dirty="0" err="1">
-                <a:solidFill>
-                  <a:srgbClr val="FF0000"/>
-                </a:solidFill>
-                <a:latin typeface="Consolas" pitchFamily="49" charset="0"/>
-                <a:cs typeface="Consolas" pitchFamily="49" charset="0"/>
-              </a:rPr>
-              <a:t>lst</a:t>
-            </a:r>
-            <a:r>
-              <a:rPr lang="en-US" sz="3300" b="1" dirty="0">
-                <a:solidFill>
-                  <a:srgbClr val="FF0000"/>
-                </a:solidFill>
-                <a:latin typeface="Consolas" pitchFamily="49" charset="0"/>
-                <a:cs typeface="Consolas" pitchFamily="49" charset="0"/>
-              </a:rPr>
-              <a:t>))</a:t>
-            </a:r>
-            <a:r>
-              <a:rPr lang="en-US" sz="3300" dirty="0">
-                <a:solidFill>
-                  <a:srgbClr val="FF0000"/>
-                </a:solidFill>
-              </a:rPr>
-              <a:t> and </a:t>
-            </a:r>
-          </a:p>
-          <a:p>
-            <a:pPr marL="57150" indent="0">
-              <a:buNone/>
-            </a:pPr>
-            <a:r>
-              <a:rPr lang="en-US" sz="3300" b="1" dirty="0">
-                <a:solidFill>
-                  <a:srgbClr val="FF0000"/>
-                </a:solidFill>
-                <a:latin typeface="Consolas" pitchFamily="49" charset="0"/>
-                <a:cs typeface="Consolas" pitchFamily="49" charset="0"/>
-              </a:rPr>
-              <a:t> 	 (length (even-elements (rest </a:t>
-            </a:r>
-            <a:r>
-              <a:rPr lang="en-US" sz="3300" b="1" dirty="0" err="1">
-                <a:solidFill>
-                  <a:srgbClr val="FF0000"/>
-                </a:solidFill>
-                <a:latin typeface="Consolas" pitchFamily="49" charset="0"/>
-                <a:cs typeface="Consolas" pitchFamily="49" charset="0"/>
-              </a:rPr>
-              <a:t>lst</a:t>
-            </a:r>
-            <a:r>
-              <a:rPr lang="en-US" sz="3300" b="1" dirty="0">
-                <a:solidFill>
-                  <a:srgbClr val="FF0000"/>
-                </a:solidFill>
-                <a:latin typeface="Consolas" pitchFamily="49" charset="0"/>
-                <a:cs typeface="Consolas" pitchFamily="49" charset="0"/>
-              </a:rPr>
-              <a:t>)))</a:t>
-            </a:r>
-          </a:p>
-          <a:p>
-            <a:pPr marL="57150" indent="0">
-              <a:buNone/>
-            </a:pPr>
-            <a:r>
-              <a:rPr lang="en-US" sz="3300" dirty="0">
-                <a:solidFill>
-                  <a:srgbClr val="FF0000"/>
-                </a:solidFill>
-              </a:rPr>
-              <a:t>   	are both </a:t>
-            </a:r>
-            <a:r>
-              <a:rPr lang="en-US" sz="3300" b="1" i="1" dirty="0">
-                <a:solidFill>
-                  <a:schemeClr val="accent3">
-                    <a:lumMod val="50000"/>
-                  </a:schemeClr>
-                </a:solidFill>
-              </a:rPr>
-              <a:t>strictly less </a:t>
-            </a:r>
-            <a:r>
-              <a:rPr lang="en-US" sz="3300" dirty="0">
-                <a:solidFill>
-                  <a:srgbClr val="FF0000"/>
-                </a:solidFill>
-              </a:rPr>
-              <a:t>than </a:t>
-            </a:r>
-            <a:r>
-              <a:rPr lang="en-US" sz="3300" b="1" dirty="0">
-                <a:solidFill>
-                  <a:srgbClr val="FF0000"/>
-                </a:solidFill>
-                <a:latin typeface="Consolas" pitchFamily="49" charset="0"/>
-                <a:cs typeface="Consolas" pitchFamily="49" charset="0"/>
-              </a:rPr>
-              <a:t>(length </a:t>
-            </a:r>
-            <a:r>
-              <a:rPr lang="en-US" sz="3300" b="1" dirty="0" err="1">
-                <a:solidFill>
-                  <a:srgbClr val="FF0000"/>
-                </a:solidFill>
-                <a:latin typeface="Consolas" pitchFamily="49" charset="0"/>
-                <a:cs typeface="Consolas" pitchFamily="49" charset="0"/>
-              </a:rPr>
-              <a:t>lst</a:t>
-            </a:r>
-            <a:r>
-              <a:rPr lang="en-US" sz="3300" b="1" dirty="0">
-                <a:solidFill>
-                  <a:srgbClr val="FF0000"/>
-                </a:solidFill>
-                <a:latin typeface="Consolas" pitchFamily="49" charset="0"/>
-                <a:cs typeface="Consolas" pitchFamily="49" charset="0"/>
-              </a:rPr>
-              <a:t>).</a:t>
-            </a:r>
-          </a:p>
-          <a:p>
-            <a:pPr marL="57150" indent="0"/>
-            <a:r>
-              <a:rPr lang="en-US" sz="3300" b="1" dirty="0">
-                <a:latin typeface="Consolas" pitchFamily="49" charset="0"/>
-                <a:cs typeface="Consolas" pitchFamily="49" charset="0"/>
-              </a:rPr>
-              <a:t> </a:t>
-            </a:r>
-            <a:r>
-              <a:rPr lang="en-US" sz="3300" dirty="0">
-                <a:cs typeface="Consolas" pitchFamily="49" charset="0"/>
-              </a:rPr>
-              <a:t>So</a:t>
-            </a:r>
-            <a:r>
-              <a:rPr lang="en-US" sz="3300" b="1" dirty="0">
-                <a:latin typeface="Consolas" pitchFamily="49" charset="0"/>
-                <a:cs typeface="Consolas" pitchFamily="49" charset="0"/>
-              </a:rPr>
-              <a:t> (length </a:t>
-            </a:r>
-            <a:r>
-              <a:rPr lang="en-US" sz="3300" b="1" dirty="0" err="1">
-                <a:latin typeface="Consolas" pitchFamily="49" charset="0"/>
-                <a:cs typeface="Consolas" pitchFamily="49" charset="0"/>
-              </a:rPr>
-              <a:t>lst</a:t>
-            </a:r>
-            <a:r>
-              <a:rPr lang="en-US" sz="3300" b="1" dirty="0">
-                <a:latin typeface="Consolas" pitchFamily="49" charset="0"/>
-                <a:cs typeface="Consolas" pitchFamily="49" charset="0"/>
-              </a:rPr>
-              <a:t>) </a:t>
-            </a:r>
-            <a:r>
-              <a:rPr lang="en-US" sz="3300" dirty="0">
-                <a:cs typeface="Consolas" pitchFamily="49" charset="0"/>
-              </a:rPr>
-              <a:t>is a halting measure for </a:t>
-            </a:r>
-            <a:r>
-              <a:rPr lang="en-US" sz="3300" b="1" dirty="0">
-                <a:latin typeface="Consolas" pitchFamily="49" charset="0"/>
-                <a:cs typeface="Consolas" pitchFamily="49" charset="0"/>
-              </a:rPr>
-              <a:t>merge-sort</a:t>
-            </a:r>
-            <a:r>
-              <a:rPr lang="en-US" sz="3300" dirty="0">
-                <a:cs typeface="Consolas" pitchFamily="49" charset="0"/>
-              </a:rPr>
-              <a:t>.</a:t>
-            </a:r>
-            <a:endParaRPr lang="en-US" sz="3300" b="1" dirty="0">
-              <a:latin typeface="Consolas" pitchFamily="49" charset="0"/>
-              <a:cs typeface="Consolas" pitchFamily="49" charset="0"/>
-            </a:endParaRPr>
-          </a:p>
-          <a:p>
-            <a:pPr marL="457200" lvl="1" indent="0">
-              <a:buNone/>
-            </a:pPr>
-            <a:r>
-              <a:rPr lang="en-US" b="1" dirty="0">
-                <a:solidFill>
-                  <a:srgbClr val="FF0000"/>
-                </a:solidFill>
-                <a:latin typeface="Consolas" pitchFamily="49" charset="0"/>
-                <a:cs typeface="Consolas" pitchFamily="49" charset="0"/>
-              </a:rPr>
-              <a:t>	</a:t>
-            </a:r>
-          </a:p>
-        </p:txBody>
-      </p:sp>
-      <p:sp>
-        <p:nvSpPr>
-          <p:cNvPr id="4" name="Slide Number Placeholder 3"/>
-          <p:cNvSpPr>
-            <a:spLocks noGrp="1"/>
-          </p:cNvSpPr>
-          <p:nvPr>
-            <p:ph type="sldNum" sz="quarter" idx="12"/>
-          </p:nvPr>
-        </p:nvSpPr>
-        <p:spPr/>
-        <p:txBody>
-          <a:bodyPr/>
-          <a:lstStyle/>
-          <a:p>
-            <a:fld id="{9F4492BD-6A9C-48FC-AC76-0B4FE11194A1}" type="slidenum">
-              <a:rPr lang="en-US" smtClean="0"/>
-              <a:pPr/>
-              <a:t>46</a:t>
-            </a:fld>
-            <a:endParaRPr lang="en-US"/>
-          </a:p>
-        </p:txBody>
-      </p:sp>
-    </p:spTree>
-    <p:extLst>
-      <p:ext uri="{BB962C8B-B14F-4D97-AF65-F5344CB8AC3E}">
-        <p14:creationId xmlns:p14="http://schemas.microsoft.com/office/powerpoint/2010/main" val="2308579776"/>
-      </p:ext>
-    </p:extLst>
-  </p:cSld>
-  <p:clrMapOvr>
-    <a:masterClrMapping/>
-  </p:clrMapOvr>
-</p:sld>
-</file>
-
-<file path=ppt/slides/slide47.xml><?xml version="1.0" encoding="utf-8"?>
-<p:sld xmlns:a="http://schemas.openxmlformats.org/drawingml/2006/main" xmlns:r="http://schemas.openxmlformats.org/officeDocument/2006/relationships" xmlns:p="http://schemas.openxmlformats.org/presentationml/2006/main">
-  <p:cSld>
-    <p:spTree>
-      <p:nvGrpSpPr>
-        <p:cNvPr id="1" name=""/>
-        <p:cNvGrpSpPr/>
-        <p:nvPr/>
-      </p:nvGrpSpPr>
-      <p:grpSpPr>
-        <a:xfrm>
-          <a:off x="0" y="0"/>
-          <a:ext cx="0" cy="0"/>
-          <a:chOff x="0" y="0"/>
-          <a:chExt cx="0" cy="0"/>
-        </a:xfrm>
-      </p:grpSpPr>
-      <p:sp>
-        <p:nvSpPr>
-          <p:cNvPr id="2" name="Title 1"/>
-          <p:cNvSpPr>
-            <a:spLocks noGrp="1"/>
-          </p:cNvSpPr>
-          <p:nvPr>
-            <p:ph type="title"/>
-          </p:nvPr>
-        </p:nvSpPr>
-        <p:spPr/>
-        <p:txBody>
-          <a:bodyPr/>
-          <a:lstStyle/>
-          <a:p>
-            <a:r>
-              <a:rPr lang="en-US" dirty="0"/>
-              <a:t>Termination Reasoning for </a:t>
-            </a:r>
-            <a:r>
-              <a:rPr lang="en-US" b="1" dirty="0"/>
-              <a:t>merge</a:t>
-            </a:r>
-          </a:p>
-        </p:txBody>
-      </p:sp>
-      <p:sp>
-        <p:nvSpPr>
-          <p:cNvPr id="3" name="Content Placeholder 2"/>
-          <p:cNvSpPr>
-            <a:spLocks noGrp="1"/>
-          </p:cNvSpPr>
-          <p:nvPr>
-            <p:ph idx="1"/>
-          </p:nvPr>
-        </p:nvSpPr>
-        <p:spPr/>
-        <p:txBody>
-          <a:bodyPr>
-            <a:normAutofit fontScale="92500" lnSpcReduction="10000"/>
-          </a:bodyPr>
-          <a:lstStyle/>
-          <a:p>
-            <a:r>
-              <a:rPr lang="en-US" dirty="0"/>
-              <a:t>Proposed halting measure: </a:t>
-            </a:r>
-          </a:p>
-          <a:p>
-            <a:pPr lvl="1"/>
-            <a:r>
-              <a:rPr lang="en-US" b="1" dirty="0">
-                <a:latin typeface="Consolas" panose="020B0609020204030204" pitchFamily="49" charset="0"/>
-                <a:cs typeface="Consolas" panose="020B0609020204030204" pitchFamily="49" charset="0"/>
-              </a:rPr>
-              <a:t>(length lst1) + (length lst2)</a:t>
-            </a:r>
-          </a:p>
-          <a:p>
-            <a:r>
-              <a:rPr lang="en-US" dirty="0"/>
-              <a:t>Termination argument:</a:t>
-            </a:r>
-          </a:p>
-          <a:p>
-            <a:pPr lvl="1"/>
-            <a:r>
-              <a:rPr lang="en-US" b="1" dirty="0">
-                <a:solidFill>
-                  <a:srgbClr val="FF0000"/>
-                </a:solidFill>
-                <a:latin typeface="Consolas" panose="020B0609020204030204" pitchFamily="49" charset="0"/>
-                <a:cs typeface="Consolas" panose="020B0609020204030204" pitchFamily="49" charset="0"/>
-              </a:rPr>
-              <a:t>(length lst1) </a:t>
-            </a:r>
-            <a:r>
-              <a:rPr lang="en-US" dirty="0">
-                <a:solidFill>
-                  <a:srgbClr val="FF0000"/>
-                </a:solidFill>
-              </a:rPr>
-              <a:t>and </a:t>
-            </a:r>
-            <a:r>
-              <a:rPr lang="en-US" b="1" dirty="0">
-                <a:solidFill>
-                  <a:srgbClr val="FF0000"/>
-                </a:solidFill>
-                <a:latin typeface="Consolas" panose="020B0609020204030204" pitchFamily="49" charset="0"/>
-                <a:cs typeface="Consolas" panose="020B0609020204030204" pitchFamily="49" charset="0"/>
-              </a:rPr>
-              <a:t>(length lst2) </a:t>
-            </a:r>
-            <a:r>
-              <a:rPr lang="en-US" dirty="0">
-                <a:solidFill>
-                  <a:srgbClr val="FF0000"/>
-                </a:solidFill>
-              </a:rPr>
-              <a:t>are both always non-negative, so their sum is non-negative.</a:t>
-            </a:r>
-          </a:p>
-          <a:p>
-            <a:pPr lvl="1"/>
-            <a:r>
-              <a:rPr lang="en-US" dirty="0">
-                <a:solidFill>
-                  <a:srgbClr val="FF0000"/>
-                </a:solidFill>
-              </a:rPr>
-              <a:t>At each recursive call, either </a:t>
-            </a:r>
-            <a:r>
-              <a:rPr lang="en-US" b="1" dirty="0">
-                <a:solidFill>
-                  <a:srgbClr val="FF0000"/>
-                </a:solidFill>
-                <a:latin typeface="Consolas" panose="020B0609020204030204" pitchFamily="49" charset="0"/>
-                <a:cs typeface="Consolas" panose="020B0609020204030204" pitchFamily="49" charset="0"/>
-              </a:rPr>
-              <a:t>lst1</a:t>
-            </a:r>
-            <a:r>
-              <a:rPr lang="en-US" dirty="0">
-                <a:solidFill>
-                  <a:srgbClr val="FF0000"/>
-                </a:solidFill>
-              </a:rPr>
-              <a:t> or </a:t>
-            </a:r>
-            <a:r>
-              <a:rPr lang="en-US" b="1" dirty="0">
-                <a:solidFill>
-                  <a:srgbClr val="FF0000"/>
-                </a:solidFill>
-                <a:latin typeface="Consolas" panose="020B0609020204030204" pitchFamily="49" charset="0"/>
-                <a:cs typeface="Consolas" panose="020B0609020204030204" pitchFamily="49" charset="0"/>
-              </a:rPr>
-              <a:t>lst2</a:t>
-            </a:r>
-            <a:r>
-              <a:rPr lang="en-US" dirty="0">
-                <a:solidFill>
-                  <a:srgbClr val="FF0000"/>
-                </a:solidFill>
-              </a:rPr>
-              <a:t> becomes shorter, so either way the sum of their lengths is shorter.</a:t>
-            </a:r>
-          </a:p>
-          <a:p>
-            <a:r>
-              <a:rPr lang="en-US" dirty="0"/>
-              <a:t>So </a:t>
-            </a:r>
-            <a:r>
-              <a:rPr lang="en-US" b="1" dirty="0">
-                <a:latin typeface="Consolas" panose="020B0609020204030204" pitchFamily="49" charset="0"/>
-                <a:cs typeface="Consolas" panose="020B0609020204030204" pitchFamily="49" charset="0"/>
-              </a:rPr>
-              <a:t>(length lst1) + (length lst2) </a:t>
-            </a:r>
-            <a:r>
-              <a:rPr lang="en-US" dirty="0"/>
-              <a:t>is a halting measure for </a:t>
-            </a:r>
-            <a:r>
-              <a:rPr lang="en-US" b="1" dirty="0"/>
-              <a:t>merge</a:t>
-            </a:r>
-            <a:r>
-              <a:rPr lang="en-US" dirty="0"/>
-              <a:t>.</a:t>
-            </a:r>
-          </a:p>
-        </p:txBody>
-      </p:sp>
-      <p:sp>
-        <p:nvSpPr>
-          <p:cNvPr id="4" name="Slide Number Placeholder 3"/>
-          <p:cNvSpPr>
-            <a:spLocks noGrp="1"/>
-          </p:cNvSpPr>
-          <p:nvPr>
-            <p:ph type="sldNum" sz="quarter" idx="12"/>
-          </p:nvPr>
-        </p:nvSpPr>
-        <p:spPr/>
-        <p:txBody>
-          <a:bodyPr/>
-          <a:lstStyle/>
-          <a:p>
-            <a:fld id="{2AF3B5EA-18B6-4040-9F78-6052AF49C681}" type="slidenum">
-              <a:rPr lang="en-US" smtClean="0"/>
-              <a:t>47</a:t>
-            </a:fld>
-            <a:endParaRPr lang="en-US"/>
-          </a:p>
-        </p:txBody>
-      </p:sp>
-    </p:spTree>
-    <p:extLst>
-      <p:ext uri="{BB962C8B-B14F-4D97-AF65-F5344CB8AC3E}">
-        <p14:creationId xmlns:p14="http://schemas.microsoft.com/office/powerpoint/2010/main" val="936476591"/>
-      </p:ext>
-    </p:extLst>
-  </p:cSld>
-  <p:clrMapOvr>
-    <a:masterClrMapping/>
-  </p:clrMapOvr>
-</p:sld>
-</file>
-
-<file path=ppt/slides/slide48.xml><?xml version="1.0" encoding="utf-8"?>
-<p:sld xmlns:a="http://schemas.openxmlformats.org/drawingml/2006/main" xmlns:r="http://schemas.openxmlformats.org/officeDocument/2006/relationships" xmlns:p="http://schemas.openxmlformats.org/presentationml/2006/main">
-  <p:cSld>
-    <p:spTree>
-      <p:nvGrpSpPr>
-        <p:cNvPr id="1" name=""/>
-        <p:cNvGrpSpPr/>
-        <p:nvPr/>
-      </p:nvGrpSpPr>
-      <p:grpSpPr>
-        <a:xfrm>
-          <a:off x="0" y="0"/>
-          <a:ext cx="0" cy="0"/>
-          <a:chOff x="0" y="0"/>
-          <a:chExt cx="0" cy="0"/>
-        </a:xfrm>
-      </p:grpSpPr>
-      <p:sp>
-        <p:nvSpPr>
-          <p:cNvPr id="2" name="Title 1"/>
-          <p:cNvSpPr>
-            <a:spLocks noGrp="1"/>
-          </p:cNvSpPr>
-          <p:nvPr>
-            <p:ph type="title"/>
-          </p:nvPr>
-        </p:nvSpPr>
-        <p:spPr/>
-        <p:txBody>
-          <a:bodyPr/>
-          <a:lstStyle/>
-          <a:p>
-            <a:r>
-              <a:rPr lang="en-US" dirty="0"/>
-              <a:t>Next Steps</a:t>
-            </a:r>
-          </a:p>
-        </p:txBody>
-      </p:sp>
-      <p:sp>
-        <p:nvSpPr>
-          <p:cNvPr id="3" name="Content Placeholder 2"/>
-          <p:cNvSpPr>
-            <a:spLocks noGrp="1"/>
-          </p:cNvSpPr>
-          <p:nvPr>
-            <p:ph idx="1"/>
-          </p:nvPr>
-        </p:nvSpPr>
-        <p:spPr/>
-        <p:txBody>
-          <a:bodyPr/>
-          <a:lstStyle/>
-          <a:p>
-            <a:r>
-              <a:rPr lang="en-US" dirty="0"/>
-              <a:t>Study the examples of general recursion in 08-1-decode.rkt, 08-2-merge-sort.rkt</a:t>
-            </a:r>
-            <a:r>
-              <a:rPr lang="en-US"/>
-              <a:t>, and  08-3-fib.rkt in </a:t>
-            </a:r>
-            <a:r>
-              <a:rPr lang="en-US" dirty="0"/>
-              <a:t>the Examples folder.</a:t>
-            </a:r>
-          </a:p>
-          <a:p>
-            <a:r>
-              <a:rPr lang="en-US" dirty="0"/>
-              <a:t>If you have questions about this lesson, ask them on the Discussion Board</a:t>
-            </a:r>
-          </a:p>
-          <a:p>
-            <a:r>
-              <a:rPr lang="en-US" dirty="0"/>
-              <a:t>Do Guided Practice 8.2.</a:t>
-            </a:r>
-          </a:p>
-          <a:p>
-            <a:r>
-              <a:rPr lang="en-US" dirty="0"/>
-              <a:t>Go on to the next lesson</a:t>
-            </a:r>
-          </a:p>
-        </p:txBody>
-      </p:sp>
-      <p:sp>
-        <p:nvSpPr>
-          <p:cNvPr id="4" name="Slide Number Placeholder 3"/>
-          <p:cNvSpPr>
-            <a:spLocks noGrp="1"/>
-          </p:cNvSpPr>
-          <p:nvPr>
-            <p:ph type="sldNum" sz="quarter" idx="12"/>
-          </p:nvPr>
-        </p:nvSpPr>
-        <p:spPr/>
-        <p:txBody>
-          <a:bodyPr/>
-          <a:lstStyle/>
-          <a:p>
-            <a:fld id="{9F4492BD-6A9C-48FC-AC76-0B4FE11194A1}" type="slidenum">
-              <a:rPr lang="en-US" smtClean="0"/>
-              <a:pPr/>
-              <a:t>48</a:t>
-            </a:fld>
-            <a:endParaRPr lang="en-US"/>
-          </a:p>
-        </p:txBody>
-      </p:sp>
-    </p:spTree>
-    <p:extLst>
-      <p:ext uri="{BB962C8B-B14F-4D97-AF65-F5344CB8AC3E}">
-        <p14:creationId xmlns:p14="http://schemas.microsoft.com/office/powerpoint/2010/main" val="3079789224"/>
-      </p:ext>
-    </p:extLst>
-  </p:cSld>
-  <p:clrMapOvr>
-    <a:masterClrMapping/>
-  </p:clrMapOvr>
-</p:sld>
-</file>
-
-<file path=ppt/slides/slide49.xml><?xml version="1.0" encoding="utf-8"?>
-<p:sld xmlns:a="http://schemas.openxmlformats.org/drawingml/2006/main" xmlns:r="http://schemas.openxmlformats.org/officeDocument/2006/relationships" xmlns:p="http://schemas.openxmlformats.org/presentationml/2006/main">
-  <p:cSld>
-    <p:spTree>
-      <p:nvGrpSpPr>
-        <p:cNvPr id="1" name=""/>
-        <p:cNvGrpSpPr/>
-        <p:nvPr/>
-      </p:nvGrpSpPr>
-      <p:grpSpPr>
-        <a:xfrm>
-          <a:off x="0" y="0"/>
-          <a:ext cx="0" cy="0"/>
-          <a:chOff x="0" y="0"/>
-          <a:chExt cx="0" cy="0"/>
-        </a:xfrm>
-      </p:grpSpPr>
-      <p:sp>
-        <p:nvSpPr>
-          <p:cNvPr id="2" name="Title 1">
-            <a:extLst>
-              <a:ext uri="{FF2B5EF4-FFF2-40B4-BE49-F238E27FC236}">
-                <a16:creationId xmlns:a16="http://schemas.microsoft.com/office/drawing/2014/main" id="{F449F699-B851-4E48-A2EE-EB05DF6895E3}"/>
-              </a:ext>
-            </a:extLst>
-          </p:cNvPr>
-          <p:cNvSpPr>
-            <a:spLocks noGrp="1"/>
-          </p:cNvSpPr>
-          <p:nvPr>
-            <p:ph type="title"/>
-          </p:nvPr>
-        </p:nvSpPr>
-        <p:spPr/>
-        <p:txBody>
-          <a:bodyPr/>
-          <a:lstStyle/>
-          <a:p>
-            <a:r>
-              <a:rPr lang="en-US" dirty="0"/>
-              <a:t>Outtakes</a:t>
-            </a:r>
-          </a:p>
-        </p:txBody>
-      </p:sp>
-      <p:sp>
-        <p:nvSpPr>
-          <p:cNvPr id="3" name="Content Placeholder 2">
-            <a:extLst>
-              <a:ext uri="{FF2B5EF4-FFF2-40B4-BE49-F238E27FC236}">
-                <a16:creationId xmlns:a16="http://schemas.microsoft.com/office/drawing/2014/main" id="{D3255EB9-DF3A-40D8-A24F-E637D3B69244}"/>
-              </a:ext>
-            </a:extLst>
-          </p:cNvPr>
-          <p:cNvSpPr>
-            <a:spLocks noGrp="1"/>
-          </p:cNvSpPr>
-          <p:nvPr>
-            <p:ph idx="1"/>
-          </p:nvPr>
-        </p:nvSpPr>
-        <p:spPr/>
-        <p:txBody>
-          <a:bodyPr/>
-          <a:lstStyle/>
-          <a:p>
-            <a:r>
-              <a:rPr lang="en-US" dirty="0"/>
-              <a:t>Old Slides Start Here</a:t>
-            </a:r>
-          </a:p>
-        </p:txBody>
-      </p:sp>
-      <p:sp>
-        <p:nvSpPr>
-          <p:cNvPr id="4" name="Slide Number Placeholder 3">
-            <a:extLst>
-              <a:ext uri="{FF2B5EF4-FFF2-40B4-BE49-F238E27FC236}">
-                <a16:creationId xmlns:a16="http://schemas.microsoft.com/office/drawing/2014/main" id="{752178E3-9D59-4BE9-9142-3ABBAE545154}"/>
-              </a:ext>
-            </a:extLst>
-          </p:cNvPr>
-          <p:cNvSpPr>
-            <a:spLocks noGrp="1"/>
-          </p:cNvSpPr>
-          <p:nvPr>
-            <p:ph type="sldNum" sz="quarter" idx="12"/>
-          </p:nvPr>
-        </p:nvSpPr>
-        <p:spPr/>
-        <p:txBody>
-          <a:bodyPr/>
-          <a:lstStyle/>
-          <a:p>
-            <a:fld id="{2AF3B5EA-18B6-4040-9F78-6052AF49C681}" type="slidenum">
-              <a:rPr lang="en-US" smtClean="0"/>
-              <a:t>49</a:t>
-            </a:fld>
-            <a:endParaRPr lang="en-US"/>
-          </a:p>
-        </p:txBody>
-      </p:sp>
-    </p:spTree>
-    <p:extLst>
-      <p:ext uri="{BB962C8B-B14F-4D97-AF65-F5344CB8AC3E}">
-        <p14:creationId xmlns:p14="http://schemas.microsoft.com/office/powerpoint/2010/main" val="3587817204"/>
       </p:ext>
     </p:extLst>
   </p:cSld>
@@ -21194,3246 +17602,6 @@
 </p:sld>
 </file>
 
-<file path=ppt/slides/slide50.xml><?xml version="1.0" encoding="utf-8"?>
-<p:sld xmlns:a="http://schemas.openxmlformats.org/drawingml/2006/main" xmlns:r="http://schemas.openxmlformats.org/officeDocument/2006/relationships" xmlns:p="http://schemas.openxmlformats.org/presentationml/2006/main">
-  <p:cSld>
-    <p:spTree>
-      <p:nvGrpSpPr>
-        <p:cNvPr id="1" name=""/>
-        <p:cNvGrpSpPr/>
-        <p:nvPr/>
-      </p:nvGrpSpPr>
-      <p:grpSpPr>
-        <a:xfrm>
-          <a:off x="0" y="0"/>
-          <a:ext cx="0" cy="0"/>
-          <a:chOff x="0" y="0"/>
-          <a:chExt cx="0" cy="0"/>
-        </a:xfrm>
-      </p:grpSpPr>
-      <p:sp>
-        <p:nvSpPr>
-          <p:cNvPr id="2" name="Title 1"/>
-          <p:cNvSpPr>
-            <a:spLocks noGrp="1"/>
-          </p:cNvSpPr>
-          <p:nvPr>
-            <p:ph type="title"/>
-          </p:nvPr>
-        </p:nvSpPr>
-        <p:spPr/>
-        <p:txBody>
-          <a:bodyPr/>
-          <a:lstStyle/>
-          <a:p>
-            <a:r>
-              <a:rPr lang="en-US" dirty="0"/>
-              <a:t>An example: </a:t>
-            </a:r>
-            <a:r>
-              <a:rPr lang="en-US" b="1" dirty="0"/>
-              <a:t>decode</a:t>
-            </a:r>
-          </a:p>
-        </p:txBody>
-      </p:sp>
-      <p:sp>
-        <p:nvSpPr>
-          <p:cNvPr id="3" name="Content Placeholder 2"/>
-          <p:cNvSpPr>
-            <a:spLocks noGrp="1"/>
-          </p:cNvSpPr>
-          <p:nvPr>
-            <p:ph idx="1"/>
-          </p:nvPr>
-        </p:nvSpPr>
-        <p:spPr>
-          <a:xfrm>
-            <a:off x="457200" y="1600200"/>
-            <a:ext cx="8077200" cy="4525963"/>
-          </a:xfrm>
-          <a:noFill/>
-        </p:spPr>
-        <p:txBody>
-          <a:bodyPr>
-            <a:normAutofit/>
-          </a:bodyPr>
-          <a:lstStyle/>
-          <a:p>
-            <a:pPr>
-              <a:buNone/>
-            </a:pPr>
-            <a:r>
-              <a:rPr lang="en-US" sz="2800" b="1" dirty="0">
-                <a:latin typeface="Consolas" pitchFamily="49" charset="0"/>
-                <a:cs typeface="Consolas" pitchFamily="49" charset="0"/>
-              </a:rPr>
-              <a:t>(define-</a:t>
-            </a:r>
-            <a:r>
-              <a:rPr lang="en-US" sz="2800" b="1" dirty="0" err="1">
-                <a:latin typeface="Consolas" pitchFamily="49" charset="0"/>
-                <a:cs typeface="Consolas" pitchFamily="49" charset="0"/>
-              </a:rPr>
-              <a:t>struct</a:t>
-            </a:r>
-            <a:r>
-              <a:rPr lang="en-US" sz="2800" b="1" dirty="0">
-                <a:latin typeface="Consolas" pitchFamily="49" charset="0"/>
-                <a:cs typeface="Consolas" pitchFamily="49" charset="0"/>
-              </a:rPr>
-              <a:t> </a:t>
-            </a:r>
-            <a:r>
-              <a:rPr lang="en-US" sz="2800" b="1" dirty="0" err="1">
-                <a:latin typeface="Consolas" pitchFamily="49" charset="0"/>
-                <a:cs typeface="Consolas" pitchFamily="49" charset="0"/>
-              </a:rPr>
-              <a:t>diffexp</a:t>
-            </a:r>
-            <a:r>
-              <a:rPr lang="en-US" sz="2800" b="1" dirty="0">
-                <a:latin typeface="Consolas" pitchFamily="49" charset="0"/>
-                <a:cs typeface="Consolas" pitchFamily="49" charset="0"/>
-              </a:rPr>
-              <a:t> (exp1 exp2))</a:t>
-            </a:r>
-          </a:p>
-          <a:p>
-            <a:pPr>
-              <a:buNone/>
-            </a:pPr>
-            <a:endParaRPr lang="en-US" sz="2800" b="1" dirty="0">
-              <a:latin typeface="Consolas" pitchFamily="49" charset="0"/>
-              <a:cs typeface="Consolas" pitchFamily="49" charset="0"/>
-            </a:endParaRPr>
-          </a:p>
-          <a:p>
-            <a:pPr>
-              <a:buNone/>
-            </a:pPr>
-            <a:r>
-              <a:rPr lang="en-US" sz="2800" b="1" dirty="0">
-                <a:latin typeface="Consolas" pitchFamily="49" charset="0"/>
-                <a:cs typeface="Consolas" pitchFamily="49" charset="0"/>
-              </a:rPr>
-              <a:t>;; A </a:t>
-            </a:r>
-            <a:r>
-              <a:rPr lang="en-US" sz="2800" b="1" dirty="0" err="1">
-                <a:latin typeface="Consolas" pitchFamily="49" charset="0"/>
-                <a:cs typeface="Consolas" pitchFamily="49" charset="0"/>
-              </a:rPr>
-              <a:t>DiffExp</a:t>
-            </a:r>
-            <a:r>
-              <a:rPr lang="en-US" sz="2800" b="1" dirty="0">
-                <a:latin typeface="Consolas" pitchFamily="49" charset="0"/>
-                <a:cs typeface="Consolas" pitchFamily="49" charset="0"/>
-              </a:rPr>
-              <a:t> is either</a:t>
-            </a:r>
-          </a:p>
-          <a:p>
-            <a:pPr>
-              <a:buNone/>
-            </a:pPr>
-            <a:r>
-              <a:rPr lang="en-US" sz="2800" b="1" dirty="0">
-                <a:latin typeface="Consolas" pitchFamily="49" charset="0"/>
-                <a:cs typeface="Consolas" pitchFamily="49" charset="0"/>
-              </a:rPr>
-              <a:t>;; -- a Number</a:t>
-            </a:r>
-          </a:p>
-          <a:p>
-            <a:pPr>
-              <a:buNone/>
-            </a:pPr>
-            <a:r>
-              <a:rPr lang="en-US" sz="2800" b="1" dirty="0">
-                <a:latin typeface="Consolas" pitchFamily="49" charset="0"/>
-                <a:cs typeface="Consolas" pitchFamily="49" charset="0"/>
-              </a:rPr>
-              <a:t>;; -- (make-</a:t>
-            </a:r>
-            <a:r>
-              <a:rPr lang="en-US" sz="2800" b="1" dirty="0" err="1">
-                <a:latin typeface="Consolas" pitchFamily="49" charset="0"/>
-                <a:cs typeface="Consolas" pitchFamily="49" charset="0"/>
-              </a:rPr>
-              <a:t>diffexp</a:t>
-            </a:r>
-            <a:r>
-              <a:rPr lang="en-US" sz="2800" b="1" dirty="0">
-                <a:latin typeface="Consolas" pitchFamily="49" charset="0"/>
-                <a:cs typeface="Consolas" pitchFamily="49" charset="0"/>
-              </a:rPr>
-              <a:t> </a:t>
-            </a:r>
-            <a:r>
-              <a:rPr lang="en-US" sz="2800" b="1" dirty="0" err="1">
-                <a:latin typeface="Consolas" pitchFamily="49" charset="0"/>
-                <a:cs typeface="Consolas" pitchFamily="49" charset="0"/>
-              </a:rPr>
-              <a:t>DiffExp</a:t>
-            </a:r>
-            <a:r>
-              <a:rPr lang="en-US" sz="2800" b="1" dirty="0">
-                <a:latin typeface="Consolas" pitchFamily="49" charset="0"/>
-                <a:cs typeface="Consolas" pitchFamily="49" charset="0"/>
-              </a:rPr>
-              <a:t> </a:t>
-            </a:r>
-            <a:r>
-              <a:rPr lang="en-US" sz="2800" b="1" dirty="0" err="1">
-                <a:latin typeface="Consolas" pitchFamily="49" charset="0"/>
-                <a:cs typeface="Consolas" pitchFamily="49" charset="0"/>
-              </a:rPr>
-              <a:t>DiffExp</a:t>
-            </a:r>
-            <a:r>
-              <a:rPr lang="en-US" sz="2800" b="1" dirty="0">
-                <a:latin typeface="Consolas" pitchFamily="49" charset="0"/>
-                <a:cs typeface="Consolas" pitchFamily="49" charset="0"/>
-              </a:rPr>
-              <a:t>)</a:t>
-            </a:r>
-          </a:p>
-          <a:p>
-            <a:pPr>
-              <a:buNone/>
-            </a:pPr>
-            <a:endParaRPr lang="en-US" sz="2800" b="1" dirty="0">
-              <a:latin typeface="Consolas" pitchFamily="49" charset="0"/>
-              <a:cs typeface="Consolas" pitchFamily="49" charset="0"/>
-            </a:endParaRPr>
-          </a:p>
-        </p:txBody>
-      </p:sp>
-      <p:sp>
-        <p:nvSpPr>
-          <p:cNvPr id="5" name="Slide Number Placeholder 4"/>
-          <p:cNvSpPr>
-            <a:spLocks noGrp="1"/>
-          </p:cNvSpPr>
-          <p:nvPr>
-            <p:ph type="sldNum" sz="quarter" idx="12"/>
-          </p:nvPr>
-        </p:nvSpPr>
-        <p:spPr/>
-        <p:txBody>
-          <a:bodyPr/>
-          <a:lstStyle/>
-          <a:p>
-            <a:fld id="{9F4492BD-6A9C-48FC-AC76-0B4FE11194A1}" type="slidenum">
-              <a:rPr lang="en-US" smtClean="0"/>
-              <a:pPr/>
-              <a:t>50</a:t>
-            </a:fld>
-            <a:endParaRPr lang="en-US"/>
-          </a:p>
-        </p:txBody>
-      </p:sp>
-      <p:sp>
-        <p:nvSpPr>
-          <p:cNvPr id="4" name="Rectangle 3"/>
-          <p:cNvSpPr/>
-          <p:nvPr/>
-        </p:nvSpPr>
-        <p:spPr>
-          <a:xfrm>
-            <a:off x="4572000" y="4302059"/>
-            <a:ext cx="4234544" cy="1799771"/>
-          </a:xfrm>
-          <a:prstGeom prst="rect">
-            <a:avLst/>
-          </a:prstGeom>
-          <a:solidFill>
-            <a:schemeClr val="accent1">
-              <a:lumMod val="20000"/>
-              <a:lumOff val="80000"/>
-            </a:schemeClr>
-          </a:solidFill>
-          <a:ln>
-            <a:noFill/>
-          </a:ln>
-        </p:spPr>
-        <p:style>
-          <a:lnRef idx="2">
-            <a:schemeClr val="accent1"/>
-          </a:lnRef>
-          <a:fillRef idx="1">
-            <a:schemeClr val="lt1"/>
-          </a:fillRef>
-          <a:effectRef idx="0">
-            <a:schemeClr val="accent1"/>
-          </a:effectRef>
-          <a:fontRef idx="minor">
-            <a:schemeClr val="dk1"/>
-          </a:fontRef>
-        </p:style>
-        <p:txBody>
-          <a:bodyPr rot="0" spcFirstLastPara="0" vertOverflow="overflow" horzOverflow="overflow" vert="horz" wrap="square" lIns="91440" tIns="45720" rIns="91440" bIns="45720" numCol="1" spcCol="0" rtlCol="0" fromWordArt="0" anchor="ctr" anchorCtr="0" forceAA="0" compatLnSpc="1">
-            <a:prstTxWarp prst="textNoShape">
-              <a:avLst/>
-            </a:prstTxWarp>
-            <a:noAutofit/>
-          </a:bodyPr>
-          <a:lstStyle/>
-          <a:p>
-            <a:r>
-              <a:rPr lang="en-US" sz="2000" dirty="0"/>
-              <a:t>Here is the data definition for </a:t>
-            </a:r>
-            <a:r>
-              <a:rPr lang="en-US" sz="2000" dirty="0" err="1"/>
-              <a:t>diffexps</a:t>
-            </a:r>
-            <a:r>
-              <a:rPr lang="en-US" sz="2000" dirty="0"/>
-              <a:t>.  These are a simple representation of difference expressions, much like the arithmetic expressions we considered in some of the earlier problem sets.</a:t>
-            </a:r>
-          </a:p>
-        </p:txBody>
-      </p:sp>
-    </p:spTree>
-    <p:extLst>
-      <p:ext uri="{BB962C8B-B14F-4D97-AF65-F5344CB8AC3E}">
-        <p14:creationId xmlns:p14="http://schemas.microsoft.com/office/powerpoint/2010/main" val="2521128140"/>
-      </p:ext>
-    </p:extLst>
-  </p:cSld>
-  <p:clrMapOvr>
-    <a:masterClrMapping/>
-  </p:clrMapOvr>
-</p:sld>
-</file>
-
-<file path=ppt/slides/slide51.xml><?xml version="1.0" encoding="utf-8"?>
-<p:sld xmlns:a="http://schemas.openxmlformats.org/drawingml/2006/main" xmlns:r="http://schemas.openxmlformats.org/officeDocument/2006/relationships" xmlns:p="http://schemas.openxmlformats.org/presentationml/2006/main">
-  <p:cSld>
-    <p:spTree>
-      <p:nvGrpSpPr>
-        <p:cNvPr id="1" name=""/>
-        <p:cNvGrpSpPr/>
-        <p:nvPr/>
-      </p:nvGrpSpPr>
-      <p:grpSpPr>
-        <a:xfrm>
-          <a:off x="0" y="0"/>
-          <a:ext cx="0" cy="0"/>
-          <a:chOff x="0" y="0"/>
-          <a:chExt cx="0" cy="0"/>
-        </a:xfrm>
-      </p:grpSpPr>
-      <p:sp>
-        <p:nvSpPr>
-          <p:cNvPr id="2" name="Title 1"/>
-          <p:cNvSpPr>
-            <a:spLocks noGrp="1"/>
-          </p:cNvSpPr>
-          <p:nvPr>
-            <p:ph type="title"/>
-          </p:nvPr>
-        </p:nvSpPr>
-        <p:spPr/>
-        <p:txBody>
-          <a:bodyPr/>
-          <a:lstStyle/>
-          <a:p>
-            <a:r>
-              <a:rPr lang="en-US" dirty="0"/>
-              <a:t>Examples of </a:t>
-            </a:r>
-            <a:r>
-              <a:rPr lang="en-US" dirty="0" err="1"/>
-              <a:t>diffexps</a:t>
-            </a:r>
-            <a:endParaRPr lang="en-US" dirty="0"/>
-          </a:p>
-        </p:txBody>
-      </p:sp>
-      <p:sp>
-        <p:nvSpPr>
-          <p:cNvPr id="3" name="Content Placeholder 2"/>
-          <p:cNvSpPr>
-            <a:spLocks noGrp="1"/>
-          </p:cNvSpPr>
-          <p:nvPr>
-            <p:ph idx="1"/>
-          </p:nvPr>
-        </p:nvSpPr>
-        <p:spPr/>
-        <p:txBody>
-          <a:bodyPr>
-            <a:normAutofit/>
-          </a:bodyPr>
-          <a:lstStyle/>
-          <a:p>
-            <a:pPr>
-              <a:buNone/>
-            </a:pPr>
-            <a:r>
-              <a:rPr lang="en-US" sz="2400" b="1" dirty="0">
-                <a:latin typeface="Consolas" pitchFamily="49" charset="0"/>
-                <a:cs typeface="Consolas" pitchFamily="49" charset="0"/>
-              </a:rPr>
-              <a:t>(make-</a:t>
-            </a:r>
-            <a:r>
-              <a:rPr lang="en-US" sz="2400" b="1" dirty="0" err="1">
-                <a:latin typeface="Consolas" pitchFamily="49" charset="0"/>
-                <a:cs typeface="Consolas" pitchFamily="49" charset="0"/>
-              </a:rPr>
-              <a:t>diffexp</a:t>
-            </a:r>
-            <a:r>
-              <a:rPr lang="en-US" sz="2400" b="1" dirty="0">
-                <a:latin typeface="Consolas" pitchFamily="49" charset="0"/>
-                <a:cs typeface="Consolas" pitchFamily="49" charset="0"/>
-              </a:rPr>
-              <a:t> 3 5)</a:t>
-            </a:r>
-          </a:p>
-          <a:p>
-            <a:pPr>
-              <a:buNone/>
-            </a:pPr>
-            <a:r>
-              <a:rPr lang="en-US" sz="2400" b="1" dirty="0">
-                <a:latin typeface="Consolas" pitchFamily="49" charset="0"/>
-                <a:cs typeface="Consolas" pitchFamily="49" charset="0"/>
-              </a:rPr>
-              <a:t>(make-</a:t>
-            </a:r>
-            <a:r>
-              <a:rPr lang="en-US" sz="2400" b="1" dirty="0" err="1">
-                <a:latin typeface="Consolas" pitchFamily="49" charset="0"/>
-                <a:cs typeface="Consolas" pitchFamily="49" charset="0"/>
-              </a:rPr>
-              <a:t>diffexp</a:t>
-            </a:r>
-            <a:r>
-              <a:rPr lang="en-US" sz="2400" b="1" dirty="0">
-                <a:latin typeface="Consolas" pitchFamily="49" charset="0"/>
-                <a:cs typeface="Consolas" pitchFamily="49" charset="0"/>
-              </a:rPr>
-              <a:t> 2 (make-</a:t>
-            </a:r>
-            <a:r>
-              <a:rPr lang="en-US" sz="2400" b="1" dirty="0" err="1">
-                <a:latin typeface="Consolas" pitchFamily="49" charset="0"/>
-                <a:cs typeface="Consolas" pitchFamily="49" charset="0"/>
-              </a:rPr>
-              <a:t>diffexp</a:t>
-            </a:r>
-            <a:r>
-              <a:rPr lang="en-US" sz="2400" b="1" dirty="0">
-                <a:latin typeface="Consolas" pitchFamily="49" charset="0"/>
-                <a:cs typeface="Consolas" pitchFamily="49" charset="0"/>
-              </a:rPr>
-              <a:t> 3 5))</a:t>
-            </a:r>
-          </a:p>
-          <a:p>
-            <a:pPr>
-              <a:buNone/>
-            </a:pPr>
-            <a:r>
-              <a:rPr lang="en-US" sz="2400" b="1" dirty="0">
-                <a:latin typeface="Consolas" pitchFamily="49" charset="0"/>
-                <a:cs typeface="Consolas" pitchFamily="49" charset="0"/>
-              </a:rPr>
-              <a:t>(make-</a:t>
-            </a:r>
-            <a:r>
-              <a:rPr lang="en-US" sz="2400" b="1" dirty="0" err="1">
-                <a:latin typeface="Consolas" pitchFamily="49" charset="0"/>
-                <a:cs typeface="Consolas" pitchFamily="49" charset="0"/>
-              </a:rPr>
-              <a:t>diffexp</a:t>
-            </a:r>
-            <a:r>
-              <a:rPr lang="en-US" sz="2400" b="1" dirty="0">
-                <a:latin typeface="Consolas" pitchFamily="49" charset="0"/>
-                <a:cs typeface="Consolas" pitchFamily="49" charset="0"/>
-              </a:rPr>
-              <a:t>  </a:t>
-            </a:r>
-          </a:p>
-          <a:p>
-            <a:pPr>
-              <a:buNone/>
-            </a:pPr>
-            <a:r>
-              <a:rPr lang="en-US" sz="2400" b="1" dirty="0">
-                <a:latin typeface="Consolas" pitchFamily="49" charset="0"/>
-                <a:cs typeface="Consolas" pitchFamily="49" charset="0"/>
-              </a:rPr>
-              <a:t>  (make-</a:t>
-            </a:r>
-            <a:r>
-              <a:rPr lang="en-US" sz="2400" b="1" dirty="0" err="1">
-                <a:latin typeface="Consolas" pitchFamily="49" charset="0"/>
-                <a:cs typeface="Consolas" pitchFamily="49" charset="0"/>
-              </a:rPr>
-              <a:t>diffexp</a:t>
-            </a:r>
-            <a:r>
-              <a:rPr lang="en-US" sz="2400" b="1" dirty="0">
-                <a:latin typeface="Consolas" pitchFamily="49" charset="0"/>
-                <a:cs typeface="Consolas" pitchFamily="49" charset="0"/>
-              </a:rPr>
-              <a:t> 2 4)</a:t>
-            </a:r>
-          </a:p>
-          <a:p>
-            <a:pPr>
-              <a:buNone/>
-            </a:pPr>
-            <a:r>
-              <a:rPr lang="en-US" sz="2400" b="1" dirty="0">
-                <a:latin typeface="Consolas" pitchFamily="49" charset="0"/>
-                <a:cs typeface="Consolas" pitchFamily="49" charset="0"/>
-              </a:rPr>
-              <a:t>  (make-</a:t>
-            </a:r>
-            <a:r>
-              <a:rPr lang="en-US" sz="2400" b="1" dirty="0" err="1">
-                <a:latin typeface="Consolas" pitchFamily="49" charset="0"/>
-                <a:cs typeface="Consolas" pitchFamily="49" charset="0"/>
-              </a:rPr>
-              <a:t>diffexp</a:t>
-            </a:r>
-            <a:r>
-              <a:rPr lang="en-US" sz="2400" b="1" dirty="0">
-                <a:latin typeface="Consolas" pitchFamily="49" charset="0"/>
-                <a:cs typeface="Consolas" pitchFamily="49" charset="0"/>
-              </a:rPr>
-              <a:t> 3 5))</a:t>
-            </a:r>
-          </a:p>
-        </p:txBody>
-      </p:sp>
-      <p:sp>
-        <p:nvSpPr>
-          <p:cNvPr id="5" name="Slide Number Placeholder 4"/>
-          <p:cNvSpPr>
-            <a:spLocks noGrp="1"/>
-          </p:cNvSpPr>
-          <p:nvPr>
-            <p:ph type="sldNum" sz="quarter" idx="12"/>
-          </p:nvPr>
-        </p:nvSpPr>
-        <p:spPr/>
-        <p:txBody>
-          <a:bodyPr/>
-          <a:lstStyle/>
-          <a:p>
-            <a:fld id="{9F4492BD-6A9C-48FC-AC76-0B4FE11194A1}" type="slidenum">
-              <a:rPr lang="en-US" smtClean="0"/>
-              <a:pPr/>
-              <a:t>51</a:t>
-            </a:fld>
-            <a:endParaRPr lang="en-US"/>
-          </a:p>
-        </p:txBody>
-      </p:sp>
-      <p:sp>
-        <p:nvSpPr>
-          <p:cNvPr id="4" name="Rectangle 3"/>
-          <p:cNvSpPr/>
-          <p:nvPr/>
-        </p:nvSpPr>
-        <p:spPr>
-          <a:xfrm>
-            <a:off x="3962400" y="4981074"/>
-            <a:ext cx="4343400" cy="609600"/>
-          </a:xfrm>
-          <a:prstGeom prst="rect">
-            <a:avLst/>
-          </a:prstGeom>
-          <a:solidFill>
-            <a:schemeClr val="accent1">
-              <a:lumMod val="20000"/>
-              <a:lumOff val="80000"/>
-            </a:schemeClr>
-          </a:solidFill>
-          <a:ln>
-            <a:noFill/>
-          </a:ln>
-        </p:spPr>
-        <p:style>
-          <a:lnRef idx="2">
-            <a:schemeClr val="accent1"/>
-          </a:lnRef>
-          <a:fillRef idx="1">
-            <a:schemeClr val="lt1"/>
-          </a:fillRef>
-          <a:effectRef idx="0">
-            <a:schemeClr val="accent1"/>
-          </a:effectRef>
-          <a:fontRef idx="minor">
-            <a:schemeClr val="dk1"/>
-          </a:fontRef>
-        </p:style>
-        <p:txBody>
-          <a:bodyPr rot="0" spcFirstLastPara="0" vertOverflow="overflow" horzOverflow="overflow" vert="horz" wrap="square" lIns="91440" tIns="45720" rIns="91440" bIns="45720" numCol="1" spcCol="0" rtlCol="0" fromWordArt="0" anchor="ctr" anchorCtr="0" forceAA="0" compatLnSpc="1">
-            <a:prstTxWarp prst="textNoShape">
-              <a:avLst/>
-            </a:prstTxWarp>
-            <a:noAutofit/>
-          </a:bodyPr>
-          <a:lstStyle/>
-          <a:p>
-            <a:r>
-              <a:rPr lang="en-US" sz="2000" dirty="0"/>
-              <a:t>Writing out diff-</a:t>
-            </a:r>
-            <a:r>
-              <a:rPr lang="en-US" sz="2000" dirty="0" err="1"/>
-              <a:t>exps</a:t>
-            </a:r>
-            <a:r>
-              <a:rPr lang="en-US" sz="2000" dirty="0"/>
-              <a:t> is tedious at best.</a:t>
-            </a:r>
-          </a:p>
-        </p:txBody>
-      </p:sp>
-    </p:spTree>
-    <p:extLst>
-      <p:ext uri="{BB962C8B-B14F-4D97-AF65-F5344CB8AC3E}">
-        <p14:creationId xmlns:p14="http://schemas.microsoft.com/office/powerpoint/2010/main" val="1127570706"/>
-      </p:ext>
-    </p:extLst>
-  </p:cSld>
-  <p:clrMapOvr>
-    <a:masterClrMapping/>
-  </p:clrMapOvr>
-</p:sld>
-</file>
-
-<file path=ppt/slides/slide52.xml><?xml version="1.0" encoding="utf-8"?>
-<p:sld xmlns:a="http://schemas.openxmlformats.org/drawingml/2006/main" xmlns:r="http://schemas.openxmlformats.org/officeDocument/2006/relationships" xmlns:p="http://schemas.openxmlformats.org/presentationml/2006/main">
-  <p:cSld>
-    <p:spTree>
-      <p:nvGrpSpPr>
-        <p:cNvPr id="1" name=""/>
-        <p:cNvGrpSpPr/>
-        <p:nvPr/>
-      </p:nvGrpSpPr>
-      <p:grpSpPr>
-        <a:xfrm>
-          <a:off x="0" y="0"/>
-          <a:ext cx="0" cy="0"/>
-          <a:chOff x="0" y="0"/>
-          <a:chExt cx="0" cy="0"/>
-        </a:xfrm>
-      </p:grpSpPr>
-      <p:sp>
-        <p:nvSpPr>
-          <p:cNvPr id="2" name="Title 1"/>
-          <p:cNvSpPr>
-            <a:spLocks noGrp="1"/>
-          </p:cNvSpPr>
-          <p:nvPr>
-            <p:ph type="title"/>
-          </p:nvPr>
-        </p:nvSpPr>
-        <p:spPr/>
-        <p:txBody>
-          <a:bodyPr/>
-          <a:lstStyle/>
-          <a:p>
-            <a:r>
-              <a:rPr lang="en-US" dirty="0"/>
-              <a:t>Not very human-friendly...</a:t>
-            </a:r>
-          </a:p>
-        </p:txBody>
-      </p:sp>
-      <p:sp>
-        <p:nvSpPr>
-          <p:cNvPr id="3" name="Content Placeholder 2"/>
-          <p:cNvSpPr>
-            <a:spLocks noGrp="1"/>
-          </p:cNvSpPr>
-          <p:nvPr>
-            <p:ph idx="1"/>
-          </p:nvPr>
-        </p:nvSpPr>
-        <p:spPr/>
-        <p:txBody>
-          <a:bodyPr/>
-          <a:lstStyle/>
-          <a:p>
-            <a:r>
-              <a:rPr lang="en-US" dirty="0"/>
-              <a:t>How about using more  Scheme-like notation,  </a:t>
-            </a:r>
-            <a:r>
-              <a:rPr lang="en-US" dirty="0" err="1"/>
-              <a:t>eg</a:t>
-            </a:r>
-            <a:r>
-              <a:rPr lang="en-US" dirty="0"/>
-              <a:t>:</a:t>
-            </a:r>
-          </a:p>
-          <a:p>
-            <a:endParaRPr lang="en-US" dirty="0"/>
-          </a:p>
-          <a:p>
-            <a:pPr>
-              <a:buNone/>
-            </a:pPr>
-            <a:r>
-              <a:rPr lang="en-US" b="1" dirty="0">
-                <a:latin typeface="Consolas" pitchFamily="49" charset="0"/>
-                <a:cs typeface="Consolas" pitchFamily="49" charset="0"/>
-              </a:rPr>
-              <a:t>(- 3 5)</a:t>
-            </a:r>
-          </a:p>
-          <a:p>
-            <a:pPr>
-              <a:buNone/>
-            </a:pPr>
-            <a:r>
-              <a:rPr lang="en-US" b="1" dirty="0">
-                <a:latin typeface="Consolas" pitchFamily="49" charset="0"/>
-                <a:cs typeface="Consolas" pitchFamily="49" charset="0"/>
-              </a:rPr>
-              <a:t>(- 2 (- 3 5))</a:t>
-            </a:r>
-          </a:p>
-          <a:p>
-            <a:pPr>
-              <a:buNone/>
-            </a:pPr>
-            <a:r>
-              <a:rPr lang="en-US" b="1" dirty="0">
-                <a:latin typeface="Consolas" pitchFamily="49" charset="0"/>
-                <a:cs typeface="Consolas" pitchFamily="49" charset="0"/>
-              </a:rPr>
-              <a:t>(- (- 2 4) (- 3 5))</a:t>
-            </a:r>
-          </a:p>
-        </p:txBody>
-      </p:sp>
-      <p:sp>
-        <p:nvSpPr>
-          <p:cNvPr id="4" name="Slide Number Placeholder 3"/>
-          <p:cNvSpPr>
-            <a:spLocks noGrp="1"/>
-          </p:cNvSpPr>
-          <p:nvPr>
-            <p:ph type="sldNum" sz="quarter" idx="12"/>
-          </p:nvPr>
-        </p:nvSpPr>
-        <p:spPr/>
-        <p:txBody>
-          <a:bodyPr/>
-          <a:lstStyle/>
-          <a:p>
-            <a:fld id="{9F4492BD-6A9C-48FC-AC76-0B4FE11194A1}" type="slidenum">
-              <a:rPr lang="en-US" smtClean="0"/>
-              <a:pPr/>
-              <a:t>52</a:t>
-            </a:fld>
-            <a:endParaRPr lang="en-US"/>
-          </a:p>
-        </p:txBody>
-      </p:sp>
-    </p:spTree>
-    <p:extLst>
-      <p:ext uri="{BB962C8B-B14F-4D97-AF65-F5344CB8AC3E}">
-        <p14:creationId xmlns:p14="http://schemas.microsoft.com/office/powerpoint/2010/main" val="182568857"/>
-      </p:ext>
-    </p:extLst>
-  </p:cSld>
-  <p:clrMapOvr>
-    <a:masterClrMapping/>
-  </p:clrMapOvr>
-</p:sld>
-</file>
-
-<file path=ppt/slides/slide53.xml><?xml version="1.0" encoding="utf-8"?>
-<p:sld xmlns:a="http://schemas.openxmlformats.org/drawingml/2006/main" xmlns:r="http://schemas.openxmlformats.org/officeDocument/2006/relationships" xmlns:p="http://schemas.openxmlformats.org/presentationml/2006/main">
-  <p:cSld>
-    <p:spTree>
-      <p:nvGrpSpPr>
-        <p:cNvPr id="1" name=""/>
-        <p:cNvGrpSpPr/>
-        <p:nvPr/>
-      </p:nvGrpSpPr>
-      <p:grpSpPr>
-        <a:xfrm>
-          <a:off x="0" y="0"/>
-          <a:ext cx="0" cy="0"/>
-          <a:chOff x="0" y="0"/>
-          <a:chExt cx="0" cy="0"/>
-        </a:xfrm>
-      </p:grpSpPr>
-      <p:sp>
-        <p:nvSpPr>
-          <p:cNvPr id="2" name="Title 1"/>
-          <p:cNvSpPr>
-            <a:spLocks noGrp="1"/>
-          </p:cNvSpPr>
-          <p:nvPr>
-            <p:ph type="title"/>
-          </p:nvPr>
-        </p:nvSpPr>
-        <p:spPr/>
-        <p:txBody>
-          <a:bodyPr>
-            <a:normAutofit fontScale="90000"/>
-          </a:bodyPr>
-          <a:lstStyle/>
-          <a:p>
-            <a:r>
-              <a:rPr lang="en-US" dirty="0"/>
-              <a:t>Task: convert from human-friendly notation to </a:t>
-            </a:r>
-            <a:r>
-              <a:rPr lang="en-US" dirty="0" err="1"/>
-              <a:t>diffexps</a:t>
-            </a:r>
-            <a:r>
-              <a:rPr lang="en-US" dirty="0"/>
-              <a:t>.</a:t>
-            </a:r>
-          </a:p>
-        </p:txBody>
-      </p:sp>
-      <p:sp>
-        <p:nvSpPr>
-          <p:cNvPr id="3" name="Content Placeholder 2"/>
-          <p:cNvSpPr>
-            <a:spLocks noGrp="1"/>
-          </p:cNvSpPr>
-          <p:nvPr>
-            <p:ph idx="1"/>
-          </p:nvPr>
-        </p:nvSpPr>
-        <p:spPr/>
-        <p:txBody>
-          <a:bodyPr/>
-          <a:lstStyle/>
-          <a:p>
-            <a:r>
-              <a:rPr lang="en-US" dirty="0"/>
-              <a:t>Info analysis:</a:t>
-            </a:r>
-          </a:p>
-          <a:p>
-            <a:pPr lvl="1"/>
-            <a:r>
-              <a:rPr lang="en-US" dirty="0"/>
-              <a:t>what's  the input?   </a:t>
-            </a:r>
-          </a:p>
-          <a:p>
-            <a:pPr lvl="1"/>
-            <a:r>
-              <a:rPr lang="en-US" dirty="0"/>
-              <a:t>answer: S-expressions containing numbers and symbols</a:t>
-            </a:r>
-          </a:p>
-        </p:txBody>
-      </p:sp>
-      <p:sp>
-        <p:nvSpPr>
-          <p:cNvPr id="4" name="Slide Number Placeholder 3"/>
-          <p:cNvSpPr>
-            <a:spLocks noGrp="1"/>
-          </p:cNvSpPr>
-          <p:nvPr>
-            <p:ph type="sldNum" sz="quarter" idx="12"/>
-          </p:nvPr>
-        </p:nvSpPr>
-        <p:spPr/>
-        <p:txBody>
-          <a:bodyPr/>
-          <a:lstStyle/>
-          <a:p>
-            <a:fld id="{9F4492BD-6A9C-48FC-AC76-0B4FE11194A1}" type="slidenum">
-              <a:rPr lang="en-US" smtClean="0"/>
-              <a:pPr/>
-              <a:t>53</a:t>
-            </a:fld>
-            <a:endParaRPr lang="en-US"/>
-          </a:p>
-        </p:txBody>
-      </p:sp>
-    </p:spTree>
-    <p:extLst>
-      <p:ext uri="{BB962C8B-B14F-4D97-AF65-F5344CB8AC3E}">
-        <p14:creationId xmlns:p14="http://schemas.microsoft.com/office/powerpoint/2010/main" val="1392846947"/>
-      </p:ext>
-    </p:extLst>
-  </p:cSld>
-  <p:clrMapOvr>
-    <a:masterClrMapping/>
-  </p:clrMapOvr>
-</p:sld>
-</file>
-
-<file path=ppt/slides/slide54.xml><?xml version="1.0" encoding="utf-8"?>
-<p:sld xmlns:a="http://schemas.openxmlformats.org/drawingml/2006/main" xmlns:r="http://schemas.openxmlformats.org/officeDocument/2006/relationships" xmlns:p="http://schemas.openxmlformats.org/presentationml/2006/main">
-  <p:cSld>
-    <p:spTree>
-      <p:nvGrpSpPr>
-        <p:cNvPr id="1" name=""/>
-        <p:cNvGrpSpPr/>
-        <p:nvPr/>
-      </p:nvGrpSpPr>
-      <p:grpSpPr>
-        <a:xfrm>
-          <a:off x="0" y="0"/>
-          <a:ext cx="0" cy="0"/>
-          <a:chOff x="0" y="0"/>
-          <a:chExt cx="0" cy="0"/>
-        </a:xfrm>
-      </p:grpSpPr>
-      <p:sp>
-        <p:nvSpPr>
-          <p:cNvPr id="2" name="Title 1"/>
-          <p:cNvSpPr>
-            <a:spLocks noGrp="1"/>
-          </p:cNvSpPr>
-          <p:nvPr>
-            <p:ph type="title"/>
-          </p:nvPr>
-        </p:nvSpPr>
-        <p:spPr/>
-        <p:txBody>
-          <a:bodyPr/>
-          <a:lstStyle/>
-          <a:p>
-            <a:r>
-              <a:rPr lang="en-US" dirty="0"/>
-              <a:t>Data Definitions</a:t>
-            </a:r>
-          </a:p>
-        </p:txBody>
-      </p:sp>
-      <p:sp>
-        <p:nvSpPr>
-          <p:cNvPr id="3" name="Content Placeholder 2"/>
-          <p:cNvSpPr>
-            <a:spLocks noGrp="1"/>
-          </p:cNvSpPr>
-          <p:nvPr>
-            <p:ph idx="1"/>
-          </p:nvPr>
-        </p:nvSpPr>
-        <p:spPr/>
-        <p:txBody>
-          <a:bodyPr>
-            <a:normAutofit fontScale="77500" lnSpcReduction="20000"/>
-          </a:bodyPr>
-          <a:lstStyle/>
-          <a:p>
-            <a:pPr>
-              <a:buNone/>
-            </a:pPr>
-            <a:r>
-              <a:rPr lang="en-US" b="1" dirty="0">
-                <a:latin typeface="Consolas" pitchFamily="49" charset="0"/>
-                <a:cs typeface="Consolas" pitchFamily="49" charset="0"/>
-              </a:rPr>
-              <a:t>;; An Atom is one of</a:t>
-            </a:r>
-          </a:p>
-          <a:p>
-            <a:pPr>
-              <a:buNone/>
-            </a:pPr>
-            <a:r>
-              <a:rPr lang="en-US" b="1" dirty="0">
-                <a:latin typeface="Consolas" pitchFamily="49" charset="0"/>
-                <a:cs typeface="Consolas" pitchFamily="49" charset="0"/>
-              </a:rPr>
-              <a:t>;; -- a Number</a:t>
-            </a:r>
-          </a:p>
-          <a:p>
-            <a:pPr>
-              <a:buNone/>
-            </a:pPr>
-            <a:r>
-              <a:rPr lang="en-US" b="1" dirty="0">
-                <a:latin typeface="Consolas" pitchFamily="49" charset="0"/>
-                <a:cs typeface="Consolas" pitchFamily="49" charset="0"/>
-              </a:rPr>
-              <a:t>;; -- a Symbol</a:t>
-            </a:r>
-          </a:p>
-          <a:p>
-            <a:pPr>
-              <a:buNone/>
-            </a:pPr>
-            <a:endParaRPr lang="en-US" b="1" dirty="0">
-              <a:latin typeface="Consolas" pitchFamily="49" charset="0"/>
-              <a:cs typeface="Consolas" pitchFamily="49" charset="0"/>
-            </a:endParaRPr>
-          </a:p>
-          <a:p>
-            <a:pPr>
-              <a:buNone/>
-            </a:pPr>
-            <a:r>
-              <a:rPr lang="en-US" b="1" dirty="0">
-                <a:latin typeface="Consolas" pitchFamily="49" charset="0"/>
-                <a:cs typeface="Consolas" pitchFamily="49" charset="0"/>
-              </a:rPr>
-              <a:t>;; An </a:t>
-            </a:r>
-            <a:r>
-              <a:rPr lang="en-US" b="1" dirty="0" err="1">
-                <a:latin typeface="Consolas" pitchFamily="49" charset="0"/>
-                <a:cs typeface="Consolas" pitchFamily="49" charset="0"/>
-              </a:rPr>
-              <a:t>SexpOfAtom</a:t>
-            </a:r>
-            <a:r>
-              <a:rPr lang="en-US" b="1" dirty="0">
-                <a:latin typeface="Consolas" pitchFamily="49" charset="0"/>
-                <a:cs typeface="Consolas" pitchFamily="49" charset="0"/>
-              </a:rPr>
-              <a:t> is either</a:t>
-            </a:r>
-          </a:p>
-          <a:p>
-            <a:pPr>
-              <a:buNone/>
-            </a:pPr>
-            <a:r>
-              <a:rPr lang="en-US" b="1" dirty="0">
-                <a:latin typeface="Consolas" pitchFamily="49" charset="0"/>
-                <a:cs typeface="Consolas" pitchFamily="49" charset="0"/>
-              </a:rPr>
-              <a:t>;; -- an Atom</a:t>
-            </a:r>
-          </a:p>
-          <a:p>
-            <a:pPr>
-              <a:buNone/>
-            </a:pPr>
-            <a:r>
-              <a:rPr lang="en-US" b="1" dirty="0">
-                <a:latin typeface="Consolas" pitchFamily="49" charset="0"/>
-                <a:cs typeface="Consolas" pitchFamily="49" charset="0"/>
-              </a:rPr>
-              <a:t>;; -- a </a:t>
-            </a:r>
-            <a:r>
-              <a:rPr lang="en-US" b="1" dirty="0" err="1">
-                <a:latin typeface="Consolas" pitchFamily="49" charset="0"/>
-                <a:cs typeface="Consolas" pitchFamily="49" charset="0"/>
-              </a:rPr>
-              <a:t>ListOfSexpOfAtom</a:t>
-            </a:r>
-            <a:endParaRPr lang="en-US" b="1" dirty="0">
-              <a:latin typeface="Consolas" pitchFamily="49" charset="0"/>
-              <a:cs typeface="Consolas" pitchFamily="49" charset="0"/>
-            </a:endParaRPr>
-          </a:p>
-          <a:p>
-            <a:pPr>
-              <a:buNone/>
-            </a:pPr>
-            <a:endParaRPr lang="en-US" b="1" dirty="0">
-              <a:latin typeface="Consolas" pitchFamily="49" charset="0"/>
-              <a:cs typeface="Consolas" pitchFamily="49" charset="0"/>
-            </a:endParaRPr>
-          </a:p>
-          <a:p>
-            <a:pPr>
-              <a:buNone/>
-            </a:pPr>
-            <a:r>
-              <a:rPr lang="en-US" b="1" dirty="0">
-                <a:latin typeface="Consolas" pitchFamily="49" charset="0"/>
-                <a:cs typeface="Consolas" pitchFamily="49" charset="0"/>
-              </a:rPr>
-              <a:t>;; A </a:t>
-            </a:r>
-            <a:r>
-              <a:rPr lang="en-US" b="1" dirty="0" err="1">
-                <a:latin typeface="Consolas" pitchFamily="49" charset="0"/>
-                <a:cs typeface="Consolas" pitchFamily="49" charset="0"/>
-              </a:rPr>
-              <a:t>ListOfSexpOfAtom</a:t>
-            </a:r>
-            <a:r>
-              <a:rPr lang="en-US" b="1" dirty="0">
-                <a:latin typeface="Consolas" pitchFamily="49" charset="0"/>
-                <a:cs typeface="Consolas" pitchFamily="49" charset="0"/>
-              </a:rPr>
-              <a:t> is either</a:t>
-            </a:r>
-          </a:p>
-          <a:p>
-            <a:pPr>
-              <a:buNone/>
-            </a:pPr>
-            <a:r>
-              <a:rPr lang="en-US" b="1" dirty="0">
-                <a:latin typeface="Consolas" pitchFamily="49" charset="0"/>
-                <a:cs typeface="Consolas" pitchFamily="49" charset="0"/>
-              </a:rPr>
-              <a:t>;; -- empty</a:t>
-            </a:r>
-          </a:p>
-          <a:p>
-            <a:pPr>
-              <a:buNone/>
-            </a:pPr>
-            <a:r>
-              <a:rPr lang="en-US" b="1" dirty="0">
-                <a:latin typeface="Consolas" pitchFamily="49" charset="0"/>
-                <a:cs typeface="Consolas" pitchFamily="49" charset="0"/>
-              </a:rPr>
-              <a:t>;; -- (cons </a:t>
-            </a:r>
-            <a:r>
-              <a:rPr lang="en-US" b="1" dirty="0" err="1">
-                <a:latin typeface="Consolas" pitchFamily="49" charset="0"/>
-                <a:cs typeface="Consolas" pitchFamily="49" charset="0"/>
-              </a:rPr>
-              <a:t>SexpOfAtom</a:t>
-            </a:r>
-            <a:r>
-              <a:rPr lang="en-US" b="1" dirty="0">
-                <a:latin typeface="Consolas" pitchFamily="49" charset="0"/>
-                <a:cs typeface="Consolas" pitchFamily="49" charset="0"/>
-              </a:rPr>
-              <a:t> </a:t>
-            </a:r>
-            <a:r>
-              <a:rPr lang="en-US" b="1" dirty="0" err="1">
-                <a:latin typeface="Consolas" pitchFamily="49" charset="0"/>
-                <a:cs typeface="Consolas" pitchFamily="49" charset="0"/>
-              </a:rPr>
-              <a:t>ListOfSexpOfAtom</a:t>
-            </a:r>
-            <a:r>
-              <a:rPr lang="en-US" b="1" dirty="0">
-                <a:latin typeface="Consolas" pitchFamily="49" charset="0"/>
-                <a:cs typeface="Consolas" pitchFamily="49" charset="0"/>
-              </a:rPr>
-              <a:t>)</a:t>
-            </a:r>
-          </a:p>
-        </p:txBody>
-      </p:sp>
-      <p:sp>
-        <p:nvSpPr>
-          <p:cNvPr id="5" name="Slide Number Placeholder 4"/>
-          <p:cNvSpPr>
-            <a:spLocks noGrp="1"/>
-          </p:cNvSpPr>
-          <p:nvPr>
-            <p:ph type="sldNum" sz="quarter" idx="12"/>
-          </p:nvPr>
-        </p:nvSpPr>
-        <p:spPr/>
-        <p:txBody>
-          <a:bodyPr/>
-          <a:lstStyle/>
-          <a:p>
-            <a:fld id="{9F4492BD-6A9C-48FC-AC76-0B4FE11194A1}" type="slidenum">
-              <a:rPr lang="en-US" smtClean="0"/>
-              <a:pPr/>
-              <a:t>54</a:t>
-            </a:fld>
-            <a:endParaRPr lang="en-US"/>
-          </a:p>
-        </p:txBody>
-      </p:sp>
-      <p:sp>
-        <p:nvSpPr>
-          <p:cNvPr id="4" name="Rectangle 3"/>
-          <p:cNvSpPr/>
-          <p:nvPr/>
-        </p:nvSpPr>
-        <p:spPr>
-          <a:xfrm>
-            <a:off x="5562600" y="1828800"/>
-            <a:ext cx="2438400" cy="1447800"/>
-          </a:xfrm>
-          <a:prstGeom prst="rect">
-            <a:avLst/>
-          </a:prstGeom>
-          <a:solidFill>
-            <a:schemeClr val="accent1">
-              <a:lumMod val="20000"/>
-              <a:lumOff val="80000"/>
-            </a:schemeClr>
-          </a:solidFill>
-          <a:ln>
-            <a:noFill/>
-          </a:ln>
-        </p:spPr>
-        <p:style>
-          <a:lnRef idx="2">
-            <a:schemeClr val="accent1"/>
-          </a:lnRef>
-          <a:fillRef idx="1">
-            <a:schemeClr val="lt1"/>
-          </a:fillRef>
-          <a:effectRef idx="0">
-            <a:schemeClr val="accent1"/>
-          </a:effectRef>
-          <a:fontRef idx="minor">
-            <a:schemeClr val="dk1"/>
-          </a:fontRef>
-        </p:style>
-        <p:txBody>
-          <a:bodyPr rot="0" spcFirstLastPara="0" vertOverflow="overflow" horzOverflow="overflow" vert="horz" wrap="square" lIns="91440" tIns="45720" rIns="91440" bIns="45720" numCol="1" spcCol="0" rtlCol="0" fromWordArt="0" anchor="ctr" anchorCtr="0" forceAA="0" compatLnSpc="1">
-            <a:prstTxWarp prst="textNoShape">
-              <a:avLst/>
-            </a:prstTxWarp>
-            <a:noAutofit/>
-          </a:bodyPr>
-          <a:lstStyle/>
-          <a:p>
-            <a:r>
-              <a:rPr lang="en-US" sz="2000" dirty="0"/>
-              <a:t>Here is a formal data definition for the inputs to our function.</a:t>
-            </a:r>
-          </a:p>
-        </p:txBody>
-      </p:sp>
-    </p:spTree>
-    <p:extLst>
-      <p:ext uri="{BB962C8B-B14F-4D97-AF65-F5344CB8AC3E}">
-        <p14:creationId xmlns:p14="http://schemas.microsoft.com/office/powerpoint/2010/main" val="1709075121"/>
-      </p:ext>
-    </p:extLst>
-  </p:cSld>
-  <p:clrMapOvr>
-    <a:masterClrMapping/>
-  </p:clrMapOvr>
-</p:sld>
-</file>
-
-<file path=ppt/slides/slide55.xml><?xml version="1.0" encoding="utf-8"?>
-<p:sld xmlns:a="http://schemas.openxmlformats.org/drawingml/2006/main" xmlns:r="http://schemas.openxmlformats.org/officeDocument/2006/relationships" xmlns:p="http://schemas.openxmlformats.org/presentationml/2006/main">
-  <p:cSld>
-    <p:spTree>
-      <p:nvGrpSpPr>
-        <p:cNvPr id="1" name=""/>
-        <p:cNvGrpSpPr/>
-        <p:nvPr/>
-      </p:nvGrpSpPr>
-      <p:grpSpPr>
-        <a:xfrm>
-          <a:off x="0" y="0"/>
-          <a:ext cx="0" cy="0"/>
-          <a:chOff x="0" y="0"/>
-          <a:chExt cx="0" cy="0"/>
-        </a:xfrm>
-      </p:grpSpPr>
-      <p:sp>
-        <p:nvSpPr>
-          <p:cNvPr id="2" name="Title 1"/>
-          <p:cNvSpPr>
-            <a:spLocks noGrp="1"/>
-          </p:cNvSpPr>
-          <p:nvPr>
-            <p:ph type="title"/>
-          </p:nvPr>
-        </p:nvSpPr>
-        <p:spPr/>
-        <p:txBody>
-          <a:bodyPr/>
-          <a:lstStyle/>
-          <a:p>
-            <a:r>
-              <a:rPr lang="en-US" dirty="0"/>
-              <a:t>Templates</a:t>
-            </a:r>
-          </a:p>
-        </p:txBody>
-      </p:sp>
-      <p:sp>
-        <p:nvSpPr>
-          <p:cNvPr id="3" name="Content Placeholder 2"/>
-          <p:cNvSpPr>
-            <a:spLocks noGrp="1"/>
-          </p:cNvSpPr>
-          <p:nvPr>
-            <p:ph idx="1"/>
-          </p:nvPr>
-        </p:nvSpPr>
-        <p:spPr/>
-        <p:txBody>
-          <a:bodyPr>
-            <a:normAutofit fontScale="85000" lnSpcReduction="20000"/>
-          </a:bodyPr>
-          <a:lstStyle/>
-          <a:p>
-            <a:pPr>
-              <a:buNone/>
-            </a:pPr>
-            <a:r>
-              <a:rPr lang="en-US" b="1" dirty="0">
-                <a:latin typeface="Consolas" pitchFamily="49" charset="0"/>
-                <a:cs typeface="Consolas" pitchFamily="49" charset="0"/>
-              </a:rPr>
-              <a:t>(define (</a:t>
-            </a:r>
-            <a:r>
-              <a:rPr lang="en-US" b="1" dirty="0" err="1">
-                <a:latin typeface="Consolas" pitchFamily="49" charset="0"/>
-                <a:cs typeface="Consolas" pitchFamily="49" charset="0"/>
-              </a:rPr>
-              <a:t>sexp</a:t>
-            </a:r>
-            <a:r>
-              <a:rPr lang="en-US" b="1" dirty="0">
-                <a:latin typeface="Consolas" pitchFamily="49" charset="0"/>
-                <a:cs typeface="Consolas" pitchFamily="49" charset="0"/>
-              </a:rPr>
-              <a:t>-fn </a:t>
-            </a:r>
-            <a:r>
-              <a:rPr lang="en-US" b="1" dirty="0" err="1">
-                <a:latin typeface="Consolas" pitchFamily="49" charset="0"/>
-                <a:cs typeface="Consolas" pitchFamily="49" charset="0"/>
-              </a:rPr>
-              <a:t>sexp</a:t>
-            </a:r>
-            <a:r>
-              <a:rPr lang="en-US" b="1" dirty="0">
-                <a:latin typeface="Consolas" pitchFamily="49" charset="0"/>
-                <a:cs typeface="Consolas" pitchFamily="49" charset="0"/>
-              </a:rPr>
-              <a:t>)</a:t>
-            </a:r>
-          </a:p>
-          <a:p>
-            <a:pPr>
-              <a:buNone/>
-            </a:pPr>
-            <a:r>
-              <a:rPr lang="en-US" b="1" dirty="0">
-                <a:latin typeface="Consolas" pitchFamily="49" charset="0"/>
-                <a:cs typeface="Consolas" pitchFamily="49" charset="0"/>
-              </a:rPr>
-              <a:t>  (</a:t>
-            </a:r>
-            <a:r>
-              <a:rPr lang="en-US" b="1" dirty="0" err="1">
-                <a:latin typeface="Consolas" pitchFamily="49" charset="0"/>
-                <a:cs typeface="Consolas" pitchFamily="49" charset="0"/>
-              </a:rPr>
-              <a:t>cond</a:t>
-            </a:r>
-            <a:endParaRPr lang="en-US" b="1" dirty="0">
-              <a:latin typeface="Consolas" pitchFamily="49" charset="0"/>
-              <a:cs typeface="Consolas" pitchFamily="49" charset="0"/>
-            </a:endParaRPr>
-          </a:p>
-          <a:p>
-            <a:pPr>
-              <a:buNone/>
-            </a:pPr>
-            <a:r>
-              <a:rPr lang="en-US" b="1" dirty="0">
-                <a:latin typeface="Consolas" pitchFamily="49" charset="0"/>
-                <a:cs typeface="Consolas" pitchFamily="49" charset="0"/>
-              </a:rPr>
-              <a:t>    [(atom? </a:t>
-            </a:r>
-            <a:r>
-              <a:rPr lang="en-US" b="1" dirty="0" err="1">
-                <a:latin typeface="Consolas" pitchFamily="49" charset="0"/>
-                <a:cs typeface="Consolas" pitchFamily="49" charset="0"/>
-              </a:rPr>
-              <a:t>sexp</a:t>
-            </a:r>
-            <a:r>
-              <a:rPr lang="en-US" b="1" dirty="0">
-                <a:latin typeface="Consolas" pitchFamily="49" charset="0"/>
-                <a:cs typeface="Consolas" pitchFamily="49" charset="0"/>
-              </a:rPr>
-              <a:t>) (... </a:t>
-            </a:r>
-            <a:r>
-              <a:rPr lang="en-US" b="1" dirty="0" err="1">
-                <a:latin typeface="Consolas" pitchFamily="49" charset="0"/>
-                <a:cs typeface="Consolas" pitchFamily="49" charset="0"/>
-              </a:rPr>
-              <a:t>sexp</a:t>
-            </a:r>
-            <a:r>
-              <a:rPr lang="en-US" b="1" dirty="0">
-                <a:latin typeface="Consolas" pitchFamily="49" charset="0"/>
-                <a:cs typeface="Consolas" pitchFamily="49" charset="0"/>
-              </a:rPr>
-              <a:t>)]</a:t>
-            </a:r>
-          </a:p>
-          <a:p>
-            <a:pPr>
-              <a:buNone/>
-            </a:pPr>
-            <a:r>
-              <a:rPr lang="en-US" b="1" dirty="0">
-                <a:latin typeface="Consolas" pitchFamily="49" charset="0"/>
-                <a:cs typeface="Consolas" pitchFamily="49" charset="0"/>
-              </a:rPr>
-              <a:t>    [else (... (los-fn </a:t>
-            </a:r>
-            <a:r>
-              <a:rPr lang="en-US" b="1" dirty="0" err="1">
-                <a:latin typeface="Consolas" pitchFamily="49" charset="0"/>
-                <a:cs typeface="Consolas" pitchFamily="49" charset="0"/>
-              </a:rPr>
-              <a:t>sexp</a:t>
-            </a:r>
-            <a:r>
-              <a:rPr lang="en-US" b="1" dirty="0">
-                <a:latin typeface="Consolas" pitchFamily="49" charset="0"/>
-                <a:cs typeface="Consolas" pitchFamily="49" charset="0"/>
-              </a:rPr>
-              <a:t>))]))</a:t>
-            </a:r>
-          </a:p>
-          <a:p>
-            <a:pPr>
-              <a:buNone/>
-            </a:pPr>
-            <a:endParaRPr lang="en-US" b="1" dirty="0">
-              <a:latin typeface="Consolas" pitchFamily="49" charset="0"/>
-              <a:cs typeface="Consolas" pitchFamily="49" charset="0"/>
-            </a:endParaRPr>
-          </a:p>
-          <a:p>
-            <a:pPr>
-              <a:buNone/>
-            </a:pPr>
-            <a:r>
-              <a:rPr lang="en-US" b="1" dirty="0">
-                <a:latin typeface="Consolas" pitchFamily="49" charset="0"/>
-                <a:cs typeface="Consolas" pitchFamily="49" charset="0"/>
-              </a:rPr>
-              <a:t>(define (los-fn los)</a:t>
-            </a:r>
-          </a:p>
-          <a:p>
-            <a:pPr>
-              <a:buNone/>
-            </a:pPr>
-            <a:r>
-              <a:rPr lang="en-US" b="1" dirty="0">
-                <a:latin typeface="Consolas" pitchFamily="49" charset="0"/>
-                <a:cs typeface="Consolas" pitchFamily="49" charset="0"/>
-              </a:rPr>
-              <a:t>  (</a:t>
-            </a:r>
-            <a:r>
-              <a:rPr lang="en-US" b="1" dirty="0" err="1">
-                <a:latin typeface="Consolas" pitchFamily="49" charset="0"/>
-                <a:cs typeface="Consolas" pitchFamily="49" charset="0"/>
-              </a:rPr>
-              <a:t>cond</a:t>
-            </a:r>
-            <a:endParaRPr lang="en-US" b="1" dirty="0">
-              <a:latin typeface="Consolas" pitchFamily="49" charset="0"/>
-              <a:cs typeface="Consolas" pitchFamily="49" charset="0"/>
-            </a:endParaRPr>
-          </a:p>
-          <a:p>
-            <a:pPr>
-              <a:buNone/>
-            </a:pPr>
-            <a:r>
-              <a:rPr lang="en-US" b="1" dirty="0">
-                <a:latin typeface="Consolas" pitchFamily="49" charset="0"/>
-                <a:cs typeface="Consolas" pitchFamily="49" charset="0"/>
-              </a:rPr>
-              <a:t>    [(empty? los) ...]</a:t>
-            </a:r>
-          </a:p>
-          <a:p>
-            <a:pPr>
-              <a:buNone/>
-            </a:pPr>
-            <a:r>
-              <a:rPr lang="en-US" b="1" dirty="0">
-                <a:latin typeface="Consolas" pitchFamily="49" charset="0"/>
-                <a:cs typeface="Consolas" pitchFamily="49" charset="0"/>
-              </a:rPr>
-              <a:t>    [else (... (</a:t>
-            </a:r>
-            <a:r>
-              <a:rPr lang="en-US" b="1" dirty="0" err="1">
-                <a:latin typeface="Consolas" pitchFamily="49" charset="0"/>
-                <a:cs typeface="Consolas" pitchFamily="49" charset="0"/>
-              </a:rPr>
-              <a:t>sexp</a:t>
-            </a:r>
-            <a:r>
-              <a:rPr lang="en-US" b="1" dirty="0">
-                <a:latin typeface="Consolas" pitchFamily="49" charset="0"/>
-                <a:cs typeface="Consolas" pitchFamily="49" charset="0"/>
-              </a:rPr>
-              <a:t>-fn (first los))</a:t>
-            </a:r>
-          </a:p>
-          <a:p>
-            <a:pPr>
-              <a:buNone/>
-            </a:pPr>
-            <a:r>
-              <a:rPr lang="en-US" b="1" dirty="0">
-                <a:latin typeface="Consolas" pitchFamily="49" charset="0"/>
-                <a:cs typeface="Consolas" pitchFamily="49" charset="0"/>
-              </a:rPr>
-              <a:t>               (los-fn (rest los)))]))</a:t>
-            </a:r>
-          </a:p>
-        </p:txBody>
-      </p:sp>
-      <p:sp>
-        <p:nvSpPr>
-          <p:cNvPr id="5" name="Slide Number Placeholder 4"/>
-          <p:cNvSpPr>
-            <a:spLocks noGrp="1"/>
-          </p:cNvSpPr>
-          <p:nvPr>
-            <p:ph type="sldNum" sz="quarter" idx="12"/>
-          </p:nvPr>
-        </p:nvSpPr>
-        <p:spPr/>
-        <p:txBody>
-          <a:bodyPr/>
-          <a:lstStyle/>
-          <a:p>
-            <a:fld id="{9F4492BD-6A9C-48FC-AC76-0B4FE11194A1}" type="slidenum">
-              <a:rPr lang="en-US" smtClean="0"/>
-              <a:pPr/>
-              <a:t>55</a:t>
-            </a:fld>
-            <a:endParaRPr lang="en-US"/>
-          </a:p>
-        </p:txBody>
-      </p:sp>
-      <p:sp>
-        <p:nvSpPr>
-          <p:cNvPr id="4" name="Rectangle 3"/>
-          <p:cNvSpPr/>
-          <p:nvPr/>
-        </p:nvSpPr>
-        <p:spPr>
-          <a:xfrm>
-            <a:off x="6400800" y="1219200"/>
-            <a:ext cx="2209800" cy="914400"/>
-          </a:xfrm>
-          <a:prstGeom prst="rect">
-            <a:avLst/>
-          </a:prstGeom>
-          <a:solidFill>
-            <a:schemeClr val="accent1">
-              <a:lumMod val="20000"/>
-              <a:lumOff val="80000"/>
-            </a:schemeClr>
-          </a:solidFill>
-          <a:ln>
-            <a:noFill/>
-          </a:ln>
-        </p:spPr>
-        <p:style>
-          <a:lnRef idx="2">
-            <a:schemeClr val="accent1"/>
-          </a:lnRef>
-          <a:fillRef idx="1">
-            <a:schemeClr val="lt1"/>
-          </a:fillRef>
-          <a:effectRef idx="0">
-            <a:schemeClr val="accent1"/>
-          </a:effectRef>
-          <a:fontRef idx="minor">
-            <a:schemeClr val="dk1"/>
-          </a:fontRef>
-        </p:style>
-        <p:txBody>
-          <a:bodyPr rot="0" spcFirstLastPara="0" vertOverflow="overflow" horzOverflow="overflow" vert="horz" wrap="square" lIns="91440" tIns="45720" rIns="91440" bIns="45720" numCol="1" spcCol="0" rtlCol="0" fromWordArt="0" anchor="ctr" anchorCtr="0" forceAA="0" compatLnSpc="1">
-            <a:prstTxWarp prst="textNoShape">
-              <a:avLst/>
-            </a:prstTxWarp>
-            <a:noAutofit/>
-          </a:bodyPr>
-          <a:lstStyle/>
-          <a:p>
-            <a:r>
-              <a:rPr lang="en-US" sz="2000" dirty="0"/>
-              <a:t>And the templates that go with it.</a:t>
-            </a:r>
-          </a:p>
-        </p:txBody>
-      </p:sp>
-    </p:spTree>
-    <p:extLst>
-      <p:ext uri="{BB962C8B-B14F-4D97-AF65-F5344CB8AC3E}">
-        <p14:creationId xmlns:p14="http://schemas.microsoft.com/office/powerpoint/2010/main" val="510848757"/>
-      </p:ext>
-    </p:extLst>
-  </p:cSld>
-  <p:clrMapOvr>
-    <a:masterClrMapping/>
-  </p:clrMapOvr>
-</p:sld>
-</file>
-
-<file path=ppt/slides/slide56.xml><?xml version="1.0" encoding="utf-8"?>
-<p:sld xmlns:a="http://schemas.openxmlformats.org/drawingml/2006/main" xmlns:r="http://schemas.openxmlformats.org/officeDocument/2006/relationships" xmlns:p="http://schemas.openxmlformats.org/presentationml/2006/main">
-  <p:cSld>
-    <p:spTree>
-      <p:nvGrpSpPr>
-        <p:cNvPr id="1" name=""/>
-        <p:cNvGrpSpPr/>
-        <p:nvPr/>
-      </p:nvGrpSpPr>
-      <p:grpSpPr>
-        <a:xfrm>
-          <a:off x="0" y="0"/>
-          <a:ext cx="0" cy="0"/>
-          <a:chOff x="0" y="0"/>
-          <a:chExt cx="0" cy="0"/>
-        </a:xfrm>
-      </p:grpSpPr>
-      <p:sp>
-        <p:nvSpPr>
-          <p:cNvPr id="2" name="Title 1"/>
-          <p:cNvSpPr>
-            <a:spLocks noGrp="1"/>
-          </p:cNvSpPr>
-          <p:nvPr>
-            <p:ph type="title"/>
-          </p:nvPr>
-        </p:nvSpPr>
-        <p:spPr/>
-        <p:txBody>
-          <a:bodyPr/>
-          <a:lstStyle/>
-          <a:p>
-            <a:r>
-              <a:rPr lang="en-US" dirty="0"/>
-              <a:t>Contract and Examples</a:t>
-            </a:r>
-          </a:p>
-        </p:txBody>
-      </p:sp>
-      <p:sp>
-        <p:nvSpPr>
-          <p:cNvPr id="3" name="Content Placeholder 2"/>
-          <p:cNvSpPr>
-            <a:spLocks noGrp="1"/>
-          </p:cNvSpPr>
-          <p:nvPr>
-            <p:ph idx="1"/>
-          </p:nvPr>
-        </p:nvSpPr>
-        <p:spPr/>
-        <p:txBody>
-          <a:bodyPr>
-            <a:normAutofit fontScale="85000" lnSpcReduction="20000"/>
-          </a:bodyPr>
-          <a:lstStyle/>
-          <a:p>
-            <a:pPr>
-              <a:buNone/>
-            </a:pPr>
-            <a:r>
-              <a:rPr lang="en-US" b="1" dirty="0">
-                <a:latin typeface="Consolas" pitchFamily="49" charset="0"/>
-                <a:cs typeface="Consolas" pitchFamily="49" charset="0"/>
-              </a:rPr>
-              <a:t>decode : </a:t>
-            </a:r>
-            <a:r>
-              <a:rPr lang="en-US" b="1" dirty="0" err="1">
-                <a:latin typeface="Consolas" pitchFamily="49" charset="0"/>
-                <a:cs typeface="Consolas" pitchFamily="49" charset="0"/>
-              </a:rPr>
-              <a:t>SexpOfAtom</a:t>
-            </a:r>
-            <a:r>
-              <a:rPr lang="en-US" b="1" dirty="0">
-                <a:latin typeface="Consolas" pitchFamily="49" charset="0"/>
-                <a:cs typeface="Consolas" pitchFamily="49" charset="0"/>
-              </a:rPr>
-              <a:t> -&gt; </a:t>
-            </a:r>
-            <a:r>
-              <a:rPr lang="en-US" b="1" dirty="0" err="1">
-                <a:latin typeface="Consolas" pitchFamily="49" charset="0"/>
-                <a:cs typeface="Consolas" pitchFamily="49" charset="0"/>
-              </a:rPr>
-              <a:t>DiffExp</a:t>
-            </a:r>
-            <a:endParaRPr lang="en-US" b="1" dirty="0">
-              <a:latin typeface="Consolas" pitchFamily="49" charset="0"/>
-              <a:cs typeface="Consolas" pitchFamily="49" charset="0"/>
-            </a:endParaRPr>
-          </a:p>
-          <a:p>
-            <a:pPr>
-              <a:buNone/>
-            </a:pPr>
-            <a:endParaRPr lang="en-US" b="1" dirty="0">
-              <a:latin typeface="Consolas" pitchFamily="49" charset="0"/>
-              <a:cs typeface="Consolas" pitchFamily="49" charset="0"/>
-            </a:endParaRPr>
-          </a:p>
-          <a:p>
-            <a:pPr>
-              <a:buNone/>
-            </a:pPr>
-            <a:r>
-              <a:rPr lang="en-US" b="1" dirty="0">
-                <a:latin typeface="Consolas" pitchFamily="49" charset="0"/>
-                <a:cs typeface="Consolas" pitchFamily="49" charset="0"/>
-              </a:rPr>
-              <a:t>(- 3 5) =&gt; (make-</a:t>
-            </a:r>
-            <a:r>
-              <a:rPr lang="en-US" b="1" dirty="0" err="1">
-                <a:latin typeface="Consolas" pitchFamily="49" charset="0"/>
-                <a:cs typeface="Consolas" pitchFamily="49" charset="0"/>
-              </a:rPr>
-              <a:t>diffexp</a:t>
-            </a:r>
-            <a:r>
-              <a:rPr lang="en-US" b="1" dirty="0">
-                <a:latin typeface="Consolas" pitchFamily="49" charset="0"/>
-                <a:cs typeface="Consolas" pitchFamily="49" charset="0"/>
-              </a:rPr>
-              <a:t> 3 5)</a:t>
-            </a:r>
-          </a:p>
-          <a:p>
-            <a:pPr>
-              <a:buNone/>
-            </a:pPr>
-            <a:r>
-              <a:rPr lang="en-US" b="1" dirty="0">
-                <a:latin typeface="Consolas" pitchFamily="49" charset="0"/>
-                <a:cs typeface="Consolas" pitchFamily="49" charset="0"/>
-              </a:rPr>
-              <a:t>(- 2 (- 3 5)) =&gt; (make-</a:t>
-            </a:r>
-            <a:r>
-              <a:rPr lang="en-US" b="1" dirty="0" err="1">
-                <a:latin typeface="Consolas" pitchFamily="49" charset="0"/>
-                <a:cs typeface="Consolas" pitchFamily="49" charset="0"/>
-              </a:rPr>
-              <a:t>diffexp</a:t>
-            </a:r>
-            <a:r>
-              <a:rPr lang="en-US" b="1" dirty="0">
-                <a:latin typeface="Consolas" pitchFamily="49" charset="0"/>
-                <a:cs typeface="Consolas" pitchFamily="49" charset="0"/>
-              </a:rPr>
-              <a:t> </a:t>
-            </a:r>
-          </a:p>
-          <a:p>
-            <a:pPr>
-              <a:buNone/>
-            </a:pPr>
-            <a:r>
-              <a:rPr lang="en-US" b="1" dirty="0">
-                <a:latin typeface="Consolas" pitchFamily="49" charset="0"/>
-                <a:cs typeface="Consolas" pitchFamily="49" charset="0"/>
-              </a:rPr>
-              <a:t>                   2 </a:t>
-            </a:r>
-          </a:p>
-          <a:p>
-            <a:pPr>
-              <a:buNone/>
-            </a:pPr>
-            <a:r>
-              <a:rPr lang="en-US" b="1" dirty="0">
-                <a:latin typeface="Consolas" pitchFamily="49" charset="0"/>
-                <a:cs typeface="Consolas" pitchFamily="49" charset="0"/>
-              </a:rPr>
-              <a:t>                   (make-</a:t>
-            </a:r>
-            <a:r>
-              <a:rPr lang="en-US" b="1" dirty="0" err="1">
-                <a:latin typeface="Consolas" pitchFamily="49" charset="0"/>
-                <a:cs typeface="Consolas" pitchFamily="49" charset="0"/>
-              </a:rPr>
-              <a:t>diffexp</a:t>
-            </a:r>
-            <a:r>
-              <a:rPr lang="en-US" b="1" dirty="0">
-                <a:latin typeface="Consolas" pitchFamily="49" charset="0"/>
-                <a:cs typeface="Consolas" pitchFamily="49" charset="0"/>
-              </a:rPr>
-              <a:t> 3 5))</a:t>
-            </a:r>
-          </a:p>
-          <a:p>
-            <a:pPr>
-              <a:buNone/>
-            </a:pPr>
-            <a:r>
-              <a:rPr lang="en-US" b="1" dirty="0">
-                <a:latin typeface="Consolas" pitchFamily="49" charset="0"/>
-                <a:cs typeface="Consolas" pitchFamily="49" charset="0"/>
-              </a:rPr>
-              <a:t>(- (- 2 4) (- 3 5)) </a:t>
-            </a:r>
-          </a:p>
-          <a:p>
-            <a:pPr>
-              <a:buNone/>
-            </a:pPr>
-            <a:r>
-              <a:rPr lang="en-US" b="1" dirty="0">
-                <a:latin typeface="Consolas" pitchFamily="49" charset="0"/>
-                <a:cs typeface="Consolas" pitchFamily="49" charset="0"/>
-              </a:rPr>
-              <a:t>  =&gt; (make-</a:t>
-            </a:r>
-            <a:r>
-              <a:rPr lang="en-US" b="1" dirty="0" err="1">
-                <a:latin typeface="Consolas" pitchFamily="49" charset="0"/>
-                <a:cs typeface="Consolas" pitchFamily="49" charset="0"/>
-              </a:rPr>
-              <a:t>diffexp</a:t>
-            </a:r>
-            <a:r>
-              <a:rPr lang="en-US" b="1" dirty="0">
-                <a:latin typeface="Consolas" pitchFamily="49" charset="0"/>
-                <a:cs typeface="Consolas" pitchFamily="49" charset="0"/>
-              </a:rPr>
-              <a:t>  </a:t>
-            </a:r>
-          </a:p>
-          <a:p>
-            <a:pPr>
-              <a:buNone/>
-            </a:pPr>
-            <a:r>
-              <a:rPr lang="en-US" b="1" dirty="0">
-                <a:latin typeface="Consolas" pitchFamily="49" charset="0"/>
-                <a:cs typeface="Consolas" pitchFamily="49" charset="0"/>
-              </a:rPr>
-              <a:t>       (make-</a:t>
-            </a:r>
-            <a:r>
-              <a:rPr lang="en-US" b="1" dirty="0" err="1">
-                <a:latin typeface="Consolas" pitchFamily="49" charset="0"/>
-                <a:cs typeface="Consolas" pitchFamily="49" charset="0"/>
-              </a:rPr>
-              <a:t>diffexp</a:t>
-            </a:r>
-            <a:r>
-              <a:rPr lang="en-US" b="1" dirty="0">
-                <a:latin typeface="Consolas" pitchFamily="49" charset="0"/>
-                <a:cs typeface="Consolas" pitchFamily="49" charset="0"/>
-              </a:rPr>
-              <a:t> 2 4)</a:t>
-            </a:r>
-          </a:p>
-          <a:p>
-            <a:pPr>
-              <a:buNone/>
-            </a:pPr>
-            <a:r>
-              <a:rPr lang="en-US" b="1" dirty="0">
-                <a:latin typeface="Consolas" pitchFamily="49" charset="0"/>
-                <a:cs typeface="Consolas" pitchFamily="49" charset="0"/>
-              </a:rPr>
-              <a:t>       (make-</a:t>
-            </a:r>
-            <a:r>
-              <a:rPr lang="en-US" b="1" dirty="0" err="1">
-                <a:latin typeface="Consolas" pitchFamily="49" charset="0"/>
-                <a:cs typeface="Consolas" pitchFamily="49" charset="0"/>
-              </a:rPr>
-              <a:t>diffexp</a:t>
-            </a:r>
-            <a:r>
-              <a:rPr lang="en-US" b="1" dirty="0">
-                <a:latin typeface="Consolas" pitchFamily="49" charset="0"/>
-                <a:cs typeface="Consolas" pitchFamily="49" charset="0"/>
-              </a:rPr>
-              <a:t> 3 5))</a:t>
-            </a:r>
-          </a:p>
-          <a:p>
-            <a:pPr>
-              <a:buNone/>
-            </a:pPr>
-            <a:endParaRPr lang="en-US" b="1" dirty="0">
-              <a:latin typeface="Consolas" pitchFamily="49" charset="0"/>
-              <a:cs typeface="Consolas" pitchFamily="49" charset="0"/>
-            </a:endParaRPr>
-          </a:p>
-          <a:p>
-            <a:pPr>
-              <a:buNone/>
-            </a:pPr>
-            <a:endParaRPr lang="en-US" b="1" dirty="0">
-              <a:latin typeface="Consolas" pitchFamily="49" charset="0"/>
-              <a:cs typeface="Consolas" pitchFamily="49" charset="0"/>
-            </a:endParaRPr>
-          </a:p>
-        </p:txBody>
-      </p:sp>
-      <p:sp>
-        <p:nvSpPr>
-          <p:cNvPr id="4" name="Slide Number Placeholder 3"/>
-          <p:cNvSpPr>
-            <a:spLocks noGrp="1"/>
-          </p:cNvSpPr>
-          <p:nvPr>
-            <p:ph type="sldNum" sz="quarter" idx="12"/>
-          </p:nvPr>
-        </p:nvSpPr>
-        <p:spPr/>
-        <p:txBody>
-          <a:bodyPr/>
-          <a:lstStyle/>
-          <a:p>
-            <a:fld id="{9F4492BD-6A9C-48FC-AC76-0B4FE11194A1}" type="slidenum">
-              <a:rPr lang="en-US" smtClean="0"/>
-              <a:pPr/>
-              <a:t>56</a:t>
-            </a:fld>
-            <a:endParaRPr lang="en-US"/>
-          </a:p>
-        </p:txBody>
-      </p:sp>
-    </p:spTree>
-    <p:extLst>
-      <p:ext uri="{BB962C8B-B14F-4D97-AF65-F5344CB8AC3E}">
-        <p14:creationId xmlns:p14="http://schemas.microsoft.com/office/powerpoint/2010/main" val="2960090276"/>
-      </p:ext>
-    </p:extLst>
-  </p:cSld>
-  <p:clrMapOvr>
-    <a:masterClrMapping/>
-  </p:clrMapOvr>
-</p:sld>
-</file>
-
-<file path=ppt/slides/slide57.xml><?xml version="1.0" encoding="utf-8"?>
-<p:sld xmlns:a="http://schemas.openxmlformats.org/drawingml/2006/main" xmlns:r="http://schemas.openxmlformats.org/officeDocument/2006/relationships" xmlns:p="http://schemas.openxmlformats.org/presentationml/2006/main">
-  <p:cSld>
-    <p:spTree>
-      <p:nvGrpSpPr>
-        <p:cNvPr id="1" name=""/>
-        <p:cNvGrpSpPr/>
-        <p:nvPr/>
-      </p:nvGrpSpPr>
-      <p:grpSpPr>
-        <a:xfrm>
-          <a:off x="0" y="0"/>
-          <a:ext cx="0" cy="0"/>
-          <a:chOff x="0" y="0"/>
-          <a:chExt cx="0" cy="0"/>
-        </a:xfrm>
-      </p:grpSpPr>
-      <p:sp>
-        <p:nvSpPr>
-          <p:cNvPr id="2" name="Title 1"/>
-          <p:cNvSpPr>
-            <a:spLocks noGrp="1"/>
-          </p:cNvSpPr>
-          <p:nvPr>
-            <p:ph type="title"/>
-          </p:nvPr>
-        </p:nvSpPr>
-        <p:spPr/>
-        <p:txBody>
-          <a:bodyPr>
-            <a:normAutofit fontScale="90000"/>
-          </a:bodyPr>
-          <a:lstStyle/>
-          <a:p>
-            <a:r>
-              <a:rPr lang="en-US" dirty="0"/>
-              <a:t>Umm, but not every </a:t>
-            </a:r>
-            <a:r>
-              <a:rPr lang="en-US" dirty="0" err="1"/>
-              <a:t>SexpOfAtom</a:t>
-            </a:r>
-            <a:r>
-              <a:rPr lang="en-US" dirty="0"/>
-              <a:t> corresponds to a </a:t>
-            </a:r>
-            <a:r>
-              <a:rPr lang="en-US" dirty="0" err="1"/>
-              <a:t>diffexp</a:t>
-            </a:r>
-            <a:endParaRPr lang="en-US" dirty="0"/>
-          </a:p>
-        </p:txBody>
-      </p:sp>
-      <p:sp>
-        <p:nvSpPr>
-          <p:cNvPr id="3" name="Content Placeholder 2"/>
-          <p:cNvSpPr>
-            <a:spLocks noGrp="1"/>
-          </p:cNvSpPr>
-          <p:nvPr>
-            <p:ph idx="1"/>
-          </p:nvPr>
-        </p:nvSpPr>
-        <p:spPr/>
-        <p:txBody>
-          <a:bodyPr>
-            <a:normAutofit/>
-          </a:bodyPr>
-          <a:lstStyle/>
-          <a:p>
-            <a:pPr>
-              <a:buNone/>
-            </a:pPr>
-            <a:r>
-              <a:rPr lang="en-US" sz="2000" b="1" dirty="0">
-                <a:latin typeface="Consolas" pitchFamily="49" charset="0"/>
-                <a:cs typeface="Consolas" pitchFamily="49" charset="0"/>
-              </a:rPr>
-              <a:t>(- 3)               does not correspond to any </a:t>
-            </a:r>
-            <a:r>
-              <a:rPr lang="en-US" sz="2000" b="1" dirty="0" err="1">
-                <a:latin typeface="Consolas" pitchFamily="49" charset="0"/>
-                <a:cs typeface="Consolas" pitchFamily="49" charset="0"/>
-              </a:rPr>
-              <a:t>diffexp</a:t>
-            </a:r>
-            <a:endParaRPr lang="en-US" sz="2000" b="1" dirty="0">
-              <a:latin typeface="Consolas" pitchFamily="49" charset="0"/>
-              <a:cs typeface="Consolas" pitchFamily="49" charset="0"/>
-            </a:endParaRPr>
-          </a:p>
-          <a:p>
-            <a:pPr>
-              <a:buNone/>
-            </a:pPr>
-            <a:r>
-              <a:rPr lang="en-US" sz="2000" b="1" dirty="0">
-                <a:latin typeface="Consolas" pitchFamily="49" charset="0"/>
-                <a:cs typeface="Consolas" pitchFamily="49" charset="0"/>
-              </a:rPr>
-              <a:t>(+ 3 5)             does not correspond to any </a:t>
-            </a:r>
-            <a:r>
-              <a:rPr lang="en-US" sz="2000" b="1" dirty="0" err="1">
-                <a:latin typeface="Consolas" pitchFamily="49" charset="0"/>
-                <a:cs typeface="Consolas" pitchFamily="49" charset="0"/>
-              </a:rPr>
-              <a:t>diffexp</a:t>
-            </a:r>
-            <a:endParaRPr lang="en-US" sz="2000" b="1" dirty="0">
-              <a:latin typeface="Consolas" pitchFamily="49" charset="0"/>
-              <a:cs typeface="Consolas" pitchFamily="49" charset="0"/>
-            </a:endParaRPr>
-          </a:p>
-          <a:p>
-            <a:pPr>
-              <a:buNone/>
-            </a:pPr>
-            <a:r>
-              <a:rPr lang="en-US" sz="2000" b="1" dirty="0">
-                <a:latin typeface="Consolas" pitchFamily="49" charset="0"/>
-                <a:cs typeface="Consolas" pitchFamily="49" charset="0"/>
-              </a:rPr>
-              <a:t>(- (+ 3 5) 5)       does not correspond to any </a:t>
-            </a:r>
-            <a:r>
-              <a:rPr lang="en-US" sz="2000" b="1" dirty="0" err="1">
-                <a:latin typeface="Consolas" pitchFamily="49" charset="0"/>
-                <a:cs typeface="Consolas" pitchFamily="49" charset="0"/>
-              </a:rPr>
-              <a:t>diffexp</a:t>
-            </a:r>
-            <a:endParaRPr lang="en-US" sz="2000" b="1" dirty="0">
-              <a:latin typeface="Consolas" pitchFamily="49" charset="0"/>
-              <a:cs typeface="Consolas" pitchFamily="49" charset="0"/>
-            </a:endParaRPr>
-          </a:p>
-          <a:p>
-            <a:pPr>
-              <a:buNone/>
-            </a:pPr>
-            <a:r>
-              <a:rPr lang="en-US" sz="2000" b="1" dirty="0">
-                <a:latin typeface="Consolas" pitchFamily="49" charset="0"/>
-                <a:cs typeface="Consolas" pitchFamily="49" charset="0"/>
-              </a:rPr>
-              <a:t>((1))               does not correspond to any </a:t>
-            </a:r>
-            <a:r>
-              <a:rPr lang="en-US" sz="2000" b="1" dirty="0" err="1">
-                <a:latin typeface="Consolas" pitchFamily="49" charset="0"/>
-                <a:cs typeface="Consolas" pitchFamily="49" charset="0"/>
-              </a:rPr>
-              <a:t>diffexp</a:t>
-            </a:r>
-            <a:endParaRPr lang="en-US" sz="2000" b="1" dirty="0">
-              <a:latin typeface="Consolas" pitchFamily="49" charset="0"/>
-              <a:cs typeface="Consolas" pitchFamily="49" charset="0"/>
-            </a:endParaRPr>
-          </a:p>
-          <a:p>
-            <a:pPr>
-              <a:buNone/>
-            </a:pPr>
-            <a:r>
-              <a:rPr lang="en-US" sz="2000" b="1" dirty="0">
-                <a:latin typeface="Consolas" pitchFamily="49" charset="0"/>
-                <a:cs typeface="Consolas" pitchFamily="49" charset="0"/>
-              </a:rPr>
-              <a:t>((- 2 3) (- 1 0))   does not correspond to any </a:t>
-            </a:r>
-            <a:r>
-              <a:rPr lang="en-US" sz="2000" b="1" dirty="0" err="1">
-                <a:latin typeface="Consolas" pitchFamily="49" charset="0"/>
-                <a:cs typeface="Consolas" pitchFamily="49" charset="0"/>
-              </a:rPr>
-              <a:t>diffexp</a:t>
-            </a:r>
-            <a:endParaRPr lang="en-US" sz="2000" b="1" dirty="0">
-              <a:latin typeface="Consolas" pitchFamily="49" charset="0"/>
-              <a:cs typeface="Consolas" pitchFamily="49" charset="0"/>
-            </a:endParaRPr>
-          </a:p>
-          <a:p>
-            <a:pPr>
-              <a:buNone/>
-            </a:pPr>
-            <a:r>
-              <a:rPr lang="en-US" sz="2000" b="1" dirty="0">
-                <a:latin typeface="Consolas" pitchFamily="49" charset="0"/>
-                <a:cs typeface="Consolas" pitchFamily="49" charset="0"/>
-              </a:rPr>
-              <a:t>(- 3 5 7)           does not correspond to any </a:t>
-            </a:r>
-            <a:r>
-              <a:rPr lang="en-US" sz="2000" b="1" dirty="0" err="1">
-                <a:latin typeface="Consolas" pitchFamily="49" charset="0"/>
-                <a:cs typeface="Consolas" pitchFamily="49" charset="0"/>
-              </a:rPr>
-              <a:t>diffexp</a:t>
-            </a:r>
-            <a:endParaRPr lang="en-US" sz="2000" b="1" dirty="0">
-              <a:latin typeface="Consolas" pitchFamily="49" charset="0"/>
-              <a:cs typeface="Consolas" pitchFamily="49" charset="0"/>
-            </a:endParaRPr>
-          </a:p>
-          <a:p>
-            <a:pPr>
-              <a:buNone/>
-            </a:pPr>
-            <a:endParaRPr lang="en-US" sz="2000" b="1" dirty="0">
-              <a:latin typeface="Consolas" pitchFamily="49" charset="0"/>
-              <a:cs typeface="Consolas" pitchFamily="49" charset="0"/>
-            </a:endParaRPr>
-          </a:p>
-        </p:txBody>
-      </p:sp>
-      <p:sp>
-        <p:nvSpPr>
-          <p:cNvPr id="5" name="Slide Number Placeholder 4"/>
-          <p:cNvSpPr>
-            <a:spLocks noGrp="1"/>
-          </p:cNvSpPr>
-          <p:nvPr>
-            <p:ph type="sldNum" sz="quarter" idx="12"/>
-          </p:nvPr>
-        </p:nvSpPr>
-        <p:spPr/>
-        <p:txBody>
-          <a:bodyPr/>
-          <a:lstStyle/>
-          <a:p>
-            <a:fld id="{9F4492BD-6A9C-48FC-AC76-0B4FE11194A1}" type="slidenum">
-              <a:rPr lang="en-US" smtClean="0"/>
-              <a:pPr/>
-              <a:t>57</a:t>
-            </a:fld>
-            <a:endParaRPr lang="en-US"/>
-          </a:p>
-        </p:txBody>
-      </p:sp>
-      <p:sp>
-        <p:nvSpPr>
-          <p:cNvPr id="4" name="Rectangle 3"/>
-          <p:cNvSpPr/>
-          <p:nvPr/>
-        </p:nvSpPr>
-        <p:spPr>
-          <a:xfrm>
-            <a:off x="4038600" y="4191000"/>
-            <a:ext cx="4038600" cy="1812925"/>
-          </a:xfrm>
-          <a:prstGeom prst="rect">
-            <a:avLst/>
-          </a:prstGeom>
-          <a:solidFill>
-            <a:schemeClr val="accent1">
-              <a:lumMod val="20000"/>
-              <a:lumOff val="80000"/>
-            </a:schemeClr>
-          </a:solidFill>
-          <a:ln>
-            <a:noFill/>
-          </a:ln>
-        </p:spPr>
-        <p:style>
-          <a:lnRef idx="2">
-            <a:schemeClr val="accent1"/>
-          </a:lnRef>
-          <a:fillRef idx="1">
-            <a:schemeClr val="lt1"/>
-          </a:fillRef>
-          <a:effectRef idx="0">
-            <a:schemeClr val="accent1"/>
-          </a:effectRef>
-          <a:fontRef idx="minor">
-            <a:schemeClr val="dk1"/>
-          </a:fontRef>
-        </p:style>
-        <p:txBody>
-          <a:bodyPr rot="0" spcFirstLastPara="0" vertOverflow="overflow" horzOverflow="overflow" vert="horz" wrap="square" lIns="91440" tIns="45720" rIns="91440" bIns="45720" numCol="1" spcCol="0" rtlCol="0" fromWordArt="0" anchor="ctr" anchorCtr="0" forceAA="0" compatLnSpc="1">
-            <a:prstTxWarp prst="textNoShape">
-              <a:avLst/>
-            </a:prstTxWarp>
-            <a:noAutofit/>
-          </a:bodyPr>
-          <a:lstStyle/>
-          <a:p>
-            <a:r>
-              <a:rPr lang="en-US" sz="2000" dirty="0"/>
-              <a:t>But here are some other inputs that are legal inputs according to our contract.  None of these is the human-friendly representation of any diff-exp.</a:t>
-            </a:r>
-          </a:p>
-        </p:txBody>
-      </p:sp>
-    </p:spTree>
-    <p:extLst>
-      <p:ext uri="{BB962C8B-B14F-4D97-AF65-F5344CB8AC3E}">
-        <p14:creationId xmlns:p14="http://schemas.microsoft.com/office/powerpoint/2010/main" val="3870156736"/>
-      </p:ext>
-    </p:extLst>
-  </p:cSld>
-  <p:clrMapOvr>
-    <a:masterClrMapping/>
-  </p:clrMapOvr>
-</p:sld>
-</file>
-
-<file path=ppt/slides/slide58.xml><?xml version="1.0" encoding="utf-8"?>
-<p:sld xmlns:a="http://schemas.openxmlformats.org/drawingml/2006/main" xmlns:r="http://schemas.openxmlformats.org/officeDocument/2006/relationships" xmlns:p="http://schemas.openxmlformats.org/presentationml/2006/main">
-  <p:cSld>
-    <p:spTree>
-      <p:nvGrpSpPr>
-        <p:cNvPr id="1" name=""/>
-        <p:cNvGrpSpPr/>
-        <p:nvPr/>
-      </p:nvGrpSpPr>
-      <p:grpSpPr>
-        <a:xfrm>
-          <a:off x="0" y="0"/>
-          <a:ext cx="0" cy="0"/>
-          <a:chOff x="0" y="0"/>
-          <a:chExt cx="0" cy="0"/>
-        </a:xfrm>
-      </p:grpSpPr>
-      <p:sp>
-        <p:nvSpPr>
-          <p:cNvPr id="2" name="Title 1"/>
-          <p:cNvSpPr>
-            <a:spLocks noGrp="1"/>
-          </p:cNvSpPr>
-          <p:nvPr>
-            <p:ph type="title"/>
-          </p:nvPr>
-        </p:nvSpPr>
-        <p:spPr/>
-        <p:txBody>
-          <a:bodyPr/>
-          <a:lstStyle/>
-          <a:p>
-            <a:r>
-              <a:rPr lang="en-US" dirty="0"/>
-              <a:t>A Better Contract</a:t>
-            </a:r>
-          </a:p>
-        </p:txBody>
-      </p:sp>
-      <p:sp>
-        <p:nvSpPr>
-          <p:cNvPr id="3" name="Content Placeholder 2"/>
-          <p:cNvSpPr>
-            <a:spLocks noGrp="1"/>
-          </p:cNvSpPr>
-          <p:nvPr>
-            <p:ph idx="1"/>
-          </p:nvPr>
-        </p:nvSpPr>
-        <p:spPr/>
-        <p:txBody>
-          <a:bodyPr>
-            <a:normAutofit fontScale="77500" lnSpcReduction="20000"/>
-          </a:bodyPr>
-          <a:lstStyle/>
-          <a:p>
-            <a:pPr>
-              <a:buNone/>
-            </a:pPr>
-            <a:r>
-              <a:rPr lang="en-US" b="1" dirty="0">
-                <a:latin typeface="Consolas" pitchFamily="49" charset="0"/>
-                <a:cs typeface="Consolas" pitchFamily="49" charset="0"/>
-              </a:rPr>
-              <a:t>;; A </a:t>
-            </a:r>
-            <a:r>
-              <a:rPr lang="en-US" b="1" dirty="0" err="1">
-                <a:latin typeface="Consolas" pitchFamily="49" charset="0"/>
-                <a:cs typeface="Consolas" pitchFamily="49" charset="0"/>
-              </a:rPr>
-              <a:t>MaybeX</a:t>
-            </a:r>
-            <a:r>
-              <a:rPr lang="en-US" b="1" dirty="0">
-                <a:latin typeface="Consolas" pitchFamily="49" charset="0"/>
-                <a:cs typeface="Consolas" pitchFamily="49" charset="0"/>
-              </a:rPr>
-              <a:t> is one of</a:t>
-            </a:r>
-          </a:p>
-          <a:p>
-            <a:pPr>
-              <a:buNone/>
-            </a:pPr>
-            <a:r>
-              <a:rPr lang="en-US" b="1" dirty="0">
-                <a:latin typeface="Consolas" pitchFamily="49" charset="0"/>
-                <a:cs typeface="Consolas" pitchFamily="49" charset="0"/>
-              </a:rPr>
-              <a:t>;; -- false</a:t>
-            </a:r>
-          </a:p>
-          <a:p>
-            <a:pPr>
-              <a:buNone/>
-            </a:pPr>
-            <a:r>
-              <a:rPr lang="en-US" b="1" dirty="0">
-                <a:latin typeface="Consolas" pitchFamily="49" charset="0"/>
-                <a:cs typeface="Consolas" pitchFamily="49" charset="0"/>
-              </a:rPr>
-              <a:t>;; -- X</a:t>
-            </a:r>
-          </a:p>
-          <a:p>
-            <a:pPr>
-              <a:buNone/>
-            </a:pPr>
-            <a:endParaRPr lang="en-US" b="1" dirty="0">
-              <a:latin typeface="Consolas" pitchFamily="49" charset="0"/>
-              <a:cs typeface="Consolas" pitchFamily="49" charset="0"/>
-            </a:endParaRPr>
-          </a:p>
-          <a:p>
-            <a:pPr>
-              <a:buNone/>
-            </a:pPr>
-            <a:r>
-              <a:rPr lang="en-US" b="1" dirty="0">
-                <a:latin typeface="Consolas" pitchFamily="49" charset="0"/>
-                <a:cs typeface="Consolas" pitchFamily="49" charset="0"/>
-              </a:rPr>
-              <a:t>;; (define (</a:t>
-            </a:r>
-            <a:r>
-              <a:rPr lang="en-US" b="1" dirty="0" err="1">
-                <a:latin typeface="Consolas" pitchFamily="49" charset="0"/>
-                <a:cs typeface="Consolas" pitchFamily="49" charset="0"/>
-              </a:rPr>
-              <a:t>maybex-fn</a:t>
-            </a:r>
-            <a:r>
-              <a:rPr lang="en-US" b="1" dirty="0">
-                <a:latin typeface="Consolas" pitchFamily="49" charset="0"/>
-                <a:cs typeface="Consolas" pitchFamily="49" charset="0"/>
-              </a:rPr>
-              <a:t> mx)</a:t>
-            </a:r>
-          </a:p>
-          <a:p>
-            <a:pPr>
-              <a:buNone/>
-            </a:pPr>
-            <a:r>
-              <a:rPr lang="en-US" b="1" dirty="0">
-                <a:latin typeface="Consolas" pitchFamily="49" charset="0"/>
-                <a:cs typeface="Consolas" pitchFamily="49" charset="0"/>
-              </a:rPr>
-              <a:t>;;   (</a:t>
-            </a:r>
-            <a:r>
-              <a:rPr lang="en-US" b="1" dirty="0" err="1">
-                <a:latin typeface="Consolas" pitchFamily="49" charset="0"/>
-                <a:cs typeface="Consolas" pitchFamily="49" charset="0"/>
-              </a:rPr>
-              <a:t>cond</a:t>
-            </a:r>
-            <a:endParaRPr lang="en-US" b="1" dirty="0">
-              <a:latin typeface="Consolas" pitchFamily="49" charset="0"/>
-              <a:cs typeface="Consolas" pitchFamily="49" charset="0"/>
-            </a:endParaRPr>
-          </a:p>
-          <a:p>
-            <a:pPr>
-              <a:buNone/>
-            </a:pPr>
-            <a:r>
-              <a:rPr lang="en-US" b="1" dirty="0">
-                <a:latin typeface="Consolas" pitchFamily="49" charset="0"/>
-                <a:cs typeface="Consolas" pitchFamily="49" charset="0"/>
-              </a:rPr>
-              <a:t>;;     [(false? </a:t>
-            </a:r>
-            <a:r>
-              <a:rPr lang="en-US" b="1" dirty="0" err="1">
-                <a:latin typeface="Consolas" pitchFamily="49" charset="0"/>
-                <a:cs typeface="Consolas" pitchFamily="49" charset="0"/>
-              </a:rPr>
-              <a:t>mx</a:t>
-            </a:r>
-            <a:r>
-              <a:rPr lang="en-US" b="1" dirty="0">
-                <a:latin typeface="Consolas" pitchFamily="49" charset="0"/>
-                <a:cs typeface="Consolas" pitchFamily="49" charset="0"/>
-              </a:rPr>
-              <a:t>) ...]</a:t>
-            </a:r>
-          </a:p>
-          <a:p>
-            <a:pPr>
-              <a:buNone/>
-            </a:pPr>
-            <a:r>
-              <a:rPr lang="en-US" b="1" dirty="0">
-                <a:latin typeface="Consolas" pitchFamily="49" charset="0"/>
-                <a:cs typeface="Consolas" pitchFamily="49" charset="0"/>
-              </a:rPr>
-              <a:t>;;     [else (... </a:t>
-            </a:r>
-            <a:r>
-              <a:rPr lang="en-US" b="1" dirty="0" err="1">
-                <a:latin typeface="Consolas" pitchFamily="49" charset="0"/>
-                <a:cs typeface="Consolas" pitchFamily="49" charset="0"/>
-              </a:rPr>
-              <a:t>mx</a:t>
-            </a:r>
-            <a:r>
-              <a:rPr lang="en-US" b="1" dirty="0">
-                <a:latin typeface="Consolas" pitchFamily="49" charset="0"/>
-                <a:cs typeface="Consolas" pitchFamily="49" charset="0"/>
-              </a:rPr>
-              <a:t>)]))</a:t>
-            </a:r>
-          </a:p>
-          <a:p>
-            <a:pPr>
-              <a:buNone/>
-            </a:pPr>
-            <a:endParaRPr lang="en-US" b="1" dirty="0">
-              <a:latin typeface="Consolas" pitchFamily="49" charset="0"/>
-              <a:cs typeface="Consolas" pitchFamily="49" charset="0"/>
-            </a:endParaRPr>
-          </a:p>
-          <a:p>
-            <a:pPr>
-              <a:buNone/>
-            </a:pPr>
-            <a:r>
-              <a:rPr lang="en-US" b="1" dirty="0">
-                <a:latin typeface="Consolas" pitchFamily="49" charset="0"/>
-                <a:cs typeface="Consolas" pitchFamily="49" charset="0"/>
-              </a:rPr>
-              <a:t>decode </a:t>
-            </a:r>
-          </a:p>
-          <a:p>
-            <a:pPr>
-              <a:buNone/>
-            </a:pPr>
-            <a:r>
-              <a:rPr lang="en-US" b="1" dirty="0">
-                <a:latin typeface="Consolas" pitchFamily="49" charset="0"/>
-                <a:cs typeface="Consolas" pitchFamily="49" charset="0"/>
-              </a:rPr>
-              <a:t>  : </a:t>
-            </a:r>
-            <a:r>
-              <a:rPr lang="en-US" b="1" dirty="0" err="1">
-                <a:latin typeface="Consolas" pitchFamily="49" charset="0"/>
-                <a:cs typeface="Consolas" pitchFamily="49" charset="0"/>
-              </a:rPr>
-              <a:t>SexpOfAtom</a:t>
-            </a:r>
-            <a:r>
-              <a:rPr lang="en-US" b="1" dirty="0">
-                <a:latin typeface="Consolas" pitchFamily="49" charset="0"/>
-                <a:cs typeface="Consolas" pitchFamily="49" charset="0"/>
-              </a:rPr>
-              <a:t> -&gt; </a:t>
-            </a:r>
-            <a:r>
-              <a:rPr lang="en-US" b="1" dirty="0" err="1">
-                <a:solidFill>
-                  <a:srgbClr val="FF0000"/>
-                </a:solidFill>
-                <a:latin typeface="Consolas" pitchFamily="49" charset="0"/>
-                <a:cs typeface="Consolas" pitchFamily="49" charset="0"/>
-              </a:rPr>
-              <a:t>MaybeDiffExp</a:t>
-            </a:r>
-            <a:endParaRPr lang="en-US" b="1" dirty="0">
-              <a:solidFill>
-                <a:srgbClr val="FF0000"/>
-              </a:solidFill>
-              <a:latin typeface="Consolas" pitchFamily="49" charset="0"/>
-              <a:cs typeface="Consolas" pitchFamily="49" charset="0"/>
-            </a:endParaRPr>
-          </a:p>
-          <a:p>
-            <a:pPr>
-              <a:buNone/>
-            </a:pPr>
-            <a:endParaRPr lang="en-US" b="1" dirty="0">
-              <a:latin typeface="Consolas" pitchFamily="49" charset="0"/>
-              <a:cs typeface="Consolas" pitchFamily="49" charset="0"/>
-            </a:endParaRPr>
-          </a:p>
-        </p:txBody>
-      </p:sp>
-      <p:sp>
-        <p:nvSpPr>
-          <p:cNvPr id="5" name="Slide Number Placeholder 4"/>
-          <p:cNvSpPr>
-            <a:spLocks noGrp="1"/>
-          </p:cNvSpPr>
-          <p:nvPr>
-            <p:ph type="sldNum" sz="quarter" idx="12"/>
-          </p:nvPr>
-        </p:nvSpPr>
-        <p:spPr/>
-        <p:txBody>
-          <a:bodyPr/>
-          <a:lstStyle/>
-          <a:p>
-            <a:fld id="{9F4492BD-6A9C-48FC-AC76-0B4FE11194A1}" type="slidenum">
-              <a:rPr lang="en-US" smtClean="0"/>
-              <a:pPr/>
-              <a:t>58</a:t>
-            </a:fld>
-            <a:endParaRPr lang="en-US"/>
-          </a:p>
-        </p:txBody>
-      </p:sp>
-      <p:sp>
-        <p:nvSpPr>
-          <p:cNvPr id="4" name="Rectangle 3"/>
-          <p:cNvSpPr/>
-          <p:nvPr/>
-        </p:nvSpPr>
-        <p:spPr>
-          <a:xfrm>
-            <a:off x="5562600" y="1905000"/>
-            <a:ext cx="2895600" cy="3200400"/>
-          </a:xfrm>
-          <a:prstGeom prst="rect">
-            <a:avLst/>
-          </a:prstGeom>
-          <a:solidFill>
-            <a:schemeClr val="accent1">
-              <a:lumMod val="20000"/>
-              <a:lumOff val="80000"/>
-            </a:schemeClr>
-          </a:solidFill>
-          <a:ln>
-            <a:noFill/>
-          </a:ln>
-        </p:spPr>
-        <p:style>
-          <a:lnRef idx="2">
-            <a:schemeClr val="accent1"/>
-          </a:lnRef>
-          <a:fillRef idx="1">
-            <a:schemeClr val="lt1"/>
-          </a:fillRef>
-          <a:effectRef idx="0">
-            <a:schemeClr val="accent1"/>
-          </a:effectRef>
-          <a:fontRef idx="minor">
-            <a:schemeClr val="dk1"/>
-          </a:fontRef>
-        </p:style>
-        <p:txBody>
-          <a:bodyPr rot="0" spcFirstLastPara="0" vertOverflow="overflow" horzOverflow="overflow" vert="horz" wrap="square" lIns="91440" tIns="45720" rIns="91440" bIns="45720" numCol="1" spcCol="0" rtlCol="0" fromWordArt="0" anchor="ctr" anchorCtr="0" forceAA="0" compatLnSpc="1">
-            <a:prstTxWarp prst="textNoShape">
-              <a:avLst/>
-            </a:prstTxWarp>
-            <a:noAutofit/>
-          </a:bodyPr>
-          <a:lstStyle/>
-          <a:p>
-            <a:r>
-              <a:rPr lang="en-US" sz="2000" dirty="0"/>
-              <a:t>To account for this, we change our contract to produce a </a:t>
-            </a:r>
-            <a:r>
-              <a:rPr lang="en-US" sz="2000" b="1" dirty="0" err="1"/>
-              <a:t>MaybeDiffExp</a:t>
-            </a:r>
-            <a:r>
-              <a:rPr lang="en-US" sz="2000" dirty="0"/>
-              <a:t> instead of a </a:t>
-            </a:r>
-            <a:r>
-              <a:rPr lang="en-US" sz="2000" b="1" dirty="0" err="1"/>
-              <a:t>DiffExp</a:t>
-            </a:r>
-            <a:r>
-              <a:rPr lang="en-US" sz="2000" dirty="0"/>
-              <a:t>.</a:t>
-            </a:r>
-          </a:p>
-          <a:p>
-            <a:r>
-              <a:rPr lang="en-US" sz="2000" dirty="0"/>
-              <a:t>If the </a:t>
-            </a:r>
-            <a:r>
-              <a:rPr lang="en-US" sz="2000" b="1" dirty="0" err="1"/>
-              <a:t>SexpOfAtom</a:t>
-            </a:r>
-            <a:r>
-              <a:rPr lang="en-US" sz="2000" dirty="0"/>
-              <a:t> doesn't correspond to any </a:t>
-            </a:r>
-            <a:r>
-              <a:rPr lang="en-US" sz="2000" b="1" dirty="0" err="1"/>
-              <a:t>DiffExp</a:t>
-            </a:r>
-            <a:r>
-              <a:rPr lang="en-US" sz="2000" dirty="0"/>
-              <a:t>, we'll have our decode function return </a:t>
-            </a:r>
-            <a:r>
-              <a:rPr lang="en-US" sz="2000" b="1" dirty="0"/>
-              <a:t>false</a:t>
-            </a:r>
-            <a:r>
-              <a:rPr lang="en-US" sz="2000" dirty="0"/>
-              <a:t>.</a:t>
-            </a:r>
-          </a:p>
-        </p:txBody>
-      </p:sp>
-    </p:spTree>
-    <p:extLst>
-      <p:ext uri="{BB962C8B-B14F-4D97-AF65-F5344CB8AC3E}">
-        <p14:creationId xmlns:p14="http://schemas.microsoft.com/office/powerpoint/2010/main" val="2225535883"/>
-      </p:ext>
-    </p:extLst>
-  </p:cSld>
-  <p:clrMapOvr>
-    <a:masterClrMapping/>
-  </p:clrMapOvr>
-</p:sld>
-</file>
-
-<file path=ppt/slides/slide59.xml><?xml version="1.0" encoding="utf-8"?>
-<p:sld xmlns:a="http://schemas.openxmlformats.org/drawingml/2006/main" xmlns:r="http://schemas.openxmlformats.org/officeDocument/2006/relationships" xmlns:p="http://schemas.openxmlformats.org/presentationml/2006/main">
-  <p:cSld>
-    <p:spTree>
-      <p:nvGrpSpPr>
-        <p:cNvPr id="1" name=""/>
-        <p:cNvGrpSpPr/>
-        <p:nvPr/>
-      </p:nvGrpSpPr>
-      <p:grpSpPr>
-        <a:xfrm>
-          <a:off x="0" y="0"/>
-          <a:ext cx="0" cy="0"/>
-          <a:chOff x="0" y="0"/>
-          <a:chExt cx="0" cy="0"/>
-        </a:xfrm>
-      </p:grpSpPr>
-      <p:sp>
-        <p:nvSpPr>
-          <p:cNvPr id="2" name="Title 1"/>
-          <p:cNvSpPr>
-            <a:spLocks noGrp="1"/>
-          </p:cNvSpPr>
-          <p:nvPr>
-            <p:ph type="title"/>
-          </p:nvPr>
-        </p:nvSpPr>
-        <p:spPr/>
-        <p:txBody>
-          <a:bodyPr/>
-          <a:lstStyle/>
-          <a:p>
-            <a:r>
-              <a:rPr lang="en-US" dirty="0"/>
-              <a:t>Function Definition (1)</a:t>
-            </a:r>
-          </a:p>
-        </p:txBody>
-      </p:sp>
-      <p:sp>
-        <p:nvSpPr>
-          <p:cNvPr id="3" name="Content Placeholder 2"/>
-          <p:cNvSpPr>
-            <a:spLocks noGrp="1"/>
-          </p:cNvSpPr>
-          <p:nvPr>
-            <p:ph idx="1"/>
-          </p:nvPr>
-        </p:nvSpPr>
-        <p:spPr/>
-        <p:txBody>
-          <a:bodyPr>
-            <a:normAutofit fontScale="47500" lnSpcReduction="20000"/>
-          </a:bodyPr>
-          <a:lstStyle/>
-          <a:p>
-            <a:pPr>
-              <a:buNone/>
-            </a:pPr>
-            <a:r>
-              <a:rPr lang="en-US" b="1" dirty="0">
-                <a:latin typeface="Consolas" pitchFamily="49" charset="0"/>
-                <a:cs typeface="Consolas" pitchFamily="49" charset="0"/>
-              </a:rPr>
-              <a:t>;; decode : </a:t>
-            </a:r>
-            <a:r>
-              <a:rPr lang="en-US" b="1" dirty="0" err="1">
-                <a:latin typeface="Consolas" pitchFamily="49" charset="0"/>
-                <a:cs typeface="Consolas" pitchFamily="49" charset="0"/>
-              </a:rPr>
-              <a:t>SexpOfAtom</a:t>
-            </a:r>
-            <a:r>
-              <a:rPr lang="en-US" b="1" dirty="0">
-                <a:latin typeface="Consolas" pitchFamily="49" charset="0"/>
-                <a:cs typeface="Consolas" pitchFamily="49" charset="0"/>
-              </a:rPr>
-              <a:t> -&gt; </a:t>
-            </a:r>
-            <a:r>
-              <a:rPr lang="en-US" b="1" dirty="0" err="1">
-                <a:latin typeface="Consolas" pitchFamily="49" charset="0"/>
-                <a:cs typeface="Consolas" pitchFamily="49" charset="0"/>
-              </a:rPr>
-              <a:t>MaybeDiffExp</a:t>
-            </a:r>
-            <a:endParaRPr lang="en-US" b="1" dirty="0">
-              <a:latin typeface="Consolas" pitchFamily="49" charset="0"/>
-              <a:cs typeface="Consolas" pitchFamily="49" charset="0"/>
-            </a:endParaRPr>
-          </a:p>
-          <a:p>
-            <a:pPr>
-              <a:buNone/>
-            </a:pPr>
-            <a:r>
-              <a:rPr lang="en-US" b="1" dirty="0">
-                <a:latin typeface="Consolas" pitchFamily="49" charset="0"/>
-                <a:cs typeface="Consolas" pitchFamily="49" charset="0"/>
-              </a:rPr>
-              <a:t>;; STRATEGY: if the top level of </a:t>
-            </a:r>
-            <a:r>
-              <a:rPr lang="en-US" b="1" dirty="0" err="1">
-                <a:latin typeface="Consolas" pitchFamily="49" charset="0"/>
-                <a:cs typeface="Consolas" pitchFamily="49" charset="0"/>
-              </a:rPr>
-              <a:t>sexp</a:t>
-            </a:r>
-            <a:r>
-              <a:rPr lang="en-US" b="1" dirty="0">
-                <a:latin typeface="Consolas" pitchFamily="49" charset="0"/>
-                <a:cs typeface="Consolas" pitchFamily="49" charset="0"/>
-              </a:rPr>
-              <a:t> could be the top level of</a:t>
-            </a:r>
-          </a:p>
-          <a:p>
-            <a:pPr>
-              <a:buNone/>
-            </a:pPr>
-            <a:r>
-              <a:rPr lang="en-US" b="1" dirty="0">
-                <a:latin typeface="Consolas" pitchFamily="49" charset="0"/>
-                <a:cs typeface="Consolas" pitchFamily="49" charset="0"/>
-              </a:rPr>
-              <a:t>;; a </a:t>
-            </a:r>
-            <a:r>
-              <a:rPr lang="en-US" b="1" dirty="0" err="1">
-                <a:latin typeface="Consolas" pitchFamily="49" charset="0"/>
-                <a:cs typeface="Consolas" pitchFamily="49" charset="0"/>
-              </a:rPr>
-              <a:t>diffexp</a:t>
-            </a:r>
-            <a:r>
-              <a:rPr lang="en-US" b="1" dirty="0">
-                <a:latin typeface="Consolas" pitchFamily="49" charset="0"/>
-                <a:cs typeface="Consolas" pitchFamily="49" charset="0"/>
-              </a:rPr>
-              <a:t>, recur on 2nd and 3rd elements. If either recursion</a:t>
-            </a:r>
-          </a:p>
-          <a:p>
-            <a:pPr>
-              <a:buNone/>
-            </a:pPr>
-            <a:r>
-              <a:rPr lang="en-US" b="1" dirty="0">
-                <a:latin typeface="Consolas" pitchFamily="49" charset="0"/>
-                <a:cs typeface="Consolas" pitchFamily="49" charset="0"/>
-              </a:rPr>
-              <a:t>;; fails, return false.  If both recursions succeed, return the </a:t>
-            </a:r>
-            <a:r>
-              <a:rPr lang="en-US" b="1" dirty="0" err="1">
-                <a:latin typeface="Consolas" pitchFamily="49" charset="0"/>
-                <a:cs typeface="Consolas" pitchFamily="49" charset="0"/>
-              </a:rPr>
-              <a:t>diffexp</a:t>
-            </a:r>
-            <a:r>
-              <a:rPr lang="en-US" b="1" dirty="0">
-                <a:latin typeface="Consolas" pitchFamily="49" charset="0"/>
-                <a:cs typeface="Consolas" pitchFamily="49" charset="0"/>
-              </a:rPr>
-              <a:t>.</a:t>
-            </a:r>
-          </a:p>
-          <a:p>
-            <a:pPr>
-              <a:buNone/>
-            </a:pPr>
-            <a:r>
-              <a:rPr lang="en-US" b="1" dirty="0">
-                <a:latin typeface="Consolas" pitchFamily="49" charset="0"/>
-                <a:cs typeface="Consolas" pitchFamily="49" charset="0"/>
-              </a:rPr>
-              <a:t>;; HALTING MEASURE: # of atoms in </a:t>
-            </a:r>
-            <a:r>
-              <a:rPr lang="en-US" b="1" dirty="0" err="1">
-                <a:latin typeface="Consolas" pitchFamily="49" charset="0"/>
-                <a:cs typeface="Consolas" pitchFamily="49" charset="0"/>
-              </a:rPr>
-              <a:t>sexp</a:t>
-            </a:r>
-            <a:endParaRPr lang="en-US" b="1" dirty="0">
-              <a:latin typeface="Consolas" pitchFamily="49" charset="0"/>
-              <a:cs typeface="Consolas" pitchFamily="49" charset="0"/>
-            </a:endParaRPr>
-          </a:p>
-          <a:p>
-            <a:pPr>
-              <a:buNone/>
-            </a:pPr>
-            <a:endParaRPr lang="en-US" b="1" dirty="0">
-              <a:latin typeface="Consolas" pitchFamily="49" charset="0"/>
-              <a:cs typeface="Consolas" pitchFamily="49" charset="0"/>
-            </a:endParaRPr>
-          </a:p>
-          <a:p>
-            <a:pPr>
-              <a:buNone/>
-            </a:pPr>
-            <a:r>
-              <a:rPr lang="en-US" b="1" dirty="0">
-                <a:latin typeface="Consolas" pitchFamily="49" charset="0"/>
-                <a:cs typeface="Consolas" pitchFamily="49" charset="0"/>
-              </a:rPr>
-              <a:t>(define (decode </a:t>
-            </a:r>
-            <a:r>
-              <a:rPr lang="en-US" b="1" dirty="0" err="1">
-                <a:latin typeface="Consolas" pitchFamily="49" charset="0"/>
-                <a:cs typeface="Consolas" pitchFamily="49" charset="0"/>
-              </a:rPr>
-              <a:t>sexp</a:t>
-            </a:r>
-            <a:r>
-              <a:rPr lang="en-US" b="1" dirty="0">
-                <a:latin typeface="Consolas" pitchFamily="49" charset="0"/>
-                <a:cs typeface="Consolas" pitchFamily="49" charset="0"/>
-              </a:rPr>
-              <a:t>)</a:t>
-            </a:r>
-          </a:p>
-          <a:p>
-            <a:pPr>
-              <a:buNone/>
-            </a:pPr>
-            <a:r>
-              <a:rPr lang="en-US" b="1" dirty="0">
-                <a:latin typeface="Consolas" pitchFamily="49" charset="0"/>
-                <a:cs typeface="Consolas" pitchFamily="49" charset="0"/>
-              </a:rPr>
-              <a:t>  (cond</a:t>
-            </a:r>
-          </a:p>
-          <a:p>
-            <a:pPr>
-              <a:buNone/>
-            </a:pPr>
-            <a:r>
-              <a:rPr lang="en-US" b="1" dirty="0">
-                <a:latin typeface="Consolas" pitchFamily="49" charset="0"/>
-                <a:cs typeface="Consolas" pitchFamily="49" charset="0"/>
-              </a:rPr>
-              <a:t>    [(not (could-be-</a:t>
-            </a:r>
-            <a:r>
-              <a:rPr lang="en-US" b="1" dirty="0" err="1">
-                <a:latin typeface="Consolas" pitchFamily="49" charset="0"/>
-                <a:cs typeface="Consolas" pitchFamily="49" charset="0"/>
-              </a:rPr>
-              <a:t>toplevel</a:t>
-            </a:r>
-            <a:r>
-              <a:rPr lang="en-US" b="1" dirty="0">
-                <a:latin typeface="Consolas" pitchFamily="49" charset="0"/>
-                <a:cs typeface="Consolas" pitchFamily="49" charset="0"/>
-              </a:rPr>
-              <a:t>-of-</a:t>
-            </a:r>
-            <a:r>
-              <a:rPr lang="en-US" b="1" dirty="0" err="1">
-                <a:latin typeface="Consolas" pitchFamily="49" charset="0"/>
-                <a:cs typeface="Consolas" pitchFamily="49" charset="0"/>
-              </a:rPr>
-              <a:t>diffexp</a:t>
-            </a:r>
-            <a:r>
-              <a:rPr lang="en-US" b="1" dirty="0">
-                <a:latin typeface="Consolas" pitchFamily="49" charset="0"/>
-                <a:cs typeface="Consolas" pitchFamily="49" charset="0"/>
-              </a:rPr>
-              <a:t>? </a:t>
-            </a:r>
-            <a:r>
-              <a:rPr lang="en-US" b="1" dirty="0" err="1">
-                <a:latin typeface="Consolas" pitchFamily="49" charset="0"/>
-                <a:cs typeface="Consolas" pitchFamily="49" charset="0"/>
-              </a:rPr>
-              <a:t>sexp</a:t>
-            </a:r>
-            <a:r>
-              <a:rPr lang="en-US" b="1" dirty="0">
-                <a:latin typeface="Consolas" pitchFamily="49" charset="0"/>
-                <a:cs typeface="Consolas" pitchFamily="49" charset="0"/>
-              </a:rPr>
-              <a:t>)) false]</a:t>
-            </a:r>
-          </a:p>
-          <a:p>
-            <a:pPr>
-              <a:buNone/>
-            </a:pPr>
-            <a:r>
-              <a:rPr lang="en-US" b="1" dirty="0">
-                <a:latin typeface="Consolas" pitchFamily="49" charset="0"/>
-                <a:cs typeface="Consolas" pitchFamily="49" charset="0"/>
-              </a:rPr>
-              <a:t>    [(number? </a:t>
-            </a:r>
-            <a:r>
-              <a:rPr lang="en-US" b="1" dirty="0" err="1">
-                <a:latin typeface="Consolas" pitchFamily="49" charset="0"/>
-                <a:cs typeface="Consolas" pitchFamily="49" charset="0"/>
-              </a:rPr>
-              <a:t>sexp</a:t>
-            </a:r>
-            <a:r>
-              <a:rPr lang="en-US" b="1" dirty="0">
-                <a:latin typeface="Consolas" pitchFamily="49" charset="0"/>
-                <a:cs typeface="Consolas" pitchFamily="49" charset="0"/>
-              </a:rPr>
-              <a:t>) </a:t>
-            </a:r>
-            <a:r>
-              <a:rPr lang="en-US" b="1" dirty="0" err="1">
-                <a:latin typeface="Consolas" pitchFamily="49" charset="0"/>
-                <a:cs typeface="Consolas" pitchFamily="49" charset="0"/>
-              </a:rPr>
-              <a:t>sexp</a:t>
-            </a:r>
-            <a:r>
-              <a:rPr lang="en-US" b="1" dirty="0">
-                <a:latin typeface="Consolas" pitchFamily="49" charset="0"/>
-                <a:cs typeface="Consolas" pitchFamily="49" charset="0"/>
-              </a:rPr>
-              <a:t>]</a:t>
-            </a:r>
-          </a:p>
-          <a:p>
-            <a:pPr>
-              <a:buNone/>
-            </a:pPr>
-            <a:r>
-              <a:rPr lang="en-US" b="1" dirty="0">
-                <a:latin typeface="Consolas" pitchFamily="49" charset="0"/>
-                <a:cs typeface="Consolas" pitchFamily="49" charset="0"/>
-              </a:rPr>
-              <a:t>    [else</a:t>
-            </a:r>
-          </a:p>
-          <a:p>
-            <a:pPr>
-              <a:buNone/>
-            </a:pPr>
-            <a:r>
-              <a:rPr lang="en-US" b="1" dirty="0">
-                <a:latin typeface="Consolas" pitchFamily="49" charset="0"/>
-                <a:cs typeface="Consolas" pitchFamily="49" charset="0"/>
-              </a:rPr>
-              <a:t>     (local</a:t>
-            </a:r>
-          </a:p>
-          <a:p>
-            <a:pPr>
-              <a:buNone/>
-            </a:pPr>
-            <a:r>
-              <a:rPr lang="en-US" b="1" dirty="0">
-                <a:latin typeface="Consolas" pitchFamily="49" charset="0"/>
-                <a:cs typeface="Consolas" pitchFamily="49" charset="0"/>
-              </a:rPr>
-              <a:t>       ((define operand1 (decode (second </a:t>
-            </a:r>
-            <a:r>
-              <a:rPr lang="en-US" b="1" dirty="0" err="1">
-                <a:latin typeface="Consolas" pitchFamily="49" charset="0"/>
-                <a:cs typeface="Consolas" pitchFamily="49" charset="0"/>
-              </a:rPr>
-              <a:t>sexp</a:t>
-            </a:r>
-            <a:r>
-              <a:rPr lang="en-US" b="1" dirty="0">
-                <a:latin typeface="Consolas" pitchFamily="49" charset="0"/>
-                <a:cs typeface="Consolas" pitchFamily="49" charset="0"/>
-              </a:rPr>
-              <a:t>)))</a:t>
-            </a:r>
-          </a:p>
-          <a:p>
-            <a:pPr>
-              <a:buNone/>
-            </a:pPr>
-            <a:r>
-              <a:rPr lang="en-US" b="1" dirty="0">
-                <a:latin typeface="Consolas" pitchFamily="49" charset="0"/>
-                <a:cs typeface="Consolas" pitchFamily="49" charset="0"/>
-              </a:rPr>
-              <a:t>        (define operand2 (decode (third </a:t>
-            </a:r>
-            <a:r>
-              <a:rPr lang="en-US" b="1" dirty="0" err="1">
-                <a:latin typeface="Consolas" pitchFamily="49" charset="0"/>
-                <a:cs typeface="Consolas" pitchFamily="49" charset="0"/>
-              </a:rPr>
-              <a:t>sexp</a:t>
-            </a:r>
-            <a:r>
-              <a:rPr lang="en-US" b="1" dirty="0">
-                <a:latin typeface="Consolas" pitchFamily="49" charset="0"/>
-                <a:cs typeface="Consolas" pitchFamily="49" charset="0"/>
-              </a:rPr>
-              <a:t>))))</a:t>
-            </a:r>
-          </a:p>
-          <a:p>
-            <a:pPr>
-              <a:buNone/>
-            </a:pPr>
-            <a:r>
-              <a:rPr lang="en-US" b="1" dirty="0">
-                <a:latin typeface="Consolas" pitchFamily="49" charset="0"/>
-                <a:cs typeface="Consolas" pitchFamily="49" charset="0"/>
-              </a:rPr>
-              <a:t>       (if (and (succeeded? operand1)</a:t>
-            </a:r>
-          </a:p>
-          <a:p>
-            <a:pPr>
-              <a:buNone/>
-            </a:pPr>
-            <a:r>
-              <a:rPr lang="en-US" b="1" dirty="0">
-                <a:latin typeface="Consolas" pitchFamily="49" charset="0"/>
-                <a:cs typeface="Consolas" pitchFamily="49" charset="0"/>
-              </a:rPr>
-              <a:t>                (succeeded? operand2))</a:t>
-            </a:r>
-          </a:p>
-          <a:p>
-            <a:pPr>
-              <a:buNone/>
-            </a:pPr>
-            <a:r>
-              <a:rPr lang="en-US" b="1" dirty="0">
-                <a:latin typeface="Consolas" pitchFamily="49" charset="0"/>
-                <a:cs typeface="Consolas" pitchFamily="49" charset="0"/>
-              </a:rPr>
-              <a:t>           (make-</a:t>
-            </a:r>
-            <a:r>
-              <a:rPr lang="en-US" b="1" dirty="0" err="1">
-                <a:latin typeface="Consolas" pitchFamily="49" charset="0"/>
-                <a:cs typeface="Consolas" pitchFamily="49" charset="0"/>
-              </a:rPr>
-              <a:t>diffexp</a:t>
-            </a:r>
-            <a:r>
-              <a:rPr lang="en-US" b="1" dirty="0">
-                <a:latin typeface="Consolas" pitchFamily="49" charset="0"/>
-                <a:cs typeface="Consolas" pitchFamily="49" charset="0"/>
-              </a:rPr>
-              <a:t> operand1 operand2)</a:t>
-            </a:r>
-          </a:p>
-          <a:p>
-            <a:pPr>
-              <a:buNone/>
-            </a:pPr>
-            <a:r>
-              <a:rPr lang="en-US" b="1" dirty="0">
-                <a:latin typeface="Consolas" pitchFamily="49" charset="0"/>
-                <a:cs typeface="Consolas" pitchFamily="49" charset="0"/>
-              </a:rPr>
-              <a:t>           false))]))</a:t>
-            </a:r>
-          </a:p>
-        </p:txBody>
-      </p:sp>
-      <p:sp>
-        <p:nvSpPr>
-          <p:cNvPr id="5" name="Slide Number Placeholder 4"/>
-          <p:cNvSpPr>
-            <a:spLocks noGrp="1"/>
-          </p:cNvSpPr>
-          <p:nvPr>
-            <p:ph type="sldNum" sz="quarter" idx="12"/>
-          </p:nvPr>
-        </p:nvSpPr>
-        <p:spPr/>
-        <p:txBody>
-          <a:bodyPr/>
-          <a:lstStyle/>
-          <a:p>
-            <a:fld id="{9F4492BD-6A9C-48FC-AC76-0B4FE11194A1}" type="slidenum">
-              <a:rPr lang="en-US" smtClean="0"/>
-              <a:pPr/>
-              <a:t>59</a:t>
-            </a:fld>
-            <a:endParaRPr lang="en-US"/>
-          </a:p>
-        </p:txBody>
-      </p:sp>
-      <p:sp>
-        <p:nvSpPr>
-          <p:cNvPr id="4" name="Rectangle 3"/>
-          <p:cNvSpPr/>
-          <p:nvPr/>
-        </p:nvSpPr>
-        <p:spPr>
-          <a:xfrm>
-            <a:off x="4160264" y="2819400"/>
-            <a:ext cx="4495800" cy="457200"/>
-          </a:xfrm>
-          <a:prstGeom prst="rect">
-            <a:avLst/>
-          </a:prstGeom>
-          <a:solidFill>
-            <a:schemeClr val="accent1">
-              <a:lumMod val="20000"/>
-              <a:lumOff val="80000"/>
-            </a:schemeClr>
-          </a:solidFill>
-          <a:ln>
-            <a:noFill/>
-          </a:ln>
-        </p:spPr>
-        <p:style>
-          <a:lnRef idx="2">
-            <a:schemeClr val="accent1"/>
-          </a:lnRef>
-          <a:fillRef idx="1">
-            <a:schemeClr val="lt1"/>
-          </a:fillRef>
-          <a:effectRef idx="0">
-            <a:schemeClr val="accent1"/>
-          </a:effectRef>
-          <a:fontRef idx="minor">
-            <a:schemeClr val="dk1"/>
-          </a:fontRef>
-        </p:style>
-        <p:txBody>
-          <a:bodyPr rot="0" spcFirstLastPara="0" vertOverflow="overflow" horzOverflow="overflow" vert="horz" wrap="square" lIns="91440" tIns="45720" rIns="91440" bIns="45720" numCol="1" spcCol="0" rtlCol="0" fromWordArt="0" anchor="ctr" anchorCtr="0" forceAA="0" compatLnSpc="1">
-            <a:prstTxWarp prst="textNoShape">
-              <a:avLst/>
-            </a:prstTxWarp>
-            <a:noAutofit/>
-          </a:bodyPr>
-          <a:lstStyle/>
-          <a:p>
-            <a:r>
-              <a:rPr lang="en-US" sz="2000" dirty="0"/>
-              <a:t>Now we can write the function definition.  </a:t>
-            </a:r>
-          </a:p>
-        </p:txBody>
-      </p:sp>
-    </p:spTree>
-    <p:extLst>
-      <p:ext uri="{BB962C8B-B14F-4D97-AF65-F5344CB8AC3E}">
-        <p14:creationId xmlns:p14="http://schemas.microsoft.com/office/powerpoint/2010/main" val="452454388"/>
-      </p:ext>
-    </p:extLst>
-  </p:cSld>
-  <p:clrMapOvr>
-    <a:masterClrMapping/>
-  </p:clrMapOvr>
-</p:sld>
-</file>
-
 <file path=ppt/slides/slide6.xml><?xml version="1.0" encoding="utf-8"?>
 <p:sld xmlns:a="http://schemas.openxmlformats.org/drawingml/2006/main" xmlns:r="http://schemas.openxmlformats.org/officeDocument/2006/relationships" xmlns:p="http://schemas.openxmlformats.org/presentationml/2006/main">
   <p:cSld>
@@ -24565,1844 +17733,6 @@
     <p:extLst>
       <p:ext uri="{BB962C8B-B14F-4D97-AF65-F5344CB8AC3E}">
         <p14:creationId xmlns:p14="http://schemas.microsoft.com/office/powerpoint/2010/main" val="1890707340"/>
-      </p:ext>
-    </p:extLst>
-  </p:cSld>
-  <p:clrMapOvr>
-    <a:masterClrMapping/>
-  </p:clrMapOvr>
-</p:sld>
-</file>
-
-<file path=ppt/slides/slide60.xml><?xml version="1.0" encoding="utf-8"?>
-<p:sld xmlns:a="http://schemas.openxmlformats.org/drawingml/2006/main" xmlns:r="http://schemas.openxmlformats.org/officeDocument/2006/relationships" xmlns:p="http://schemas.openxmlformats.org/presentationml/2006/main">
-  <p:cSld>
-    <p:spTree>
-      <p:nvGrpSpPr>
-        <p:cNvPr id="1" name=""/>
-        <p:cNvGrpSpPr/>
-        <p:nvPr/>
-      </p:nvGrpSpPr>
-      <p:grpSpPr>
-        <a:xfrm>
-          <a:off x="0" y="0"/>
-          <a:ext cx="0" cy="0"/>
-          <a:chOff x="0" y="0"/>
-          <a:chExt cx="0" cy="0"/>
-        </a:xfrm>
-      </p:grpSpPr>
-      <p:sp>
-        <p:nvSpPr>
-          <p:cNvPr id="2" name="Title 1"/>
-          <p:cNvSpPr>
-            <a:spLocks noGrp="1"/>
-          </p:cNvSpPr>
-          <p:nvPr>
-            <p:ph type="title"/>
-          </p:nvPr>
-        </p:nvSpPr>
-        <p:spPr/>
-        <p:txBody>
-          <a:bodyPr/>
-          <a:lstStyle/>
-          <a:p>
-            <a:r>
-              <a:rPr lang="en-US" dirty="0"/>
-              <a:t>Function Definition (2)</a:t>
-            </a:r>
-          </a:p>
-        </p:txBody>
-      </p:sp>
-      <p:sp>
-        <p:nvSpPr>
-          <p:cNvPr id="3" name="Content Placeholder 2"/>
-          <p:cNvSpPr>
-            <a:spLocks noGrp="1"/>
-          </p:cNvSpPr>
-          <p:nvPr>
-            <p:ph idx="1"/>
-          </p:nvPr>
-        </p:nvSpPr>
-        <p:spPr/>
-        <p:txBody>
-          <a:bodyPr>
-            <a:normAutofit fontScale="55000" lnSpcReduction="20000"/>
-          </a:bodyPr>
-          <a:lstStyle/>
-          <a:p>
-            <a:pPr>
-              <a:buNone/>
-            </a:pPr>
-            <a:r>
-              <a:rPr lang="en-US" b="1" dirty="0">
-                <a:latin typeface="Consolas" pitchFamily="49" charset="0"/>
-                <a:cs typeface="Consolas" pitchFamily="49" charset="0"/>
-              </a:rPr>
-              <a:t>;; could-be-</a:t>
-            </a:r>
-            <a:r>
-              <a:rPr lang="en-US" b="1" dirty="0" err="1">
-                <a:latin typeface="Consolas" pitchFamily="49" charset="0"/>
-                <a:cs typeface="Consolas" pitchFamily="49" charset="0"/>
-              </a:rPr>
-              <a:t>toplevel</a:t>
-            </a:r>
-            <a:r>
-              <a:rPr lang="en-US" b="1" dirty="0">
-                <a:latin typeface="Consolas" pitchFamily="49" charset="0"/>
-                <a:cs typeface="Consolas" pitchFamily="49" charset="0"/>
-              </a:rPr>
-              <a:t>-of-</a:t>
-            </a:r>
-            <a:r>
-              <a:rPr lang="en-US" b="1" dirty="0" err="1">
-                <a:latin typeface="Consolas" pitchFamily="49" charset="0"/>
-                <a:cs typeface="Consolas" pitchFamily="49" charset="0"/>
-              </a:rPr>
-              <a:t>diffexp</a:t>
-            </a:r>
-            <a:r>
-              <a:rPr lang="en-US" b="1" dirty="0">
-                <a:latin typeface="Consolas" pitchFamily="49" charset="0"/>
-                <a:cs typeface="Consolas" pitchFamily="49" charset="0"/>
-              </a:rPr>
-              <a:t>? : </a:t>
-            </a:r>
-            <a:r>
-              <a:rPr lang="en-US" b="1" dirty="0" err="1">
-                <a:latin typeface="Consolas" pitchFamily="49" charset="0"/>
-                <a:cs typeface="Consolas" pitchFamily="49" charset="0"/>
-              </a:rPr>
-              <a:t>SexpOfAtom</a:t>
-            </a:r>
-            <a:r>
-              <a:rPr lang="en-US" b="1" dirty="0">
-                <a:latin typeface="Consolas" pitchFamily="49" charset="0"/>
-                <a:cs typeface="Consolas" pitchFamily="49" charset="0"/>
-              </a:rPr>
-              <a:t> -&gt; Boolean</a:t>
-            </a:r>
-          </a:p>
-          <a:p>
-            <a:pPr>
-              <a:buNone/>
-            </a:pPr>
-            <a:r>
-              <a:rPr lang="en-US" b="1" dirty="0">
-                <a:latin typeface="Consolas" pitchFamily="49" charset="0"/>
-                <a:cs typeface="Consolas" pitchFamily="49" charset="0"/>
-              </a:rPr>
-              <a:t>;; RETURNS: true </a:t>
-            </a:r>
-            <a:r>
-              <a:rPr lang="en-US" b="1" dirty="0" err="1">
-                <a:latin typeface="Consolas" pitchFamily="49" charset="0"/>
-                <a:cs typeface="Consolas" pitchFamily="49" charset="0"/>
-              </a:rPr>
-              <a:t>iff</a:t>
-            </a:r>
-            <a:r>
-              <a:rPr lang="en-US" b="1" dirty="0">
-                <a:latin typeface="Consolas" pitchFamily="49" charset="0"/>
-                <a:cs typeface="Consolas" pitchFamily="49" charset="0"/>
-              </a:rPr>
-              <a:t> the top level of the </a:t>
-            </a:r>
-            <a:r>
-              <a:rPr lang="en-US" b="1" dirty="0" err="1">
-                <a:latin typeface="Consolas" pitchFamily="49" charset="0"/>
-                <a:cs typeface="Consolas" pitchFamily="49" charset="0"/>
-              </a:rPr>
-              <a:t>sexp</a:t>
-            </a:r>
-            <a:r>
-              <a:rPr lang="en-US" b="1" dirty="0">
-                <a:latin typeface="Consolas" pitchFamily="49" charset="0"/>
-                <a:cs typeface="Consolas" pitchFamily="49" charset="0"/>
-              </a:rPr>
-              <a:t> could be the top level</a:t>
-            </a:r>
-          </a:p>
-          <a:p>
-            <a:pPr>
-              <a:buNone/>
-            </a:pPr>
-            <a:r>
-              <a:rPr lang="en-US" b="1" dirty="0">
-                <a:latin typeface="Consolas" pitchFamily="49" charset="0"/>
-                <a:cs typeface="Consolas" pitchFamily="49" charset="0"/>
-              </a:rPr>
-              <a:t>;; of some </a:t>
-            </a:r>
-            <a:r>
-              <a:rPr lang="en-US" b="1" dirty="0" err="1">
-                <a:latin typeface="Consolas" pitchFamily="49" charset="0"/>
-                <a:cs typeface="Consolas" pitchFamily="49" charset="0"/>
-              </a:rPr>
-              <a:t>diffexp</a:t>
-            </a:r>
-            <a:r>
-              <a:rPr lang="en-US" b="1" dirty="0">
-                <a:latin typeface="Consolas" pitchFamily="49" charset="0"/>
-                <a:cs typeface="Consolas" pitchFamily="49" charset="0"/>
-              </a:rPr>
-              <a:t>.</a:t>
-            </a:r>
-          </a:p>
-          <a:p>
-            <a:pPr>
-              <a:buNone/>
-            </a:pPr>
-            <a:r>
-              <a:rPr lang="en-US" b="1" dirty="0">
-                <a:latin typeface="Consolas" pitchFamily="49" charset="0"/>
-                <a:cs typeface="Consolas" pitchFamily="49" charset="0"/>
-              </a:rPr>
-              <a:t>;; STRATEGY: At the top level, a representation of a </a:t>
-            </a:r>
-          </a:p>
-          <a:p>
-            <a:pPr>
-              <a:buNone/>
-            </a:pPr>
-            <a:r>
-              <a:rPr lang="en-US" b="1" dirty="0">
-                <a:latin typeface="Consolas" pitchFamily="49" charset="0"/>
-                <a:cs typeface="Consolas" pitchFamily="49" charset="0"/>
-              </a:rPr>
-              <a:t>;; </a:t>
-            </a:r>
-            <a:r>
-              <a:rPr lang="en-US" b="1" dirty="0" err="1">
-                <a:latin typeface="Consolas" pitchFamily="49" charset="0"/>
-                <a:cs typeface="Consolas" pitchFamily="49" charset="0"/>
-              </a:rPr>
-              <a:t>diffexp</a:t>
-            </a:r>
-            <a:r>
-              <a:rPr lang="en-US" b="1" dirty="0">
-                <a:latin typeface="Consolas" pitchFamily="49" charset="0"/>
-                <a:cs typeface="Consolas" pitchFamily="49" charset="0"/>
-              </a:rPr>
-              <a:t> must be either a number or a list of</a:t>
-            </a:r>
-          </a:p>
-          <a:p>
-            <a:pPr>
-              <a:buNone/>
-            </a:pPr>
-            <a:r>
-              <a:rPr lang="en-US" b="1" dirty="0">
-                <a:latin typeface="Consolas" pitchFamily="49" charset="0"/>
-                <a:cs typeface="Consolas" pitchFamily="49" charset="0"/>
-              </a:rPr>
-              <a:t>;; exactly 3 elements, beginning with the symbol -</a:t>
-            </a:r>
-          </a:p>
-          <a:p>
-            <a:pPr>
-              <a:buNone/>
-            </a:pPr>
-            <a:endParaRPr lang="en-US" b="1" dirty="0">
-              <a:latin typeface="Consolas" pitchFamily="49" charset="0"/>
-              <a:cs typeface="Consolas" pitchFamily="49" charset="0"/>
-            </a:endParaRPr>
-          </a:p>
-          <a:p>
-            <a:pPr>
-              <a:buNone/>
-            </a:pPr>
-            <a:r>
-              <a:rPr lang="en-US" b="1" dirty="0">
-                <a:latin typeface="Consolas" pitchFamily="49" charset="0"/>
-                <a:cs typeface="Consolas" pitchFamily="49" charset="0"/>
-              </a:rPr>
-              <a:t>(define (could-be-</a:t>
-            </a:r>
-            <a:r>
-              <a:rPr lang="en-US" b="1" dirty="0" err="1">
-                <a:latin typeface="Consolas" pitchFamily="49" charset="0"/>
-                <a:cs typeface="Consolas" pitchFamily="49" charset="0"/>
-              </a:rPr>
-              <a:t>toplevel</a:t>
-            </a:r>
-            <a:r>
-              <a:rPr lang="en-US" b="1" dirty="0">
-                <a:latin typeface="Consolas" pitchFamily="49" charset="0"/>
-                <a:cs typeface="Consolas" pitchFamily="49" charset="0"/>
-              </a:rPr>
-              <a:t>-of-</a:t>
-            </a:r>
-            <a:r>
-              <a:rPr lang="en-US" b="1" dirty="0" err="1">
-                <a:latin typeface="Consolas" pitchFamily="49" charset="0"/>
-                <a:cs typeface="Consolas" pitchFamily="49" charset="0"/>
-              </a:rPr>
-              <a:t>diffexp</a:t>
-            </a:r>
-            <a:r>
-              <a:rPr lang="en-US" b="1" dirty="0">
-                <a:latin typeface="Consolas" pitchFamily="49" charset="0"/>
-                <a:cs typeface="Consolas" pitchFamily="49" charset="0"/>
-              </a:rPr>
-              <a:t>? </a:t>
-            </a:r>
-            <a:r>
-              <a:rPr lang="en-US" b="1" dirty="0" err="1">
-                <a:latin typeface="Consolas" pitchFamily="49" charset="0"/>
-                <a:cs typeface="Consolas" pitchFamily="49" charset="0"/>
-              </a:rPr>
-              <a:t>sexp</a:t>
-            </a:r>
-            <a:r>
-              <a:rPr lang="en-US" b="1" dirty="0">
-                <a:latin typeface="Consolas" pitchFamily="49" charset="0"/>
-                <a:cs typeface="Consolas" pitchFamily="49" charset="0"/>
-              </a:rPr>
-              <a:t>)</a:t>
-            </a:r>
-          </a:p>
-          <a:p>
-            <a:pPr>
-              <a:buNone/>
-            </a:pPr>
-            <a:r>
-              <a:rPr lang="en-US" b="1" dirty="0">
-                <a:latin typeface="Consolas" pitchFamily="49" charset="0"/>
-                <a:cs typeface="Consolas" pitchFamily="49" charset="0"/>
-              </a:rPr>
-              <a:t>  (or (number? </a:t>
-            </a:r>
-            <a:r>
-              <a:rPr lang="en-US" b="1" dirty="0" err="1">
-                <a:latin typeface="Consolas" pitchFamily="49" charset="0"/>
-                <a:cs typeface="Consolas" pitchFamily="49" charset="0"/>
-              </a:rPr>
-              <a:t>sexp</a:t>
-            </a:r>
-            <a:r>
-              <a:rPr lang="en-US" b="1" dirty="0">
-                <a:latin typeface="Consolas" pitchFamily="49" charset="0"/>
-                <a:cs typeface="Consolas" pitchFamily="49" charset="0"/>
-              </a:rPr>
-              <a:t>)</a:t>
-            </a:r>
-          </a:p>
-          <a:p>
-            <a:pPr>
-              <a:buNone/>
-            </a:pPr>
-            <a:r>
-              <a:rPr lang="en-US" b="1" dirty="0">
-                <a:latin typeface="Consolas" pitchFamily="49" charset="0"/>
-                <a:cs typeface="Consolas" pitchFamily="49" charset="0"/>
-              </a:rPr>
-              <a:t>      (and</a:t>
-            </a:r>
-          </a:p>
-          <a:p>
-            <a:pPr>
-              <a:buNone/>
-            </a:pPr>
-            <a:r>
-              <a:rPr lang="en-US" b="1" dirty="0">
-                <a:latin typeface="Consolas" pitchFamily="49" charset="0"/>
-                <a:cs typeface="Consolas" pitchFamily="49" charset="0"/>
-              </a:rPr>
-              <a:t>       (list? </a:t>
-            </a:r>
-            <a:r>
-              <a:rPr lang="en-US" b="1" dirty="0" err="1">
-                <a:latin typeface="Consolas" pitchFamily="49" charset="0"/>
-                <a:cs typeface="Consolas" pitchFamily="49" charset="0"/>
-              </a:rPr>
-              <a:t>sexp</a:t>
-            </a:r>
-            <a:r>
-              <a:rPr lang="en-US" b="1" dirty="0">
-                <a:latin typeface="Consolas" pitchFamily="49" charset="0"/>
-                <a:cs typeface="Consolas" pitchFamily="49" charset="0"/>
-              </a:rPr>
-              <a:t>)</a:t>
-            </a:r>
-          </a:p>
-          <a:p>
-            <a:pPr>
-              <a:buNone/>
-            </a:pPr>
-            <a:r>
-              <a:rPr lang="en-US" b="1" dirty="0">
-                <a:latin typeface="Consolas" pitchFamily="49" charset="0"/>
-                <a:cs typeface="Consolas" pitchFamily="49" charset="0"/>
-              </a:rPr>
-              <a:t>       ;; at this point we know that </a:t>
-            </a:r>
-            <a:r>
-              <a:rPr lang="en-US" b="1" dirty="0" err="1">
-                <a:latin typeface="Consolas" pitchFamily="49" charset="0"/>
-                <a:cs typeface="Consolas" pitchFamily="49" charset="0"/>
-              </a:rPr>
-              <a:t>sexp</a:t>
-            </a:r>
-            <a:r>
-              <a:rPr lang="en-US" b="1" dirty="0">
-                <a:latin typeface="Consolas" pitchFamily="49" charset="0"/>
-                <a:cs typeface="Consolas" pitchFamily="49" charset="0"/>
-              </a:rPr>
-              <a:t> is a list, so it is</a:t>
-            </a:r>
-          </a:p>
-          <a:p>
-            <a:pPr>
-              <a:buNone/>
-            </a:pPr>
-            <a:r>
-              <a:rPr lang="en-US" b="1" dirty="0">
-                <a:latin typeface="Consolas" pitchFamily="49" charset="0"/>
-                <a:cs typeface="Consolas" pitchFamily="49" charset="0"/>
-              </a:rPr>
-              <a:t>       ;; safe to call list functions on it.</a:t>
-            </a:r>
-          </a:p>
-          <a:p>
-            <a:pPr>
-              <a:buNone/>
-            </a:pPr>
-            <a:r>
-              <a:rPr lang="en-US" b="1" dirty="0">
-                <a:latin typeface="Consolas" pitchFamily="49" charset="0"/>
-                <a:cs typeface="Consolas" pitchFamily="49" charset="0"/>
-              </a:rPr>
-              <a:t>       (= (length </a:t>
-            </a:r>
-            <a:r>
-              <a:rPr lang="en-US" b="1" dirty="0" err="1">
-                <a:latin typeface="Consolas" pitchFamily="49" charset="0"/>
-                <a:cs typeface="Consolas" pitchFamily="49" charset="0"/>
-              </a:rPr>
-              <a:t>sexp</a:t>
-            </a:r>
-            <a:r>
-              <a:rPr lang="en-US" b="1" dirty="0">
-                <a:latin typeface="Consolas" pitchFamily="49" charset="0"/>
-                <a:cs typeface="Consolas" pitchFamily="49" charset="0"/>
-              </a:rPr>
-              <a:t>) 3)</a:t>
-            </a:r>
-          </a:p>
-          <a:p>
-            <a:pPr>
-              <a:buNone/>
-            </a:pPr>
-            <a:r>
-              <a:rPr lang="en-US" b="1" dirty="0">
-                <a:latin typeface="Consolas" pitchFamily="49" charset="0"/>
-                <a:cs typeface="Consolas" pitchFamily="49" charset="0"/>
-              </a:rPr>
-              <a:t>       (equal? (first </a:t>
-            </a:r>
-            <a:r>
-              <a:rPr lang="en-US" b="1" dirty="0" err="1">
-                <a:latin typeface="Consolas" pitchFamily="49" charset="0"/>
-                <a:cs typeface="Consolas" pitchFamily="49" charset="0"/>
-              </a:rPr>
-              <a:t>sexp</a:t>
-            </a:r>
-            <a:r>
-              <a:rPr lang="en-US" b="1" dirty="0">
-                <a:latin typeface="Consolas" pitchFamily="49" charset="0"/>
-                <a:cs typeface="Consolas" pitchFamily="49" charset="0"/>
-              </a:rPr>
-              <a:t>) '-))))</a:t>
-            </a:r>
-          </a:p>
-        </p:txBody>
-      </p:sp>
-      <p:sp>
-        <p:nvSpPr>
-          <p:cNvPr id="5" name="Slide Number Placeholder 4"/>
-          <p:cNvSpPr>
-            <a:spLocks noGrp="1"/>
-          </p:cNvSpPr>
-          <p:nvPr>
-            <p:ph type="sldNum" sz="quarter" idx="12"/>
-          </p:nvPr>
-        </p:nvSpPr>
-        <p:spPr/>
-        <p:txBody>
-          <a:bodyPr/>
-          <a:lstStyle/>
-          <a:p>
-            <a:fld id="{9F4492BD-6A9C-48FC-AC76-0B4FE11194A1}" type="slidenum">
-              <a:rPr lang="en-US" smtClean="0"/>
-              <a:pPr/>
-              <a:t>60</a:t>
-            </a:fld>
-            <a:endParaRPr lang="en-US"/>
-          </a:p>
-        </p:txBody>
-      </p:sp>
-    </p:spTree>
-    <p:extLst>
-      <p:ext uri="{BB962C8B-B14F-4D97-AF65-F5344CB8AC3E}">
-        <p14:creationId xmlns:p14="http://schemas.microsoft.com/office/powerpoint/2010/main" val="2893092455"/>
-      </p:ext>
-    </p:extLst>
-  </p:cSld>
-  <p:clrMapOvr>
-    <a:masterClrMapping/>
-  </p:clrMapOvr>
-</p:sld>
-</file>
-
-<file path=ppt/slides/slide61.xml><?xml version="1.0" encoding="utf-8"?>
-<p:sld xmlns:a="http://schemas.openxmlformats.org/drawingml/2006/main" xmlns:r="http://schemas.openxmlformats.org/officeDocument/2006/relationships" xmlns:p="http://schemas.openxmlformats.org/presentationml/2006/main">
-  <p:cSld>
-    <p:spTree>
-      <p:nvGrpSpPr>
-        <p:cNvPr id="1" name=""/>
-        <p:cNvGrpSpPr/>
-        <p:nvPr/>
-      </p:nvGrpSpPr>
-      <p:grpSpPr>
-        <a:xfrm>
-          <a:off x="0" y="0"/>
-          <a:ext cx="0" cy="0"/>
-          <a:chOff x="0" y="0"/>
-          <a:chExt cx="0" cy="0"/>
-        </a:xfrm>
-      </p:grpSpPr>
-      <p:sp>
-        <p:nvSpPr>
-          <p:cNvPr id="2" name="Title 1"/>
-          <p:cNvSpPr>
-            <a:spLocks noGrp="1"/>
-          </p:cNvSpPr>
-          <p:nvPr>
-            <p:ph type="title"/>
-          </p:nvPr>
-        </p:nvSpPr>
-        <p:spPr/>
-        <p:txBody>
-          <a:bodyPr/>
-          <a:lstStyle/>
-          <a:p>
-            <a:r>
-              <a:rPr lang="en-US" dirty="0"/>
-              <a:t>Function Definition (3)</a:t>
-            </a:r>
-          </a:p>
-        </p:txBody>
-      </p:sp>
-      <p:sp>
-        <p:nvSpPr>
-          <p:cNvPr id="3" name="Content Placeholder 2"/>
-          <p:cNvSpPr>
-            <a:spLocks noGrp="1"/>
-          </p:cNvSpPr>
-          <p:nvPr>
-            <p:ph idx="1"/>
-          </p:nvPr>
-        </p:nvSpPr>
-        <p:spPr/>
-        <p:txBody>
-          <a:bodyPr>
-            <a:normAutofit/>
-          </a:bodyPr>
-          <a:lstStyle/>
-          <a:p>
-            <a:pPr>
-              <a:buNone/>
-            </a:pPr>
-            <a:r>
-              <a:rPr lang="en-US" sz="2400" b="1" dirty="0">
-                <a:latin typeface="Consolas" pitchFamily="49" charset="0"/>
-                <a:cs typeface="Consolas" pitchFamily="49" charset="0"/>
-              </a:rPr>
-              <a:t>;; succeeded? : </a:t>
-            </a:r>
-            <a:r>
-              <a:rPr lang="en-US" sz="2400" b="1" dirty="0" err="1">
-                <a:latin typeface="Consolas" pitchFamily="49" charset="0"/>
-                <a:cs typeface="Consolas" pitchFamily="49" charset="0"/>
-              </a:rPr>
-              <a:t>MaybeX</a:t>
-            </a:r>
-            <a:r>
-              <a:rPr lang="en-US" sz="2400" b="1" dirty="0">
-                <a:latin typeface="Consolas" pitchFamily="49" charset="0"/>
-                <a:cs typeface="Consolas" pitchFamily="49" charset="0"/>
-              </a:rPr>
-              <a:t> -&gt; Boolean</a:t>
-            </a:r>
-          </a:p>
-          <a:p>
-            <a:pPr>
-              <a:buNone/>
-            </a:pPr>
-            <a:r>
-              <a:rPr lang="en-US" sz="2400" b="1" dirty="0">
-                <a:latin typeface="Consolas" pitchFamily="49" charset="0"/>
-                <a:cs typeface="Consolas" pitchFamily="49" charset="0"/>
-              </a:rPr>
-              <a:t>;; RETURNS: Is the argument an X?</a:t>
-            </a:r>
-          </a:p>
-          <a:p>
-            <a:pPr>
-              <a:buNone/>
-            </a:pPr>
-            <a:r>
-              <a:rPr lang="en-US" sz="2400" b="1" dirty="0">
-                <a:latin typeface="Consolas" pitchFamily="49" charset="0"/>
-                <a:cs typeface="Consolas" pitchFamily="49" charset="0"/>
-              </a:rPr>
-              <a:t>;; strategy: Use the template for </a:t>
-            </a:r>
-            <a:r>
-              <a:rPr lang="en-US" sz="2400" b="1" dirty="0" err="1">
-                <a:latin typeface="Consolas" pitchFamily="49" charset="0"/>
-                <a:cs typeface="Consolas" pitchFamily="49" charset="0"/>
-              </a:rPr>
-              <a:t>MaybeX</a:t>
-            </a:r>
-            <a:endParaRPr lang="en-US" sz="2400" b="1" dirty="0">
-              <a:latin typeface="Consolas" pitchFamily="49" charset="0"/>
-              <a:cs typeface="Consolas" pitchFamily="49" charset="0"/>
-            </a:endParaRPr>
-          </a:p>
-          <a:p>
-            <a:pPr>
-              <a:buNone/>
-            </a:pPr>
-            <a:r>
-              <a:rPr lang="en-US" sz="2400" b="1" dirty="0">
-                <a:latin typeface="Consolas" pitchFamily="49" charset="0"/>
-                <a:cs typeface="Consolas" pitchFamily="49" charset="0"/>
-              </a:rPr>
-              <a:t>(define (succeeded? </a:t>
-            </a:r>
-            <a:r>
-              <a:rPr lang="en-US" sz="2400" b="1" dirty="0" err="1">
-                <a:latin typeface="Consolas" pitchFamily="49" charset="0"/>
-                <a:cs typeface="Consolas" pitchFamily="49" charset="0"/>
-              </a:rPr>
-              <a:t>mx</a:t>
-            </a:r>
-            <a:r>
-              <a:rPr lang="en-US" sz="2400" b="1" dirty="0">
-                <a:latin typeface="Consolas" pitchFamily="49" charset="0"/>
-                <a:cs typeface="Consolas" pitchFamily="49" charset="0"/>
-              </a:rPr>
-              <a:t>)</a:t>
-            </a:r>
-          </a:p>
-          <a:p>
-            <a:pPr>
-              <a:buNone/>
-            </a:pPr>
-            <a:r>
-              <a:rPr lang="en-US" sz="2400" b="1" dirty="0">
-                <a:latin typeface="Consolas" pitchFamily="49" charset="0"/>
-                <a:cs typeface="Consolas" pitchFamily="49" charset="0"/>
-              </a:rPr>
-              <a:t>  (</a:t>
-            </a:r>
-            <a:r>
-              <a:rPr lang="en-US" sz="2400" b="1" dirty="0" err="1">
-                <a:latin typeface="Consolas" pitchFamily="49" charset="0"/>
-                <a:cs typeface="Consolas" pitchFamily="49" charset="0"/>
-              </a:rPr>
-              <a:t>cond</a:t>
-            </a:r>
-            <a:endParaRPr lang="en-US" sz="2400" b="1" dirty="0">
-              <a:latin typeface="Consolas" pitchFamily="49" charset="0"/>
-              <a:cs typeface="Consolas" pitchFamily="49" charset="0"/>
-            </a:endParaRPr>
-          </a:p>
-          <a:p>
-            <a:pPr>
-              <a:buNone/>
-            </a:pPr>
-            <a:r>
-              <a:rPr lang="en-US" sz="2400" b="1" dirty="0">
-                <a:latin typeface="Consolas" pitchFamily="49" charset="0"/>
-                <a:cs typeface="Consolas" pitchFamily="49" charset="0"/>
-              </a:rPr>
-              <a:t>    [(false? </a:t>
-            </a:r>
-            <a:r>
-              <a:rPr lang="en-US" sz="2400" b="1" dirty="0" err="1">
-                <a:latin typeface="Consolas" pitchFamily="49" charset="0"/>
-                <a:cs typeface="Consolas" pitchFamily="49" charset="0"/>
-              </a:rPr>
-              <a:t>mx</a:t>
-            </a:r>
-            <a:r>
-              <a:rPr lang="en-US" sz="2400" b="1" dirty="0">
-                <a:latin typeface="Consolas" pitchFamily="49" charset="0"/>
-                <a:cs typeface="Consolas" pitchFamily="49" charset="0"/>
-              </a:rPr>
-              <a:t>) false]</a:t>
-            </a:r>
-          </a:p>
-          <a:p>
-            <a:pPr>
-              <a:buNone/>
-            </a:pPr>
-            <a:r>
-              <a:rPr lang="en-US" sz="2400" b="1" dirty="0">
-                <a:latin typeface="Consolas" pitchFamily="49" charset="0"/>
-                <a:cs typeface="Consolas" pitchFamily="49" charset="0"/>
-              </a:rPr>
-              <a:t>    [else true]))</a:t>
-            </a:r>
-          </a:p>
-        </p:txBody>
-      </p:sp>
-      <p:sp>
-        <p:nvSpPr>
-          <p:cNvPr id="5" name="Slide Number Placeholder 4"/>
-          <p:cNvSpPr>
-            <a:spLocks noGrp="1"/>
-          </p:cNvSpPr>
-          <p:nvPr>
-            <p:ph type="sldNum" sz="quarter" idx="12"/>
-          </p:nvPr>
-        </p:nvSpPr>
-        <p:spPr/>
-        <p:txBody>
-          <a:bodyPr/>
-          <a:lstStyle/>
-          <a:p>
-            <a:fld id="{9F4492BD-6A9C-48FC-AC76-0B4FE11194A1}" type="slidenum">
-              <a:rPr lang="en-US" smtClean="0"/>
-              <a:pPr/>
-              <a:t>61</a:t>
-            </a:fld>
-            <a:endParaRPr lang="en-US"/>
-          </a:p>
-        </p:txBody>
-      </p:sp>
-      <p:sp>
-        <p:nvSpPr>
-          <p:cNvPr id="4" name="Rectangle 3"/>
-          <p:cNvSpPr/>
-          <p:nvPr/>
-        </p:nvSpPr>
-        <p:spPr>
-          <a:xfrm>
-            <a:off x="4876800" y="5029200"/>
-            <a:ext cx="3200400" cy="990600"/>
-          </a:xfrm>
-          <a:prstGeom prst="rect">
-            <a:avLst/>
-          </a:prstGeom>
-          <a:solidFill>
-            <a:schemeClr val="accent1">
-              <a:lumMod val="20000"/>
-              <a:lumOff val="80000"/>
-            </a:schemeClr>
-          </a:solidFill>
-          <a:ln>
-            <a:noFill/>
-          </a:ln>
-        </p:spPr>
-        <p:style>
-          <a:lnRef idx="2">
-            <a:schemeClr val="accent1"/>
-          </a:lnRef>
-          <a:fillRef idx="1">
-            <a:schemeClr val="lt1"/>
-          </a:fillRef>
-          <a:effectRef idx="0">
-            <a:schemeClr val="accent1"/>
-          </a:effectRef>
-          <a:fontRef idx="minor">
-            <a:schemeClr val="dk1"/>
-          </a:fontRef>
-        </p:style>
-        <p:txBody>
-          <a:bodyPr rot="0" spcFirstLastPara="0" vertOverflow="overflow" horzOverflow="overflow" vert="horz" wrap="square" lIns="91440" tIns="45720" rIns="91440" bIns="45720" numCol="1" spcCol="0" rtlCol="0" fromWordArt="0" anchor="ctr" anchorCtr="0" forceAA="0" compatLnSpc="1">
-            <a:prstTxWarp prst="textNoShape">
-              <a:avLst/>
-            </a:prstTxWarp>
-            <a:noAutofit/>
-          </a:bodyPr>
-          <a:lstStyle/>
-          <a:p>
-            <a:r>
-              <a:rPr lang="en-US" sz="2000" dirty="0"/>
-              <a:t>And we finish with the help function </a:t>
-            </a:r>
-            <a:r>
-              <a:rPr lang="en-US" sz="2000" b="1" dirty="0"/>
-              <a:t>succeeded? </a:t>
-            </a:r>
-            <a:r>
-              <a:rPr lang="en-US" sz="2000" dirty="0"/>
-              <a:t>.</a:t>
-            </a:r>
-          </a:p>
-        </p:txBody>
-      </p:sp>
-    </p:spTree>
-    <p:extLst>
-      <p:ext uri="{BB962C8B-B14F-4D97-AF65-F5344CB8AC3E}">
-        <p14:creationId xmlns:p14="http://schemas.microsoft.com/office/powerpoint/2010/main" val="2566907951"/>
-      </p:ext>
-    </p:extLst>
-  </p:cSld>
-  <p:clrMapOvr>
-    <a:masterClrMapping/>
-  </p:clrMapOvr>
-</p:sld>
-</file>
-
-<file path=ppt/slides/slide62.xml><?xml version="1.0" encoding="utf-8"?>
-<p:sld xmlns:a="http://schemas.openxmlformats.org/drawingml/2006/main" xmlns:r="http://schemas.openxmlformats.org/officeDocument/2006/relationships" xmlns:p="http://schemas.openxmlformats.org/presentationml/2006/main">
-  <p:cSld>
-    <p:spTree>
-      <p:nvGrpSpPr>
-        <p:cNvPr id="1" name=""/>
-        <p:cNvGrpSpPr/>
-        <p:nvPr/>
-      </p:nvGrpSpPr>
-      <p:grpSpPr>
-        <a:xfrm>
-          <a:off x="0" y="0"/>
-          <a:ext cx="0" cy="0"/>
-          <a:chOff x="0" y="0"/>
-          <a:chExt cx="0" cy="0"/>
-        </a:xfrm>
-      </p:grpSpPr>
-      <p:sp>
-        <p:nvSpPr>
-          <p:cNvPr id="2" name="Title 1"/>
-          <p:cNvSpPr>
-            <a:spLocks noGrp="1"/>
-          </p:cNvSpPr>
-          <p:nvPr>
-            <p:ph type="title"/>
-          </p:nvPr>
-        </p:nvSpPr>
-        <p:spPr/>
-        <p:txBody>
-          <a:bodyPr/>
-          <a:lstStyle/>
-          <a:p>
-            <a:r>
-              <a:rPr lang="en-US" dirty="0"/>
-              <a:t>Something new happened here</a:t>
-            </a:r>
-          </a:p>
-        </p:txBody>
-      </p:sp>
-      <p:sp>
-        <p:nvSpPr>
-          <p:cNvPr id="3" name="Content Placeholder 2"/>
-          <p:cNvSpPr>
-            <a:spLocks noGrp="1"/>
-          </p:cNvSpPr>
-          <p:nvPr>
-            <p:ph idx="1"/>
-          </p:nvPr>
-        </p:nvSpPr>
-        <p:spPr/>
-        <p:txBody>
-          <a:bodyPr>
-            <a:normAutofit fontScale="92500" lnSpcReduction="10000"/>
-          </a:bodyPr>
-          <a:lstStyle/>
-          <a:p>
-            <a:r>
-              <a:rPr lang="en-US" dirty="0"/>
-              <a:t>We recurred on </a:t>
-            </a:r>
-            <a:r>
-              <a:rPr lang="en-US" dirty="0" err="1"/>
-              <a:t>subpieces</a:t>
-            </a:r>
-            <a:r>
-              <a:rPr lang="en-US" dirty="0"/>
-              <a:t>.  </a:t>
-            </a:r>
-          </a:p>
-          <a:p>
-            <a:r>
-              <a:rPr lang="en-US" dirty="0"/>
-              <a:t>Each </a:t>
-            </a:r>
-            <a:r>
-              <a:rPr lang="en-US" dirty="0" err="1"/>
-              <a:t>subpiece</a:t>
-            </a:r>
-            <a:r>
-              <a:rPr lang="en-US" dirty="0"/>
-              <a:t> is smaller than the original</a:t>
-            </a:r>
-          </a:p>
-          <a:p>
-            <a:r>
-              <a:rPr lang="en-US" dirty="0"/>
-              <a:t>BUT:</a:t>
-            </a:r>
-          </a:p>
-          <a:p>
-            <a:pPr lvl="1"/>
-            <a:r>
-              <a:rPr lang="en-US" dirty="0"/>
-              <a:t>we didn't use the predicates from the template</a:t>
-            </a:r>
-          </a:p>
-          <a:p>
-            <a:pPr lvl="1"/>
-            <a:r>
-              <a:rPr lang="en-US" dirty="0"/>
-              <a:t>we didn't recur on all of the </a:t>
-            </a:r>
-            <a:r>
-              <a:rPr lang="en-US" dirty="0" err="1"/>
-              <a:t>subpieces</a:t>
-            </a:r>
-            <a:endParaRPr lang="en-US" dirty="0"/>
-          </a:p>
-          <a:p>
-            <a:r>
-              <a:rPr lang="en-US" dirty="0"/>
-              <a:t>So this is not structural recursion following the template.</a:t>
-            </a:r>
-          </a:p>
-          <a:p>
-            <a:r>
-              <a:rPr lang="en-US" dirty="0"/>
-              <a:t>It's more like "divide-and-conquer"</a:t>
-            </a:r>
-          </a:p>
-          <a:p>
-            <a:r>
-              <a:rPr lang="en-US" dirty="0"/>
-              <a:t>We call this </a:t>
-            </a:r>
-            <a:r>
-              <a:rPr lang="en-US" i="1" dirty="0">
-                <a:solidFill>
-                  <a:srgbClr val="FF0000"/>
-                </a:solidFill>
-              </a:rPr>
-              <a:t>general recursion</a:t>
-            </a:r>
-            <a:r>
-              <a:rPr lang="en-US" dirty="0"/>
-              <a:t>.</a:t>
-            </a:r>
-          </a:p>
-        </p:txBody>
-      </p:sp>
-      <p:sp>
-        <p:nvSpPr>
-          <p:cNvPr id="4" name="Slide Number Placeholder 3"/>
-          <p:cNvSpPr>
-            <a:spLocks noGrp="1"/>
-          </p:cNvSpPr>
-          <p:nvPr>
-            <p:ph type="sldNum" sz="quarter" idx="12"/>
-          </p:nvPr>
-        </p:nvSpPr>
-        <p:spPr/>
-        <p:txBody>
-          <a:bodyPr/>
-          <a:lstStyle/>
-          <a:p>
-            <a:fld id="{9F4492BD-6A9C-48FC-AC76-0B4FE11194A1}" type="slidenum">
-              <a:rPr lang="en-US" smtClean="0"/>
-              <a:pPr/>
-              <a:t>62</a:t>
-            </a:fld>
-            <a:endParaRPr lang="en-US"/>
-          </a:p>
-        </p:txBody>
-      </p:sp>
-    </p:spTree>
-    <p:extLst>
-      <p:ext uri="{BB962C8B-B14F-4D97-AF65-F5344CB8AC3E}">
-        <p14:creationId xmlns:p14="http://schemas.microsoft.com/office/powerpoint/2010/main" val="37503857"/>
-      </p:ext>
-    </p:extLst>
-  </p:cSld>
-  <p:clrMapOvr>
-    <a:masterClrMapping/>
-  </p:clrMapOvr>
-</p:sld>
-</file>
-
-<file path=ppt/slides/slide63.xml><?xml version="1.0" encoding="utf-8"?>
-<p:sld xmlns:a="http://schemas.openxmlformats.org/drawingml/2006/main" xmlns:r="http://schemas.openxmlformats.org/officeDocument/2006/relationships" xmlns:p="http://schemas.openxmlformats.org/presentationml/2006/main">
-  <p:cSld>
-    <p:spTree>
-      <p:nvGrpSpPr>
-        <p:cNvPr id="1" name=""/>
-        <p:cNvGrpSpPr/>
-        <p:nvPr/>
-      </p:nvGrpSpPr>
-      <p:grpSpPr>
-        <a:xfrm>
-          <a:off x="0" y="0"/>
-          <a:ext cx="0" cy="0"/>
-          <a:chOff x="0" y="0"/>
-          <a:chExt cx="0" cy="0"/>
-        </a:xfrm>
-      </p:grpSpPr>
-      <p:sp>
-        <p:nvSpPr>
-          <p:cNvPr id="2" name="Title 1"/>
-          <p:cNvSpPr>
-            <a:spLocks noGrp="1"/>
-          </p:cNvSpPr>
-          <p:nvPr>
-            <p:ph type="title"/>
-          </p:nvPr>
-        </p:nvSpPr>
-        <p:spPr/>
-        <p:txBody>
-          <a:bodyPr>
-            <a:normAutofit fontScale="90000"/>
-          </a:bodyPr>
-          <a:lstStyle/>
-          <a:p>
-            <a:r>
-              <a:rPr lang="en-US" dirty="0"/>
-              <a:t>Let's see if our code matches this description</a:t>
-            </a:r>
-          </a:p>
-        </p:txBody>
-      </p:sp>
-      <p:sp>
-        <p:nvSpPr>
-          <p:cNvPr id="3" name="Content Placeholder 2"/>
-          <p:cNvSpPr>
-            <a:spLocks noGrp="1"/>
-          </p:cNvSpPr>
-          <p:nvPr>
-            <p:ph idx="1"/>
-          </p:nvPr>
-        </p:nvSpPr>
-        <p:spPr/>
-        <p:txBody>
-          <a:bodyPr>
-            <a:normAutofit fontScale="47500" lnSpcReduction="20000"/>
-          </a:bodyPr>
-          <a:lstStyle/>
-          <a:p>
-            <a:pPr>
-              <a:buNone/>
-            </a:pPr>
-            <a:r>
-              <a:rPr lang="en-US" b="1" dirty="0">
-                <a:latin typeface="Consolas" pitchFamily="49" charset="0"/>
-                <a:cs typeface="Consolas" pitchFamily="49" charset="0"/>
-              </a:rPr>
-              <a:t>;; decode : </a:t>
-            </a:r>
-            <a:r>
-              <a:rPr lang="en-US" b="1" dirty="0" err="1">
-                <a:latin typeface="Consolas" pitchFamily="49" charset="0"/>
-                <a:cs typeface="Consolas" pitchFamily="49" charset="0"/>
-              </a:rPr>
-              <a:t>SexpOfAtom</a:t>
-            </a:r>
-            <a:r>
-              <a:rPr lang="en-US" b="1" dirty="0">
-                <a:latin typeface="Consolas" pitchFamily="49" charset="0"/>
-                <a:cs typeface="Consolas" pitchFamily="49" charset="0"/>
-              </a:rPr>
-              <a:t> -&gt; </a:t>
-            </a:r>
-            <a:r>
-              <a:rPr lang="en-US" b="1" dirty="0" err="1">
-                <a:latin typeface="Consolas" pitchFamily="49" charset="0"/>
-                <a:cs typeface="Consolas" pitchFamily="49" charset="0"/>
-              </a:rPr>
-              <a:t>MaybeDiffExp</a:t>
-            </a:r>
-            <a:endParaRPr lang="en-US" b="1" dirty="0">
-              <a:latin typeface="Consolas" pitchFamily="49" charset="0"/>
-              <a:cs typeface="Consolas" pitchFamily="49" charset="0"/>
-            </a:endParaRPr>
-          </a:p>
-          <a:p>
-            <a:pPr>
-              <a:buNone/>
-            </a:pPr>
-            <a:r>
-              <a:rPr lang="en-US" b="1" dirty="0">
-                <a:latin typeface="Consolas" pitchFamily="49" charset="0"/>
-                <a:cs typeface="Consolas" pitchFamily="49" charset="0"/>
-              </a:rPr>
-              <a:t>;; STRATEGY: if the top level of </a:t>
-            </a:r>
-            <a:r>
-              <a:rPr lang="en-US" b="1" dirty="0" err="1">
-                <a:latin typeface="Consolas" pitchFamily="49" charset="0"/>
-                <a:cs typeface="Consolas" pitchFamily="49" charset="0"/>
-              </a:rPr>
-              <a:t>sexp</a:t>
-            </a:r>
-            <a:r>
-              <a:rPr lang="en-US" b="1" dirty="0">
-                <a:latin typeface="Consolas" pitchFamily="49" charset="0"/>
-                <a:cs typeface="Consolas" pitchFamily="49" charset="0"/>
-              </a:rPr>
-              <a:t> could be the top level of</a:t>
-            </a:r>
-          </a:p>
-          <a:p>
-            <a:pPr>
-              <a:buNone/>
-            </a:pPr>
-            <a:r>
-              <a:rPr lang="en-US" b="1" dirty="0">
-                <a:latin typeface="Consolas" pitchFamily="49" charset="0"/>
-                <a:cs typeface="Consolas" pitchFamily="49" charset="0"/>
-              </a:rPr>
-              <a:t>;; a </a:t>
-            </a:r>
-            <a:r>
-              <a:rPr lang="en-US" b="1" dirty="0" err="1">
-                <a:latin typeface="Consolas" pitchFamily="49" charset="0"/>
-                <a:cs typeface="Consolas" pitchFamily="49" charset="0"/>
-              </a:rPr>
-              <a:t>diffexp</a:t>
-            </a:r>
-            <a:r>
-              <a:rPr lang="en-US" b="1" dirty="0">
-                <a:latin typeface="Consolas" pitchFamily="49" charset="0"/>
-                <a:cs typeface="Consolas" pitchFamily="49" charset="0"/>
-              </a:rPr>
-              <a:t>, recur on 2nd and 3rd elements. If either recursion</a:t>
-            </a:r>
-          </a:p>
-          <a:p>
-            <a:pPr>
-              <a:buNone/>
-            </a:pPr>
-            <a:r>
-              <a:rPr lang="en-US" b="1" dirty="0">
-                <a:latin typeface="Consolas" pitchFamily="49" charset="0"/>
-                <a:cs typeface="Consolas" pitchFamily="49" charset="0"/>
-              </a:rPr>
-              <a:t>;; fails, return false.  If both recursions succeed, return the </a:t>
-            </a:r>
-            <a:r>
-              <a:rPr lang="en-US" b="1" dirty="0" err="1">
-                <a:latin typeface="Consolas" pitchFamily="49" charset="0"/>
-                <a:cs typeface="Consolas" pitchFamily="49" charset="0"/>
-              </a:rPr>
-              <a:t>diffexp</a:t>
-            </a:r>
-            <a:r>
-              <a:rPr lang="en-US" b="1" dirty="0">
-                <a:latin typeface="Consolas" pitchFamily="49" charset="0"/>
-                <a:cs typeface="Consolas" pitchFamily="49" charset="0"/>
-              </a:rPr>
-              <a:t>.</a:t>
-            </a:r>
-          </a:p>
-          <a:p>
-            <a:pPr>
-              <a:buNone/>
-            </a:pPr>
-            <a:r>
-              <a:rPr lang="en-US" b="1" dirty="0">
-                <a:latin typeface="Consolas" pitchFamily="49" charset="0"/>
-                <a:cs typeface="Consolas" pitchFamily="49" charset="0"/>
-              </a:rPr>
-              <a:t>;; HALTING MEASURE: # of atoms in </a:t>
-            </a:r>
-            <a:r>
-              <a:rPr lang="en-US" b="1" dirty="0" err="1">
-                <a:latin typeface="Consolas" pitchFamily="49" charset="0"/>
-                <a:cs typeface="Consolas" pitchFamily="49" charset="0"/>
-              </a:rPr>
-              <a:t>sexp</a:t>
-            </a:r>
-            <a:endParaRPr lang="en-US" b="1" dirty="0">
-              <a:latin typeface="Consolas" pitchFamily="49" charset="0"/>
-              <a:cs typeface="Consolas" pitchFamily="49" charset="0"/>
-            </a:endParaRPr>
-          </a:p>
-          <a:p>
-            <a:pPr>
-              <a:buNone/>
-            </a:pPr>
-            <a:endParaRPr lang="en-US" b="1" dirty="0">
-              <a:latin typeface="Consolas" pitchFamily="49" charset="0"/>
-              <a:cs typeface="Consolas" pitchFamily="49" charset="0"/>
-            </a:endParaRPr>
-          </a:p>
-          <a:p>
-            <a:pPr>
-              <a:buNone/>
-            </a:pPr>
-            <a:r>
-              <a:rPr lang="en-US" b="1" dirty="0">
-                <a:latin typeface="Consolas" pitchFamily="49" charset="0"/>
-                <a:cs typeface="Consolas" pitchFamily="49" charset="0"/>
-              </a:rPr>
-              <a:t>(define (decode </a:t>
-            </a:r>
-            <a:r>
-              <a:rPr lang="en-US" b="1" dirty="0" err="1">
-                <a:latin typeface="Consolas" pitchFamily="49" charset="0"/>
-                <a:cs typeface="Consolas" pitchFamily="49" charset="0"/>
-              </a:rPr>
-              <a:t>sexp</a:t>
-            </a:r>
-            <a:r>
-              <a:rPr lang="en-US" b="1" dirty="0">
-                <a:latin typeface="Consolas" pitchFamily="49" charset="0"/>
-                <a:cs typeface="Consolas" pitchFamily="49" charset="0"/>
-              </a:rPr>
-              <a:t>)</a:t>
-            </a:r>
-          </a:p>
-          <a:p>
-            <a:pPr>
-              <a:buNone/>
-            </a:pPr>
-            <a:r>
-              <a:rPr lang="en-US" b="1" dirty="0">
-                <a:latin typeface="Consolas" pitchFamily="49" charset="0"/>
-                <a:cs typeface="Consolas" pitchFamily="49" charset="0"/>
-              </a:rPr>
-              <a:t>  (cond</a:t>
-            </a:r>
-          </a:p>
-          <a:p>
-            <a:pPr>
-              <a:buNone/>
-            </a:pPr>
-            <a:r>
-              <a:rPr lang="en-US" b="1" dirty="0">
-                <a:latin typeface="Consolas" pitchFamily="49" charset="0"/>
-                <a:cs typeface="Consolas" pitchFamily="49" charset="0"/>
-              </a:rPr>
-              <a:t>    [(not (could-be-</a:t>
-            </a:r>
-            <a:r>
-              <a:rPr lang="en-US" b="1" dirty="0" err="1">
-                <a:latin typeface="Consolas" pitchFamily="49" charset="0"/>
-                <a:cs typeface="Consolas" pitchFamily="49" charset="0"/>
-              </a:rPr>
-              <a:t>toplevel</a:t>
-            </a:r>
-            <a:r>
-              <a:rPr lang="en-US" b="1" dirty="0">
-                <a:latin typeface="Consolas" pitchFamily="49" charset="0"/>
-                <a:cs typeface="Consolas" pitchFamily="49" charset="0"/>
-              </a:rPr>
-              <a:t>-of-</a:t>
-            </a:r>
-            <a:r>
-              <a:rPr lang="en-US" b="1" dirty="0" err="1">
-                <a:latin typeface="Consolas" pitchFamily="49" charset="0"/>
-                <a:cs typeface="Consolas" pitchFamily="49" charset="0"/>
-              </a:rPr>
-              <a:t>diffexp</a:t>
-            </a:r>
-            <a:r>
-              <a:rPr lang="en-US" b="1" dirty="0">
-                <a:latin typeface="Consolas" pitchFamily="49" charset="0"/>
-                <a:cs typeface="Consolas" pitchFamily="49" charset="0"/>
-              </a:rPr>
-              <a:t>? </a:t>
-            </a:r>
-            <a:r>
-              <a:rPr lang="en-US" b="1" dirty="0" err="1">
-                <a:latin typeface="Consolas" pitchFamily="49" charset="0"/>
-                <a:cs typeface="Consolas" pitchFamily="49" charset="0"/>
-              </a:rPr>
-              <a:t>sexp</a:t>
-            </a:r>
-            <a:r>
-              <a:rPr lang="en-US" b="1" dirty="0">
-                <a:latin typeface="Consolas" pitchFamily="49" charset="0"/>
-                <a:cs typeface="Consolas" pitchFamily="49" charset="0"/>
-              </a:rPr>
-              <a:t>)) false]</a:t>
-            </a:r>
-          </a:p>
-          <a:p>
-            <a:pPr>
-              <a:buNone/>
-            </a:pPr>
-            <a:r>
-              <a:rPr lang="en-US" b="1" dirty="0">
-                <a:latin typeface="Consolas" pitchFamily="49" charset="0"/>
-                <a:cs typeface="Consolas" pitchFamily="49" charset="0"/>
-              </a:rPr>
-              <a:t>    [(number? </a:t>
-            </a:r>
-            <a:r>
-              <a:rPr lang="en-US" b="1" dirty="0" err="1">
-                <a:latin typeface="Consolas" pitchFamily="49" charset="0"/>
-                <a:cs typeface="Consolas" pitchFamily="49" charset="0"/>
-              </a:rPr>
-              <a:t>sexp</a:t>
-            </a:r>
-            <a:r>
-              <a:rPr lang="en-US" b="1" dirty="0">
-                <a:latin typeface="Consolas" pitchFamily="49" charset="0"/>
-                <a:cs typeface="Consolas" pitchFamily="49" charset="0"/>
-              </a:rPr>
-              <a:t>) </a:t>
-            </a:r>
-            <a:r>
-              <a:rPr lang="en-US" b="1" dirty="0" err="1">
-                <a:latin typeface="Consolas" pitchFamily="49" charset="0"/>
-                <a:cs typeface="Consolas" pitchFamily="49" charset="0"/>
-              </a:rPr>
-              <a:t>sexp</a:t>
-            </a:r>
-            <a:r>
-              <a:rPr lang="en-US" b="1" dirty="0">
-                <a:latin typeface="Consolas" pitchFamily="49" charset="0"/>
-                <a:cs typeface="Consolas" pitchFamily="49" charset="0"/>
-              </a:rPr>
-              <a:t>]</a:t>
-            </a:r>
-          </a:p>
-          <a:p>
-            <a:pPr>
-              <a:buNone/>
-            </a:pPr>
-            <a:r>
-              <a:rPr lang="en-US" b="1" dirty="0">
-                <a:latin typeface="Consolas" pitchFamily="49" charset="0"/>
-                <a:cs typeface="Consolas" pitchFamily="49" charset="0"/>
-              </a:rPr>
-              <a:t>    [else</a:t>
-            </a:r>
-          </a:p>
-          <a:p>
-            <a:pPr>
-              <a:buNone/>
-            </a:pPr>
-            <a:r>
-              <a:rPr lang="en-US" b="1" dirty="0">
-                <a:latin typeface="Consolas" pitchFamily="49" charset="0"/>
-                <a:cs typeface="Consolas" pitchFamily="49" charset="0"/>
-              </a:rPr>
-              <a:t>     (local</a:t>
-            </a:r>
-          </a:p>
-          <a:p>
-            <a:pPr>
-              <a:buNone/>
-            </a:pPr>
-            <a:r>
-              <a:rPr lang="en-US" b="1" dirty="0">
-                <a:latin typeface="Consolas" pitchFamily="49" charset="0"/>
-                <a:cs typeface="Consolas" pitchFamily="49" charset="0"/>
-              </a:rPr>
-              <a:t>       ((define operand1 (decode (second </a:t>
-            </a:r>
-            <a:r>
-              <a:rPr lang="en-US" b="1" dirty="0" err="1">
-                <a:latin typeface="Consolas" pitchFamily="49" charset="0"/>
-                <a:cs typeface="Consolas" pitchFamily="49" charset="0"/>
-              </a:rPr>
-              <a:t>sexp</a:t>
-            </a:r>
-            <a:r>
-              <a:rPr lang="en-US" b="1" dirty="0">
-                <a:latin typeface="Consolas" pitchFamily="49" charset="0"/>
-                <a:cs typeface="Consolas" pitchFamily="49" charset="0"/>
-              </a:rPr>
-              <a:t>)))</a:t>
-            </a:r>
-          </a:p>
-          <a:p>
-            <a:pPr>
-              <a:buNone/>
-            </a:pPr>
-            <a:r>
-              <a:rPr lang="en-US" b="1" dirty="0">
-                <a:latin typeface="Consolas" pitchFamily="49" charset="0"/>
-                <a:cs typeface="Consolas" pitchFamily="49" charset="0"/>
-              </a:rPr>
-              <a:t>        (define operand2 (decode (third </a:t>
-            </a:r>
-            <a:r>
-              <a:rPr lang="en-US" b="1" dirty="0" err="1">
-                <a:latin typeface="Consolas" pitchFamily="49" charset="0"/>
-                <a:cs typeface="Consolas" pitchFamily="49" charset="0"/>
-              </a:rPr>
-              <a:t>sexp</a:t>
-            </a:r>
-            <a:r>
-              <a:rPr lang="en-US" b="1" dirty="0">
-                <a:latin typeface="Consolas" pitchFamily="49" charset="0"/>
-                <a:cs typeface="Consolas" pitchFamily="49" charset="0"/>
-              </a:rPr>
-              <a:t>))))</a:t>
-            </a:r>
-          </a:p>
-          <a:p>
-            <a:pPr>
-              <a:buNone/>
-            </a:pPr>
-            <a:r>
-              <a:rPr lang="en-US" b="1" dirty="0">
-                <a:latin typeface="Consolas" pitchFamily="49" charset="0"/>
-                <a:cs typeface="Consolas" pitchFamily="49" charset="0"/>
-              </a:rPr>
-              <a:t>       (if (and (succeeded? operand1)</a:t>
-            </a:r>
-          </a:p>
-          <a:p>
-            <a:pPr>
-              <a:buNone/>
-            </a:pPr>
-            <a:r>
-              <a:rPr lang="en-US" b="1" dirty="0">
-                <a:latin typeface="Consolas" pitchFamily="49" charset="0"/>
-                <a:cs typeface="Consolas" pitchFamily="49" charset="0"/>
-              </a:rPr>
-              <a:t>                (succeeded? operand2))</a:t>
-            </a:r>
-          </a:p>
-          <a:p>
-            <a:pPr>
-              <a:buNone/>
-            </a:pPr>
-            <a:r>
-              <a:rPr lang="en-US" b="1" dirty="0">
-                <a:latin typeface="Consolas" pitchFamily="49" charset="0"/>
-                <a:cs typeface="Consolas" pitchFamily="49" charset="0"/>
-              </a:rPr>
-              <a:t>           (make-</a:t>
-            </a:r>
-            <a:r>
-              <a:rPr lang="en-US" b="1" dirty="0" err="1">
-                <a:latin typeface="Consolas" pitchFamily="49" charset="0"/>
-                <a:cs typeface="Consolas" pitchFamily="49" charset="0"/>
-              </a:rPr>
-              <a:t>diffexp</a:t>
-            </a:r>
-            <a:r>
-              <a:rPr lang="en-US" b="1" dirty="0">
-                <a:latin typeface="Consolas" pitchFamily="49" charset="0"/>
-                <a:cs typeface="Consolas" pitchFamily="49" charset="0"/>
-              </a:rPr>
-              <a:t> operand1 operand2)</a:t>
-            </a:r>
-          </a:p>
-          <a:p>
-            <a:pPr>
-              <a:buNone/>
-            </a:pPr>
-            <a:r>
-              <a:rPr lang="en-US" b="1" dirty="0">
-                <a:latin typeface="Consolas" pitchFamily="49" charset="0"/>
-                <a:cs typeface="Consolas" pitchFamily="49" charset="0"/>
-              </a:rPr>
-              <a:t>           false))]))</a:t>
-            </a:r>
-          </a:p>
-        </p:txBody>
-      </p:sp>
-      <p:sp>
-        <p:nvSpPr>
-          <p:cNvPr id="5" name="Slide Number Placeholder 4"/>
-          <p:cNvSpPr>
-            <a:spLocks noGrp="1"/>
-          </p:cNvSpPr>
-          <p:nvPr>
-            <p:ph type="sldNum" sz="quarter" idx="12"/>
-          </p:nvPr>
-        </p:nvSpPr>
-        <p:spPr/>
-        <p:txBody>
-          <a:bodyPr/>
-          <a:lstStyle/>
-          <a:p>
-            <a:fld id="{9F4492BD-6A9C-48FC-AC76-0B4FE11194A1}" type="slidenum">
-              <a:rPr lang="en-US" smtClean="0"/>
-              <a:pPr/>
-              <a:t>63</a:t>
-            </a:fld>
-            <a:endParaRPr lang="en-US"/>
-          </a:p>
-        </p:txBody>
-      </p:sp>
-      <p:sp>
-        <p:nvSpPr>
-          <p:cNvPr id="4" name="Rectangle 3"/>
-          <p:cNvSpPr/>
-          <p:nvPr/>
-        </p:nvSpPr>
-        <p:spPr>
-          <a:xfrm>
-            <a:off x="6679346" y="3024274"/>
-            <a:ext cx="1554736" cy="457200"/>
-          </a:xfrm>
-          <a:prstGeom prst="rect">
-            <a:avLst/>
-          </a:prstGeom>
-          <a:solidFill>
-            <a:schemeClr val="accent1">
-              <a:lumMod val="20000"/>
-              <a:lumOff val="80000"/>
-            </a:schemeClr>
-          </a:solidFill>
-          <a:ln>
-            <a:noFill/>
-          </a:ln>
-        </p:spPr>
-        <p:style>
-          <a:lnRef idx="2">
-            <a:schemeClr val="accent1"/>
-          </a:lnRef>
-          <a:fillRef idx="1">
-            <a:schemeClr val="lt1"/>
-          </a:fillRef>
-          <a:effectRef idx="0">
-            <a:schemeClr val="accent1"/>
-          </a:effectRef>
-          <a:fontRef idx="minor">
-            <a:schemeClr val="dk1"/>
-          </a:fontRef>
-        </p:style>
-        <p:txBody>
-          <a:bodyPr rot="0" spcFirstLastPara="0" vertOverflow="overflow" horzOverflow="overflow" vert="horz" wrap="square" lIns="91440" tIns="45720" rIns="91440" bIns="45720" numCol="1" spcCol="0" rtlCol="0" fromWordArt="0" anchor="ctr" anchorCtr="0" forceAA="0" compatLnSpc="1">
-            <a:prstTxWarp prst="textNoShape">
-              <a:avLst/>
-            </a:prstTxWarp>
-            <a:noAutofit/>
-          </a:bodyPr>
-          <a:lstStyle/>
-          <a:p>
-            <a:r>
-              <a:rPr lang="en-US" sz="2000" dirty="0"/>
-              <a:t>Easy Case #1</a:t>
-            </a:r>
-          </a:p>
-        </p:txBody>
-      </p:sp>
-      <p:sp>
-        <p:nvSpPr>
-          <p:cNvPr id="6" name="Rectangle 5"/>
-          <p:cNvSpPr/>
-          <p:nvPr/>
-        </p:nvSpPr>
-        <p:spPr>
-          <a:xfrm>
-            <a:off x="6661417" y="3634581"/>
-            <a:ext cx="1554736" cy="457200"/>
-          </a:xfrm>
-          <a:prstGeom prst="rect">
-            <a:avLst/>
-          </a:prstGeom>
-          <a:solidFill>
-            <a:schemeClr val="accent1">
-              <a:lumMod val="20000"/>
-              <a:lumOff val="80000"/>
-            </a:schemeClr>
-          </a:solidFill>
-          <a:ln>
-            <a:noFill/>
-          </a:ln>
-        </p:spPr>
-        <p:style>
-          <a:lnRef idx="2">
-            <a:schemeClr val="accent1"/>
-          </a:lnRef>
-          <a:fillRef idx="1">
-            <a:schemeClr val="lt1"/>
-          </a:fillRef>
-          <a:effectRef idx="0">
-            <a:schemeClr val="accent1"/>
-          </a:effectRef>
-          <a:fontRef idx="minor">
-            <a:schemeClr val="dk1"/>
-          </a:fontRef>
-        </p:style>
-        <p:txBody>
-          <a:bodyPr rot="0" spcFirstLastPara="0" vertOverflow="overflow" horzOverflow="overflow" vert="horz" wrap="square" lIns="91440" tIns="45720" rIns="91440" bIns="45720" numCol="1" spcCol="0" rtlCol="0" fromWordArt="0" anchor="ctr" anchorCtr="0" forceAA="0" compatLnSpc="1">
-            <a:prstTxWarp prst="textNoShape">
-              <a:avLst/>
-            </a:prstTxWarp>
-            <a:noAutofit/>
-          </a:bodyPr>
-          <a:lstStyle/>
-          <a:p>
-            <a:r>
-              <a:rPr lang="en-US" sz="2000" dirty="0"/>
-              <a:t>Easy Case #2</a:t>
-            </a:r>
-          </a:p>
-        </p:txBody>
-      </p:sp>
-      <p:sp>
-        <p:nvSpPr>
-          <p:cNvPr id="7" name="Rectangle 6"/>
-          <p:cNvSpPr/>
-          <p:nvPr/>
-        </p:nvSpPr>
-        <p:spPr>
-          <a:xfrm>
-            <a:off x="6661417" y="4274343"/>
-            <a:ext cx="1554736" cy="697613"/>
-          </a:xfrm>
-          <a:prstGeom prst="rect">
-            <a:avLst/>
-          </a:prstGeom>
-          <a:solidFill>
-            <a:schemeClr val="accent1">
-              <a:lumMod val="20000"/>
-              <a:lumOff val="80000"/>
-            </a:schemeClr>
-          </a:solidFill>
-          <a:ln>
-            <a:noFill/>
-          </a:ln>
-        </p:spPr>
-        <p:style>
-          <a:lnRef idx="2">
-            <a:schemeClr val="accent1"/>
-          </a:lnRef>
-          <a:fillRef idx="1">
-            <a:schemeClr val="lt1"/>
-          </a:fillRef>
-          <a:effectRef idx="0">
-            <a:schemeClr val="accent1"/>
-          </a:effectRef>
-          <a:fontRef idx="minor">
-            <a:schemeClr val="dk1"/>
-          </a:fontRef>
-        </p:style>
-        <p:txBody>
-          <a:bodyPr rot="0" spcFirstLastPara="0" vertOverflow="overflow" horzOverflow="overflow" vert="horz" wrap="square" lIns="91440" tIns="45720" rIns="91440" bIns="45720" numCol="1" spcCol="0" rtlCol="0" fromWordArt="0" anchor="ctr" anchorCtr="0" forceAA="0" compatLnSpc="1">
-            <a:prstTxWarp prst="textNoShape">
-              <a:avLst/>
-            </a:prstTxWarp>
-            <a:noAutofit/>
-          </a:bodyPr>
-          <a:lstStyle/>
-          <a:p>
-            <a:pPr algn="ctr"/>
-            <a:r>
-              <a:rPr lang="en-US" sz="2000" dirty="0"/>
-              <a:t>Solve the </a:t>
-            </a:r>
-            <a:r>
-              <a:rPr lang="en-US" sz="2000" dirty="0" err="1"/>
-              <a:t>subproblems</a:t>
-            </a:r>
-            <a:endParaRPr lang="en-US" sz="2000" dirty="0"/>
-          </a:p>
-        </p:txBody>
-      </p:sp>
-      <p:sp>
-        <p:nvSpPr>
-          <p:cNvPr id="8" name="Rectangle 7"/>
-          <p:cNvSpPr/>
-          <p:nvPr/>
-        </p:nvSpPr>
-        <p:spPr>
-          <a:xfrm>
-            <a:off x="6624598" y="5094227"/>
-            <a:ext cx="1554736" cy="697613"/>
-          </a:xfrm>
-          <a:prstGeom prst="rect">
-            <a:avLst/>
-          </a:prstGeom>
-          <a:solidFill>
-            <a:schemeClr val="accent1">
-              <a:lumMod val="20000"/>
-              <a:lumOff val="80000"/>
-            </a:schemeClr>
-          </a:solidFill>
-          <a:ln>
-            <a:noFill/>
-          </a:ln>
-        </p:spPr>
-        <p:style>
-          <a:lnRef idx="2">
-            <a:schemeClr val="accent1"/>
-          </a:lnRef>
-          <a:fillRef idx="1">
-            <a:schemeClr val="lt1"/>
-          </a:fillRef>
-          <a:effectRef idx="0">
-            <a:schemeClr val="accent1"/>
-          </a:effectRef>
-          <a:fontRef idx="minor">
-            <a:schemeClr val="dk1"/>
-          </a:fontRef>
-        </p:style>
-        <p:txBody>
-          <a:bodyPr rot="0" spcFirstLastPara="0" vertOverflow="overflow" horzOverflow="overflow" vert="horz" wrap="square" lIns="91440" tIns="45720" rIns="91440" bIns="45720" numCol="1" spcCol="0" rtlCol="0" fromWordArt="0" anchor="ctr" anchorCtr="0" forceAA="0" compatLnSpc="1">
-            <a:prstTxWarp prst="textNoShape">
-              <a:avLst/>
-            </a:prstTxWarp>
-            <a:noAutofit/>
-          </a:bodyPr>
-          <a:lstStyle/>
-          <a:p>
-            <a:pPr algn="ctr"/>
-            <a:r>
-              <a:rPr lang="en-US" sz="2000" dirty="0"/>
-              <a:t>Combine the answers</a:t>
-            </a:r>
-          </a:p>
-        </p:txBody>
-      </p:sp>
-      <p:cxnSp>
-        <p:nvCxnSpPr>
-          <p:cNvPr id="10" name="Straight Arrow Connector 9"/>
-          <p:cNvCxnSpPr>
-            <a:stCxn id="4" idx="1"/>
-          </p:cNvCxnSpPr>
-          <p:nvPr/>
-        </p:nvCxnSpPr>
-        <p:spPr>
-          <a:xfrm flipH="1">
-            <a:off x="6248400" y="3252874"/>
-            <a:ext cx="430946" cy="151520"/>
-          </a:xfrm>
-          <a:prstGeom prst="straightConnector1">
-            <a:avLst/>
-          </a:prstGeom>
-          <a:ln>
-            <a:tailEnd type="triangle"/>
-          </a:ln>
-        </p:spPr>
-        <p:style>
-          <a:lnRef idx="1">
-            <a:schemeClr val="accent1"/>
-          </a:lnRef>
-          <a:fillRef idx="0">
-            <a:schemeClr val="accent1"/>
-          </a:fillRef>
-          <a:effectRef idx="0">
-            <a:schemeClr val="accent1"/>
-          </a:effectRef>
-          <a:fontRef idx="minor">
-            <a:schemeClr val="tx1"/>
-          </a:fontRef>
-        </p:style>
-      </p:cxnSp>
-      <p:cxnSp>
-        <p:nvCxnSpPr>
-          <p:cNvPr id="12" name="Straight Arrow Connector 11"/>
-          <p:cNvCxnSpPr>
-            <a:stCxn id="6" idx="1"/>
-          </p:cNvCxnSpPr>
-          <p:nvPr/>
-        </p:nvCxnSpPr>
-        <p:spPr>
-          <a:xfrm flipH="1" flipV="1">
-            <a:off x="3352800" y="3810000"/>
-            <a:ext cx="3308617" cy="53181"/>
-          </a:xfrm>
-          <a:prstGeom prst="straightConnector1">
-            <a:avLst/>
-          </a:prstGeom>
-          <a:ln>
-            <a:tailEnd type="triangle"/>
-          </a:ln>
-        </p:spPr>
-        <p:style>
-          <a:lnRef idx="1">
-            <a:schemeClr val="accent1"/>
-          </a:lnRef>
-          <a:fillRef idx="0">
-            <a:schemeClr val="accent1"/>
-          </a:fillRef>
-          <a:effectRef idx="0">
-            <a:schemeClr val="accent1"/>
-          </a:effectRef>
-          <a:fontRef idx="minor">
-            <a:schemeClr val="tx1"/>
-          </a:fontRef>
-        </p:style>
-      </p:cxnSp>
-      <p:cxnSp>
-        <p:nvCxnSpPr>
-          <p:cNvPr id="14" name="Straight Arrow Connector 13"/>
-          <p:cNvCxnSpPr>
-            <a:stCxn id="7" idx="1"/>
-          </p:cNvCxnSpPr>
-          <p:nvPr/>
-        </p:nvCxnSpPr>
-        <p:spPr>
-          <a:xfrm flipH="1" flipV="1">
-            <a:off x="5638801" y="4584630"/>
-            <a:ext cx="1022616" cy="38520"/>
-          </a:xfrm>
-          <a:prstGeom prst="straightConnector1">
-            <a:avLst/>
-          </a:prstGeom>
-          <a:ln>
-            <a:tailEnd type="triangle"/>
-          </a:ln>
-        </p:spPr>
-        <p:style>
-          <a:lnRef idx="1">
-            <a:schemeClr val="accent1"/>
-          </a:lnRef>
-          <a:fillRef idx="0">
-            <a:schemeClr val="accent1"/>
-          </a:fillRef>
-          <a:effectRef idx="0">
-            <a:schemeClr val="accent1"/>
-          </a:effectRef>
-          <a:fontRef idx="minor">
-            <a:schemeClr val="tx1"/>
-          </a:fontRef>
-        </p:style>
-      </p:cxnSp>
-      <p:cxnSp>
-        <p:nvCxnSpPr>
-          <p:cNvPr id="16" name="Straight Arrow Connector 15"/>
-          <p:cNvCxnSpPr>
-            <a:stCxn id="8" idx="1"/>
-          </p:cNvCxnSpPr>
-          <p:nvPr/>
-        </p:nvCxnSpPr>
-        <p:spPr>
-          <a:xfrm flipH="1" flipV="1">
-            <a:off x="5180320" y="5443033"/>
-            <a:ext cx="1444278" cy="1"/>
-          </a:xfrm>
-          <a:prstGeom prst="straightConnector1">
-            <a:avLst/>
-          </a:prstGeom>
-          <a:ln>
-            <a:tailEnd type="triangle"/>
-          </a:ln>
-        </p:spPr>
-        <p:style>
-          <a:lnRef idx="1">
-            <a:schemeClr val="accent1"/>
-          </a:lnRef>
-          <a:fillRef idx="0">
-            <a:schemeClr val="accent1"/>
-          </a:fillRef>
-          <a:effectRef idx="0">
-            <a:schemeClr val="accent1"/>
-          </a:effectRef>
-          <a:fontRef idx="minor">
-            <a:schemeClr val="tx1"/>
-          </a:fontRef>
-        </p:style>
-      </p:cxnSp>
-    </p:spTree>
-    <p:extLst>
-      <p:ext uri="{BB962C8B-B14F-4D97-AF65-F5344CB8AC3E}">
-        <p14:creationId xmlns:p14="http://schemas.microsoft.com/office/powerpoint/2010/main" val="756742477"/>
       </p:ext>
     </p:extLst>
   </p:cSld>
@@ -26940,12 +18270,6 @@
 </file>
 
 <file path=ppt/tags/tag2.xml><?xml version="1.0" encoding="utf-8"?>
-<p:tagLst xmlns:a="http://schemas.openxmlformats.org/drawingml/2006/main" xmlns:r="http://schemas.openxmlformats.org/officeDocument/2006/relationships" xmlns:p="http://schemas.openxmlformats.org/presentationml/2006/main">
-  <p:tag name="HIDDENFONTSHAPE" val="true"/>
-</p:tagLst>
-</file>
-
-<file path=ppt/tags/tag3.xml><?xml version="1.0" encoding="utf-8"?>
 <p:tagLst xmlns:a="http://schemas.openxmlformats.org/drawingml/2006/main" xmlns:r="http://schemas.openxmlformats.org/officeDocument/2006/relationships" xmlns:p="http://schemas.openxmlformats.org/presentationml/2006/main">
   <p:tag name="HIDDENFONTSHAPE" val="true"/>
 </p:tagLst>

--- a/Slides/Lesson 8.1 General Recursion.pptx
+++ b/Slides/Lesson 8.1 General Recursion.pptx
@@ -5477,7 +5477,7 @@
             <a:fld id="{CF8F25F6-E1EF-4065-8525-42EDEBD9BD22}" type="datetimeFigureOut">
               <a:rPr lang="en-US" smtClean="0"/>
               <a:pPr/>
-              <a:t>10/13/2017</a:t>
+              <a:t>10/22/2017</a:t>
             </a:fld>
             <a:endParaRPr lang="en-US"/>
           </a:p>
@@ -6701,7 +6701,7 @@
           <a:p>
             <a:fld id="{2F1F79F5-7BEC-496A-AFC7-876E38F64D71}" type="datetime1">
               <a:rPr lang="en-US" smtClean="0"/>
-              <a:t>10/13/2017</a:t>
+              <a:t>10/22/2017</a:t>
             </a:fld>
             <a:endParaRPr lang="en-US"/>
           </a:p>
@@ -6796,7 +6796,7 @@
           <a:p>
             <a:fld id="{0A05703A-7669-4FEA-9056-25299B4D29D4}" type="datetime1">
               <a:rPr lang="en-US" smtClean="0"/>
-              <a:t>10/13/2017</a:t>
+              <a:t>10/22/2017</a:t>
             </a:fld>
             <a:endParaRPr lang="en-US"/>
           </a:p>
@@ -7071,7 +7071,7 @@
           <a:p>
             <a:fld id="{6E5077B5-BB57-49DB-88CA-226A139E5C01}" type="datetime1">
               <a:rPr lang="en-US" smtClean="0"/>
-              <a:t>10/13/2017</a:t>
+              <a:t>10/22/2017</a:t>
             </a:fld>
             <a:endParaRPr lang="en-US"/>
           </a:p>
@@ -7323,7 +7323,7 @@
           <a:p>
             <a:fld id="{C48D9447-CBD6-49A1-89FD-8512A8CF8999}" type="datetime1">
               <a:rPr lang="en-US" smtClean="0"/>
-              <a:t>10/13/2017</a:t>
+              <a:t>10/22/2017</a:t>
             </a:fld>
             <a:endParaRPr lang="en-US"/>
           </a:p>
@@ -7491,7 +7491,7 @@
           <a:p>
             <a:fld id="{A3639A2A-823D-48B7-9ACE-7FAF42870BA9}" type="datetime1">
               <a:rPr lang="en-US" smtClean="0"/>
-              <a:t>10/13/2017</a:t>
+              <a:t>10/22/2017</a:t>
             </a:fld>
             <a:endParaRPr lang="en-US"/>
           </a:p>
@@ -7669,7 +7669,7 @@
           <a:p>
             <a:fld id="{ED1B6996-82E9-463C-972C-7B56056E426C}" type="datetime1">
               <a:rPr lang="en-US" smtClean="0"/>
-              <a:t>10/13/2017</a:t>
+              <a:t>10/22/2017</a:t>
             </a:fld>
             <a:endParaRPr lang="en-US"/>
           </a:p>
@@ -7843,7 +7843,7 @@
           <a:p>
             <a:fld id="{E22ED4DA-448D-4BB1-B935-CC112220207B}" type="datetime1">
               <a:rPr lang="en-US" smtClean="0"/>
-              <a:t>10/13/2017</a:t>
+              <a:t>10/22/2017</a:t>
             </a:fld>
             <a:endParaRPr lang="en-US"/>
           </a:p>
@@ -8016,7 +8016,7 @@
           <a:p>
             <a:fld id="{E22ED4DA-448D-4BB1-B935-CC112220207B}" type="datetime1">
               <a:rPr lang="en-US" smtClean="0"/>
-              <a:t>10/13/2017</a:t>
+              <a:t>10/22/2017</a:t>
             </a:fld>
             <a:endParaRPr lang="en-US"/>
           </a:p>
@@ -8276,7 +8276,7 @@
           <a:p>
             <a:fld id="{FF5D65A6-AB94-4435-B0B7-3743215FA46C}" type="datetime1">
               <a:rPr lang="en-US" smtClean="0"/>
-              <a:t>10/13/2017</a:t>
+              <a:t>10/22/2017</a:t>
             </a:fld>
             <a:endParaRPr lang="en-US"/>
           </a:p>
@@ -8452,7 +8452,7 @@
           <a:p>
             <a:fld id="{FF5D65A6-AB94-4435-B0B7-3743215FA46C}" type="datetime1">
               <a:rPr lang="en-US" smtClean="0"/>
-              <a:t>10/13/2017</a:t>
+              <a:t>10/22/2017</a:t>
             </a:fld>
             <a:endParaRPr lang="en-US"/>
           </a:p>
@@ -8746,7 +8746,7 @@
           <a:p>
             <a:fld id="{7C193DC4-6EF0-48C9-B29C-616106A645E1}" type="datetime1">
               <a:rPr lang="en-US" smtClean="0"/>
-              <a:t>10/13/2017</a:t>
+              <a:t>10/22/2017</a:t>
             </a:fld>
             <a:endParaRPr lang="en-US"/>
           </a:p>
@@ -9031,7 +9031,7 @@
           <a:p>
             <a:fld id="{5D1846AD-9252-4647-9435-4C2AC365653A}" type="datetime1">
               <a:rPr lang="en-US" smtClean="0"/>
-              <a:t>10/13/2017</a:t>
+              <a:t>10/22/2017</a:t>
             </a:fld>
             <a:endParaRPr lang="en-US"/>
           </a:p>
@@ -9450,7 +9450,7 @@
           <a:p>
             <a:fld id="{CE56DC10-3561-4063-A6AF-C1CC7A41040A}" type="datetime1">
               <a:rPr lang="en-US" smtClean="0"/>
-              <a:t>10/13/2017</a:t>
+              <a:t>10/22/2017</a:t>
             </a:fld>
             <a:endParaRPr lang="en-US"/>
           </a:p>
@@ -9567,7 +9567,7 @@
           <a:p>
             <a:fld id="{2F7B77F5-1464-4F6B-92A8-64FC8A508293}" type="datetime1">
               <a:rPr lang="en-US" smtClean="0"/>
-              <a:t>10/13/2017</a:t>
+              <a:t>10/22/2017</a:t>
             </a:fld>
             <a:endParaRPr lang="en-US"/>
           </a:p>
@@ -9790,7 +9790,7 @@
           <a:p>
             <a:fld id="{02B3F677-983B-48DB-ADFD-63FE6CBC7FB2}" type="datetime1">
               <a:rPr lang="en-US" smtClean="0"/>
-              <a:t>10/13/2017</a:t>
+              <a:t>10/22/2017</a:t>
             </a:fld>
             <a:endParaRPr lang="en-US"/>
           </a:p>
@@ -17297,21 +17297,13 @@
           <a:p>
             <a:r>
               <a:rPr lang="en-US" dirty="0"/>
-              <a:t>Study the files </a:t>
-            </a:r>
-            <a:r>
-              <a:rPr lang="en-US"/>
-              <a:t>08-1-decode.rkt and 08-2-merge-sort.rkt in </a:t>
-            </a:r>
-            <a:r>
-              <a:rPr lang="en-US" dirty="0"/>
-              <a:t>the Examples folder.</a:t>
-            </a:r>
-          </a:p>
-          <a:p>
-            <a:r>
-              <a:rPr lang="en-US" dirty="0"/>
-              <a:t>Do Guided Practice 8.1</a:t>
+              <a:t>Study the files 08-1-decode.rkt and 08-2-merge-sort.rkt in the Examples folder.</a:t>
+            </a:r>
+          </a:p>
+          <a:p>
+            <a:r>
+              <a:rPr lang="en-US" dirty="0"/>
+              <a:t>Do Guided Practices 8.1 and 8.2</a:t>
             </a:r>
           </a:p>
           <a:p>

--- a/Slides/Lesson 8.1 General Recursion.pptx
+++ b/Slides/Lesson 8.1 General Recursion.pptx
@@ -5477,7 +5477,7 @@
             <a:fld id="{CF8F25F6-E1EF-4065-8525-42EDEBD9BD22}" type="datetimeFigureOut">
               <a:rPr lang="en-US" smtClean="0"/>
               <a:pPr/>
-              <a:t>10/22/2017</a:t>
+              <a:t>10/30/2017</a:t>
             </a:fld>
             <a:endParaRPr lang="en-US"/>
           </a:p>
@@ -6701,7 +6701,7 @@
           <a:p>
             <a:fld id="{2F1F79F5-7BEC-496A-AFC7-876E38F64D71}" type="datetime1">
               <a:rPr lang="en-US" smtClean="0"/>
-              <a:t>10/22/2017</a:t>
+              <a:t>10/30/2017</a:t>
             </a:fld>
             <a:endParaRPr lang="en-US"/>
           </a:p>
@@ -6796,7 +6796,7 @@
           <a:p>
             <a:fld id="{0A05703A-7669-4FEA-9056-25299B4D29D4}" type="datetime1">
               <a:rPr lang="en-US" smtClean="0"/>
-              <a:t>10/22/2017</a:t>
+              <a:t>10/30/2017</a:t>
             </a:fld>
             <a:endParaRPr lang="en-US"/>
           </a:p>
@@ -7071,7 +7071,7 @@
           <a:p>
             <a:fld id="{6E5077B5-BB57-49DB-88CA-226A139E5C01}" type="datetime1">
               <a:rPr lang="en-US" smtClean="0"/>
-              <a:t>10/22/2017</a:t>
+              <a:t>10/30/2017</a:t>
             </a:fld>
             <a:endParaRPr lang="en-US"/>
           </a:p>
@@ -7323,7 +7323,7 @@
           <a:p>
             <a:fld id="{C48D9447-CBD6-49A1-89FD-8512A8CF8999}" type="datetime1">
               <a:rPr lang="en-US" smtClean="0"/>
-              <a:t>10/22/2017</a:t>
+              <a:t>10/30/2017</a:t>
             </a:fld>
             <a:endParaRPr lang="en-US"/>
           </a:p>
@@ -7491,7 +7491,7 @@
           <a:p>
             <a:fld id="{A3639A2A-823D-48B7-9ACE-7FAF42870BA9}" type="datetime1">
               <a:rPr lang="en-US" smtClean="0"/>
-              <a:t>10/22/2017</a:t>
+              <a:t>10/30/2017</a:t>
             </a:fld>
             <a:endParaRPr lang="en-US"/>
           </a:p>
@@ -7669,7 +7669,7 @@
           <a:p>
             <a:fld id="{ED1B6996-82E9-463C-972C-7B56056E426C}" type="datetime1">
               <a:rPr lang="en-US" smtClean="0"/>
-              <a:t>10/22/2017</a:t>
+              <a:t>10/30/2017</a:t>
             </a:fld>
             <a:endParaRPr lang="en-US"/>
           </a:p>
@@ -7843,7 +7843,7 @@
           <a:p>
             <a:fld id="{E22ED4DA-448D-4BB1-B935-CC112220207B}" type="datetime1">
               <a:rPr lang="en-US" smtClean="0"/>
-              <a:t>10/22/2017</a:t>
+              <a:t>10/30/2017</a:t>
             </a:fld>
             <a:endParaRPr lang="en-US"/>
           </a:p>
@@ -8016,7 +8016,7 @@
           <a:p>
             <a:fld id="{E22ED4DA-448D-4BB1-B935-CC112220207B}" type="datetime1">
               <a:rPr lang="en-US" smtClean="0"/>
-              <a:t>10/22/2017</a:t>
+              <a:t>10/30/2017</a:t>
             </a:fld>
             <a:endParaRPr lang="en-US"/>
           </a:p>
@@ -8276,7 +8276,7 @@
           <a:p>
             <a:fld id="{FF5D65A6-AB94-4435-B0B7-3743215FA46C}" type="datetime1">
               <a:rPr lang="en-US" smtClean="0"/>
-              <a:t>10/22/2017</a:t>
+              <a:t>10/30/2017</a:t>
             </a:fld>
             <a:endParaRPr lang="en-US"/>
           </a:p>
@@ -8452,7 +8452,7 @@
           <a:p>
             <a:fld id="{FF5D65A6-AB94-4435-B0B7-3743215FA46C}" type="datetime1">
               <a:rPr lang="en-US" smtClean="0"/>
-              <a:t>10/22/2017</a:t>
+              <a:t>10/30/2017</a:t>
             </a:fld>
             <a:endParaRPr lang="en-US"/>
           </a:p>
@@ -8746,7 +8746,7 @@
           <a:p>
             <a:fld id="{7C193DC4-6EF0-48C9-B29C-616106A645E1}" type="datetime1">
               <a:rPr lang="en-US" smtClean="0"/>
-              <a:t>10/22/2017</a:t>
+              <a:t>10/30/2017</a:t>
             </a:fld>
             <a:endParaRPr lang="en-US"/>
           </a:p>
@@ -9031,7 +9031,7 @@
           <a:p>
             <a:fld id="{5D1846AD-9252-4647-9435-4C2AC365653A}" type="datetime1">
               <a:rPr lang="en-US" smtClean="0"/>
-              <a:t>10/22/2017</a:t>
+              <a:t>10/30/2017</a:t>
             </a:fld>
             <a:endParaRPr lang="en-US"/>
           </a:p>
@@ -9450,7 +9450,7 @@
           <a:p>
             <a:fld id="{CE56DC10-3561-4063-A6AF-C1CC7A41040A}" type="datetime1">
               <a:rPr lang="en-US" smtClean="0"/>
-              <a:t>10/22/2017</a:t>
+              <a:t>10/30/2017</a:t>
             </a:fld>
             <a:endParaRPr lang="en-US"/>
           </a:p>
@@ -9567,7 +9567,7 @@
           <a:p>
             <a:fld id="{2F7B77F5-1464-4F6B-92A8-64FC8A508293}" type="datetime1">
               <a:rPr lang="en-US" smtClean="0"/>
-              <a:t>10/22/2017</a:t>
+              <a:t>10/30/2017</a:t>
             </a:fld>
             <a:endParaRPr lang="en-US"/>
           </a:p>
@@ -9790,7 +9790,7 @@
           <a:p>
             <a:fld id="{02B3F677-983B-48DB-ADFD-63FE6CBC7FB2}" type="datetime1">
               <a:rPr lang="en-US" smtClean="0"/>
-              <a:t>10/22/2017</a:t>
+              <a:t>10/30/2017</a:t>
             </a:fld>
             <a:endParaRPr lang="en-US"/>
           </a:p>
@@ -17297,7 +17297,15 @@
           <a:p>
             <a:r>
               <a:rPr lang="en-US" dirty="0"/>
-              <a:t>Study the files 08-1-decode.rkt and 08-2-merge-sort.rkt in the Examples folder.</a:t>
+              <a:t>Study the </a:t>
+            </a:r>
+            <a:r>
+              <a:rPr lang="en-US"/>
+              <a:t>files 08-1-merge-sort</a:t>
+            </a:r>
+            <a:r>
+              <a:rPr lang="en-US" dirty="0"/>
+              <a:t>.rkt in the Examples folder.</a:t>
             </a:r>
           </a:p>
           <a:p>

--- a/Slides/Lesson 8.1 General Recursion.pptx
+++ b/Slides/Lesson 8.1 General Recursion.pptx
@@ -5477,7 +5477,7 @@
             <a:fld id="{CF8F25F6-E1EF-4065-8525-42EDEBD9BD22}" type="datetimeFigureOut">
               <a:rPr lang="en-US" smtClean="0"/>
               <a:pPr/>
-              <a:t>10/30/2017</a:t>
+              <a:t>11/1/2017</a:t>
             </a:fld>
             <a:endParaRPr lang="en-US"/>
           </a:p>
@@ -6701,7 +6701,7 @@
           <a:p>
             <a:fld id="{2F1F79F5-7BEC-496A-AFC7-876E38F64D71}" type="datetime1">
               <a:rPr lang="en-US" smtClean="0"/>
-              <a:t>10/30/2017</a:t>
+              <a:t>11/1/2017</a:t>
             </a:fld>
             <a:endParaRPr lang="en-US"/>
           </a:p>
@@ -6796,7 +6796,7 @@
           <a:p>
             <a:fld id="{0A05703A-7669-4FEA-9056-25299B4D29D4}" type="datetime1">
               <a:rPr lang="en-US" smtClean="0"/>
-              <a:t>10/30/2017</a:t>
+              <a:t>11/1/2017</a:t>
             </a:fld>
             <a:endParaRPr lang="en-US"/>
           </a:p>
@@ -7071,7 +7071,7 @@
           <a:p>
             <a:fld id="{6E5077B5-BB57-49DB-88CA-226A139E5C01}" type="datetime1">
               <a:rPr lang="en-US" smtClean="0"/>
-              <a:t>10/30/2017</a:t>
+              <a:t>11/1/2017</a:t>
             </a:fld>
             <a:endParaRPr lang="en-US"/>
           </a:p>
@@ -7323,7 +7323,7 @@
           <a:p>
             <a:fld id="{C48D9447-CBD6-49A1-89FD-8512A8CF8999}" type="datetime1">
               <a:rPr lang="en-US" smtClean="0"/>
-              <a:t>10/30/2017</a:t>
+              <a:t>11/1/2017</a:t>
             </a:fld>
             <a:endParaRPr lang="en-US"/>
           </a:p>
@@ -7491,7 +7491,7 @@
           <a:p>
             <a:fld id="{A3639A2A-823D-48B7-9ACE-7FAF42870BA9}" type="datetime1">
               <a:rPr lang="en-US" smtClean="0"/>
-              <a:t>10/30/2017</a:t>
+              <a:t>11/1/2017</a:t>
             </a:fld>
             <a:endParaRPr lang="en-US"/>
           </a:p>
@@ -7669,7 +7669,7 @@
           <a:p>
             <a:fld id="{ED1B6996-82E9-463C-972C-7B56056E426C}" type="datetime1">
               <a:rPr lang="en-US" smtClean="0"/>
-              <a:t>10/30/2017</a:t>
+              <a:t>11/1/2017</a:t>
             </a:fld>
             <a:endParaRPr lang="en-US"/>
           </a:p>
@@ -7843,7 +7843,7 @@
           <a:p>
             <a:fld id="{E22ED4DA-448D-4BB1-B935-CC112220207B}" type="datetime1">
               <a:rPr lang="en-US" smtClean="0"/>
-              <a:t>10/30/2017</a:t>
+              <a:t>11/1/2017</a:t>
             </a:fld>
             <a:endParaRPr lang="en-US"/>
           </a:p>
@@ -8016,7 +8016,7 @@
           <a:p>
             <a:fld id="{E22ED4DA-448D-4BB1-B935-CC112220207B}" type="datetime1">
               <a:rPr lang="en-US" smtClean="0"/>
-              <a:t>10/30/2017</a:t>
+              <a:t>11/1/2017</a:t>
             </a:fld>
             <a:endParaRPr lang="en-US"/>
           </a:p>
@@ -8276,7 +8276,7 @@
           <a:p>
             <a:fld id="{FF5D65A6-AB94-4435-B0B7-3743215FA46C}" type="datetime1">
               <a:rPr lang="en-US" smtClean="0"/>
-              <a:t>10/30/2017</a:t>
+              <a:t>11/1/2017</a:t>
             </a:fld>
             <a:endParaRPr lang="en-US"/>
           </a:p>
@@ -8452,7 +8452,7 @@
           <a:p>
             <a:fld id="{FF5D65A6-AB94-4435-B0B7-3743215FA46C}" type="datetime1">
               <a:rPr lang="en-US" smtClean="0"/>
-              <a:t>10/30/2017</a:t>
+              <a:t>11/1/2017</a:t>
             </a:fld>
             <a:endParaRPr lang="en-US"/>
           </a:p>
@@ -8746,7 +8746,7 @@
           <a:p>
             <a:fld id="{7C193DC4-6EF0-48C9-B29C-616106A645E1}" type="datetime1">
               <a:rPr lang="en-US" smtClean="0"/>
-              <a:t>10/30/2017</a:t>
+              <a:t>11/1/2017</a:t>
             </a:fld>
             <a:endParaRPr lang="en-US"/>
           </a:p>
@@ -9031,7 +9031,7 @@
           <a:p>
             <a:fld id="{5D1846AD-9252-4647-9435-4C2AC365653A}" type="datetime1">
               <a:rPr lang="en-US" smtClean="0"/>
-              <a:t>10/30/2017</a:t>
+              <a:t>11/1/2017</a:t>
             </a:fld>
             <a:endParaRPr lang="en-US"/>
           </a:p>
@@ -9450,7 +9450,7 @@
           <a:p>
             <a:fld id="{CE56DC10-3561-4063-A6AF-C1CC7A41040A}" type="datetime1">
               <a:rPr lang="en-US" smtClean="0"/>
-              <a:t>10/30/2017</a:t>
+              <a:t>11/1/2017</a:t>
             </a:fld>
             <a:endParaRPr lang="en-US"/>
           </a:p>
@@ -9567,7 +9567,7 @@
           <a:p>
             <a:fld id="{2F7B77F5-1464-4F6B-92A8-64FC8A508293}" type="datetime1">
               <a:rPr lang="en-US" smtClean="0"/>
-              <a:t>10/30/2017</a:t>
+              <a:t>11/1/2017</a:t>
             </a:fld>
             <a:endParaRPr lang="en-US"/>
           </a:p>
@@ -9790,7 +9790,7 @@
           <a:p>
             <a:fld id="{02B3F677-983B-48DB-ADFD-63FE6CBC7FB2}" type="datetime1">
               <a:rPr lang="en-US" smtClean="0"/>
-              <a:t>10/30/2017</a:t>
+              <a:t>11/1/2017</a:t>
             </a:fld>
             <a:endParaRPr lang="en-US"/>
           </a:p>
@@ -17519,7 +17519,7 @@
           <a:p>
             <a:r>
               <a:rPr lang="en-US" dirty="0"/>
-              <a:t>So far, we've written our functions using the destructor template to recur on the sub-pieces of the data.  We sometimes call this </a:t>
+              <a:t>So far, we've written our functions using the observer template to recur on the sub-pieces of the data.  We sometimes call this </a:t>
             </a:r>
             <a:r>
               <a:rPr lang="en-US" i="1" dirty="0">
